--- a/122/NETCONF/netconf-nmop-interim-draft-netana-netconf-notif-envelope-02.pptx
+++ b/122/NETCONF/netconf-nmop-interim-draft-netana-netconf-notif-envelope-02.pptx
@@ -31752,7 +31752,7 @@
                 <a:cs typeface="Calibri"/>
                 <a:sym typeface="Calibri"/>
               </a:rPr>
-              <a:t>Defaulting enable-notif-envelope=True eases these cases</a:t>
+              <a:t>Defaulting enable-notif-envelope=True eases this case</a:t>
             </a:r>
             <a:endParaRPr sz="1900">
               <a:solidFill>

--- a/122/NETCONF/netconf-nmop-interim-draft-netana-netconf-notif-envelope-02.pptx
+++ b/122/NETCONF/netconf-nmop-interim-draft-netana-netconf-notif-envelope-02.pptx
@@ -30,6 +30,7 @@
     <p:sldId id="275" r:id="rId24"/>
     <p:sldId id="276" r:id="rId25"/>
     <p:sldId id="277" r:id="rId26"/>
+    <p:sldId id="278" r:id="rId27"/>
   </p:sldIdLst>
   <p:sldSz cy="6858000" cx="12192000"/>
   <p:notesSz cx="6858000" cy="9144000"/>
@@ -1815,7 +1816,7 @@
   <p:cSld>
     <p:spTree>
       <p:nvGrpSpPr>
-        <p:cNvPr id="219" name="Shape 219"/>
+        <p:cNvPr id="217" name="Shape 217"/>
         <p:cNvGrpSpPr/>
         <p:nvPr/>
       </p:nvGrpSpPr>
@@ -1829,7 +1830,7 @@
       </p:grpSpPr>
       <p:sp>
         <p:nvSpPr>
-          <p:cNvPr id="220" name="Google Shape;220;g32d7ec59dd8_0_12:notes"/>
+          <p:cNvPr id="218" name="Google Shape;218;g32d6f77c6d9_1_132:notes"/>
           <p:cNvSpPr txBox="1"/>
           <p:nvPr>
             <p:ph idx="1" type="body"/>
@@ -1876,7 +1877,7 @@
       </p:sp>
       <p:sp>
         <p:nvSpPr>
-          <p:cNvPr id="221" name="Google Shape;221;g32d7ec59dd8_0_12:notes"/>
+          <p:cNvPr id="219" name="Google Shape;219;g32d6f77c6d9_1_132:notes"/>
           <p:cNvSpPr/>
           <p:nvPr>
             <p:ph idx="2" type="sldImg"/>
@@ -1946,7 +1947,7 @@
       </p:grpSpPr>
       <p:sp>
         <p:nvSpPr>
-          <p:cNvPr id="227" name="Google Shape;227;g32d6f77c6d9_1_147:notes"/>
+          <p:cNvPr id="227" name="Google Shape;227;g32d7ec59dd8_0_12:notes"/>
           <p:cNvSpPr txBox="1"/>
           <p:nvPr>
             <p:ph idx="1" type="body"/>
@@ -1993,7 +1994,7 @@
       </p:sp>
       <p:sp>
         <p:nvSpPr>
-          <p:cNvPr id="228" name="Google Shape;228;g32d6f77c6d9_1_147:notes"/>
+          <p:cNvPr id="228" name="Google Shape;228;g32d7ec59dd8_0_12:notes"/>
           <p:cNvSpPr/>
           <p:nvPr>
             <p:ph idx="2" type="sldImg"/>
@@ -2063,7 +2064,7 @@
       </p:grpSpPr>
       <p:sp>
         <p:nvSpPr>
-          <p:cNvPr id="234" name="Google Shape;234;g30de21959b9_0_149:notes"/>
+          <p:cNvPr id="234" name="Google Shape;234;g32d6f77c6d9_1_147:notes"/>
           <p:cNvSpPr txBox="1"/>
           <p:nvPr>
             <p:ph idx="1" type="body"/>
@@ -2110,7 +2111,7 @@
       </p:sp>
       <p:sp>
         <p:nvSpPr>
-          <p:cNvPr id="235" name="Google Shape;235;g30de21959b9_0_149:notes"/>
+          <p:cNvPr id="235" name="Google Shape;235;g32d6f77c6d9_1_147:notes"/>
           <p:cNvSpPr/>
           <p:nvPr>
             <p:ph idx="2" type="sldImg"/>
@@ -2180,7 +2181,7 @@
       </p:grpSpPr>
       <p:sp>
         <p:nvSpPr>
-          <p:cNvPr id="241" name="Google Shape;241;g32d6f77c6d9_1_159:notes"/>
+          <p:cNvPr id="241" name="Google Shape;241;g30de21959b9_0_149:notes"/>
           <p:cNvSpPr txBox="1"/>
           <p:nvPr>
             <p:ph idx="1" type="body"/>
@@ -2227,7 +2228,7 @@
       </p:sp>
       <p:sp>
         <p:nvSpPr>
-          <p:cNvPr id="242" name="Google Shape;242;g32d6f77c6d9_1_159:notes"/>
+          <p:cNvPr id="242" name="Google Shape;242;g30de21959b9_0_149:notes"/>
           <p:cNvSpPr/>
           <p:nvPr>
             <p:ph idx="2" type="sldImg"/>
@@ -2297,151 +2298,7 @@
       </p:grpSpPr>
       <p:sp>
         <p:nvSpPr>
-          <p:cNvPr id="248" name="Google Shape;248;g32d6f77c6d9_0_6:notes"/>
-          <p:cNvSpPr/>
-          <p:nvPr>
-            <p:ph idx="2" type="sldImg"/>
-          </p:nvPr>
-        </p:nvSpPr>
-        <p:spPr>
-          <a:xfrm>
-            <a:off x="685800" y="1143000"/>
-            <a:ext cx="5486400" cy="3086100"/>
-          </a:xfrm>
-          <a:custGeom>
-            <a:rect b="b" l="l" r="r" t="t"/>
-            <a:pathLst>
-              <a:path extrusionOk="0" h="120000" w="120000">
-                <a:moveTo>
-                  <a:pt x="0" y="0"/>
-                </a:moveTo>
-                <a:lnTo>
-                  <a:pt x="120000" y="0"/>
-                </a:lnTo>
-                <a:lnTo>
-                  <a:pt x="120000" y="120000"/>
-                </a:lnTo>
-                <a:lnTo>
-                  <a:pt x="0" y="120000"/>
-                </a:lnTo>
-                <a:close/>
-              </a:path>
-            </a:pathLst>
-          </a:custGeom>
-        </p:spPr>
-      </p:sp>
-      <p:sp>
-        <p:nvSpPr>
-          <p:cNvPr id="249" name="Google Shape;249;g32d6f77c6d9_0_6:notes"/>
-          <p:cNvSpPr txBox="1"/>
-          <p:nvPr>
-            <p:ph idx="1" type="body"/>
-          </p:nvPr>
-        </p:nvSpPr>
-        <p:spPr>
-          <a:xfrm>
-            <a:off x="685800" y="4400550"/>
-            <a:ext cx="5486400" cy="3600600"/>
-          </a:xfrm>
-          <a:prstGeom prst="rect">
-            <a:avLst/>
-          </a:prstGeom>
-        </p:spPr>
-        <p:txBody>
-          <a:bodyPr anchorCtr="0" anchor="t" bIns="45700" lIns="91425" spcFirstLastPara="1" rIns="91425" wrap="square" tIns="45700">
-            <a:noAutofit/>
-          </a:bodyPr>
-          <a:lstStyle/>
-          <a:p>
-            <a:pPr indent="0" lvl="0" marL="0" rtl="0" algn="l">
-              <a:spcBef>
-                <a:spcPts val="0"/>
-              </a:spcBef>
-              <a:spcAft>
-                <a:spcPts val="0"/>
-              </a:spcAft>
-              <a:buNone/>
-            </a:pPr>
-            <a:r>
-              <a:t/>
-            </a:r>
-            <a:endParaRPr/>
-          </a:p>
-        </p:txBody>
-      </p:sp>
-      <p:sp>
-        <p:nvSpPr>
-          <p:cNvPr id="250" name="Google Shape;250;g32d6f77c6d9_0_6:notes"/>
-          <p:cNvSpPr txBox="1"/>
-          <p:nvPr>
-            <p:ph idx="12" type="sldNum"/>
-          </p:nvPr>
-        </p:nvSpPr>
-        <p:spPr>
-          <a:xfrm>
-            <a:off x="3884613" y="8685213"/>
-            <a:ext cx="2971800" cy="458700"/>
-          </a:xfrm>
-          <a:prstGeom prst="rect">
-            <a:avLst/>
-          </a:prstGeom>
-        </p:spPr>
-        <p:txBody>
-          <a:bodyPr anchorCtr="0" anchor="b" bIns="45700" lIns="91425" spcFirstLastPara="1" rIns="91425" wrap="square" tIns="45700">
-            <a:noAutofit/>
-          </a:bodyPr>
-          <a:lstStyle/>
-          <a:p>
-            <a:pPr indent="0" lvl="0" marL="0" rtl="0" algn="r">
-              <a:spcBef>
-                <a:spcPts val="0"/>
-              </a:spcBef>
-              <a:spcAft>
-                <a:spcPts val="0"/>
-              </a:spcAft>
-              <a:buClr>
-                <a:srgbClr val="000000"/>
-              </a:buClr>
-              <a:buSzPts val="1200"/>
-              <a:buFont typeface="Arial"/>
-              <a:buNone/>
-            </a:pPr>
-            <a:fld id="{00000000-1234-1234-1234-123412341234}" type="slidenum">
-              <a:rPr lang="de-CH"/>
-              <a:t>‹#›</a:t>
-            </a:fld>
-            <a:endParaRPr/>
-          </a:p>
-        </p:txBody>
-      </p:sp>
-    </p:spTree>
-  </p:cSld>
-  <p:clrMapOvr>
-    <a:masterClrMapping/>
-  </p:clrMapOvr>
-</p:notes>
-</file>
-
-<file path=ppt/notesSlides/notesSlide15.xml><?xml version="1.0" encoding="utf-8"?>
-<p:notes xmlns:a="http://schemas.openxmlformats.org/drawingml/2006/main" xmlns:r="http://schemas.openxmlformats.org/officeDocument/2006/relationships" xmlns:mc="http://schemas.openxmlformats.org/markup-compatibility/2006" xmlns:mv="urn:schemas-microsoft-com:mac:vml" xmlns:p="http://schemas.openxmlformats.org/presentationml/2006/main" xmlns:c="http://schemas.openxmlformats.org/drawingml/2006/chart" xmlns:dgm="http://schemas.openxmlformats.org/drawingml/2006/diagram" xmlns:o="urn:schemas-microsoft-com:office:office" xmlns:v="urn:schemas-microsoft-com:vml" xmlns:pvml="urn:schemas-microsoft-com:office:powerpoint" xmlns:com="http://schemas.openxmlformats.org/drawingml/2006/compatibility" xmlns:p14="http://schemas.microsoft.com/office/powerpoint/2010/main" xmlns:p15="http://schemas.microsoft.com/office/powerpoint/2012/main" xmlns:ahyp="http://schemas.microsoft.com/office/drawing/2018/hyperlinkcolor" showMasterPhAnim="0" showMasterSp="0">
-  <p:cSld>
-    <p:spTree>
-      <p:nvGrpSpPr>
-        <p:cNvPr id="254" name="Shape 254"/>
-        <p:cNvGrpSpPr/>
-        <p:nvPr/>
-      </p:nvGrpSpPr>
-      <p:grpSpPr>
-        <a:xfrm>
-          <a:off x="0" y="0"/>
-          <a:ext cx="0" cy="0"/>
-          <a:chOff x="0" y="0"/>
-          <a:chExt cx="0" cy="0"/>
-        </a:xfrm>
-      </p:grpSpPr>
-      <p:sp>
-        <p:nvSpPr>
-          <p:cNvPr id="255" name="Google Shape;255;g237ce9b2c9c_0_11:notes"/>
+          <p:cNvPr id="248" name="Google Shape;248;g32d6f77c6d9_1_159:notes"/>
           <p:cNvSpPr txBox="1"/>
           <p:nvPr>
             <p:ph idx="1" type="body"/>
@@ -2488,7 +2345,7 @@
       </p:sp>
       <p:sp>
         <p:nvSpPr>
-          <p:cNvPr id="256" name="Google Shape;256;g237ce9b2c9c_0_11:notes"/>
+          <p:cNvPr id="249" name="Google Shape;249;g32d6f77c6d9_1_159:notes"/>
           <p:cNvSpPr/>
           <p:nvPr>
             <p:ph idx="2" type="sldImg"/>
@@ -2539,6 +2396,150 @@
 </p:notes>
 </file>
 
+<file path=ppt/notesSlides/notesSlide15.xml><?xml version="1.0" encoding="utf-8"?>
+<p:notes xmlns:a="http://schemas.openxmlformats.org/drawingml/2006/main" xmlns:r="http://schemas.openxmlformats.org/officeDocument/2006/relationships" xmlns:mc="http://schemas.openxmlformats.org/markup-compatibility/2006" xmlns:mv="urn:schemas-microsoft-com:mac:vml" xmlns:p="http://schemas.openxmlformats.org/presentationml/2006/main" xmlns:c="http://schemas.openxmlformats.org/drawingml/2006/chart" xmlns:dgm="http://schemas.openxmlformats.org/drawingml/2006/diagram" xmlns:o="urn:schemas-microsoft-com:office:office" xmlns:v="urn:schemas-microsoft-com:vml" xmlns:pvml="urn:schemas-microsoft-com:office:powerpoint" xmlns:com="http://schemas.openxmlformats.org/drawingml/2006/compatibility" xmlns:p14="http://schemas.microsoft.com/office/powerpoint/2010/main" xmlns:p15="http://schemas.microsoft.com/office/powerpoint/2012/main" xmlns:ahyp="http://schemas.microsoft.com/office/drawing/2018/hyperlinkcolor" showMasterPhAnim="0" showMasterSp="0">
+  <p:cSld>
+    <p:spTree>
+      <p:nvGrpSpPr>
+        <p:cNvPr id="254" name="Shape 254"/>
+        <p:cNvGrpSpPr/>
+        <p:nvPr/>
+      </p:nvGrpSpPr>
+      <p:grpSpPr>
+        <a:xfrm>
+          <a:off x="0" y="0"/>
+          <a:ext cx="0" cy="0"/>
+          <a:chOff x="0" y="0"/>
+          <a:chExt cx="0" cy="0"/>
+        </a:xfrm>
+      </p:grpSpPr>
+      <p:sp>
+        <p:nvSpPr>
+          <p:cNvPr id="255" name="Google Shape;255;g32d6f77c6d9_0_6:notes"/>
+          <p:cNvSpPr/>
+          <p:nvPr>
+            <p:ph idx="2" type="sldImg"/>
+          </p:nvPr>
+        </p:nvSpPr>
+        <p:spPr>
+          <a:xfrm>
+            <a:off x="685800" y="1143000"/>
+            <a:ext cx="5486400" cy="3086100"/>
+          </a:xfrm>
+          <a:custGeom>
+            <a:rect b="b" l="l" r="r" t="t"/>
+            <a:pathLst>
+              <a:path extrusionOk="0" h="120000" w="120000">
+                <a:moveTo>
+                  <a:pt x="0" y="0"/>
+                </a:moveTo>
+                <a:lnTo>
+                  <a:pt x="120000" y="0"/>
+                </a:lnTo>
+                <a:lnTo>
+                  <a:pt x="120000" y="120000"/>
+                </a:lnTo>
+                <a:lnTo>
+                  <a:pt x="0" y="120000"/>
+                </a:lnTo>
+                <a:close/>
+              </a:path>
+            </a:pathLst>
+          </a:custGeom>
+        </p:spPr>
+      </p:sp>
+      <p:sp>
+        <p:nvSpPr>
+          <p:cNvPr id="256" name="Google Shape;256;g32d6f77c6d9_0_6:notes"/>
+          <p:cNvSpPr txBox="1"/>
+          <p:nvPr>
+            <p:ph idx="1" type="body"/>
+          </p:nvPr>
+        </p:nvSpPr>
+        <p:spPr>
+          <a:xfrm>
+            <a:off x="685800" y="4400550"/>
+            <a:ext cx="5486400" cy="3600600"/>
+          </a:xfrm>
+          <a:prstGeom prst="rect">
+            <a:avLst/>
+          </a:prstGeom>
+        </p:spPr>
+        <p:txBody>
+          <a:bodyPr anchorCtr="0" anchor="t" bIns="45700" lIns="91425" spcFirstLastPara="1" rIns="91425" wrap="square" tIns="45700">
+            <a:noAutofit/>
+          </a:bodyPr>
+          <a:lstStyle/>
+          <a:p>
+            <a:pPr indent="0" lvl="0" marL="0" rtl="0" algn="l">
+              <a:spcBef>
+                <a:spcPts val="0"/>
+              </a:spcBef>
+              <a:spcAft>
+                <a:spcPts val="0"/>
+              </a:spcAft>
+              <a:buNone/>
+            </a:pPr>
+            <a:r>
+              <a:t/>
+            </a:r>
+            <a:endParaRPr/>
+          </a:p>
+        </p:txBody>
+      </p:sp>
+      <p:sp>
+        <p:nvSpPr>
+          <p:cNvPr id="257" name="Google Shape;257;g32d6f77c6d9_0_6:notes"/>
+          <p:cNvSpPr txBox="1"/>
+          <p:nvPr>
+            <p:ph idx="12" type="sldNum"/>
+          </p:nvPr>
+        </p:nvSpPr>
+        <p:spPr>
+          <a:xfrm>
+            <a:off x="3884613" y="8685213"/>
+            <a:ext cx="2971800" cy="458700"/>
+          </a:xfrm>
+          <a:prstGeom prst="rect">
+            <a:avLst/>
+          </a:prstGeom>
+        </p:spPr>
+        <p:txBody>
+          <a:bodyPr anchorCtr="0" anchor="b" bIns="45700" lIns="91425" spcFirstLastPara="1" rIns="91425" wrap="square" tIns="45700">
+            <a:noAutofit/>
+          </a:bodyPr>
+          <a:lstStyle/>
+          <a:p>
+            <a:pPr indent="0" lvl="0" marL="0" rtl="0" algn="r">
+              <a:spcBef>
+                <a:spcPts val="0"/>
+              </a:spcBef>
+              <a:spcAft>
+                <a:spcPts val="0"/>
+              </a:spcAft>
+              <a:buClr>
+                <a:srgbClr val="000000"/>
+              </a:buClr>
+              <a:buSzPts val="1200"/>
+              <a:buFont typeface="Arial"/>
+              <a:buNone/>
+            </a:pPr>
+            <a:fld id="{00000000-1234-1234-1234-123412341234}" type="slidenum">
+              <a:rPr lang="de-CH"/>
+              <a:t>‹#›</a:t>
+            </a:fld>
+            <a:endParaRPr/>
+          </a:p>
+        </p:txBody>
+      </p:sp>
+    </p:spTree>
+  </p:cSld>
+  <p:clrMapOvr>
+    <a:masterClrMapping/>
+  </p:clrMapOvr>
+</p:notes>
+</file>
+
 <file path=ppt/notesSlides/notesSlide16.xml><?xml version="1.0" encoding="utf-8"?>
 <p:notes xmlns:a="http://schemas.openxmlformats.org/drawingml/2006/main" xmlns:r="http://schemas.openxmlformats.org/officeDocument/2006/relationships" xmlns:mc="http://schemas.openxmlformats.org/markup-compatibility/2006" xmlns:mv="urn:schemas-microsoft-com:mac:vml" xmlns:p="http://schemas.openxmlformats.org/presentationml/2006/main" xmlns:c="http://schemas.openxmlformats.org/drawingml/2006/chart" xmlns:dgm="http://schemas.openxmlformats.org/drawingml/2006/diagram" xmlns:o="urn:schemas-microsoft-com:office:office" xmlns:v="urn:schemas-microsoft-com:vml" xmlns:pvml="urn:schemas-microsoft-com:office:powerpoint" xmlns:com="http://schemas.openxmlformats.org/drawingml/2006/compatibility" xmlns:p14="http://schemas.microsoft.com/office/powerpoint/2010/main" xmlns:p15="http://schemas.microsoft.com/office/powerpoint/2012/main" xmlns:ahyp="http://schemas.microsoft.com/office/drawing/2018/hyperlinkcolor" showMasterPhAnim="0" showMasterSp="0">
   <p:cSld>
@@ -2558,7 +2559,7 @@
       </p:grpSpPr>
       <p:sp>
         <p:nvSpPr>
-          <p:cNvPr id="262" name="Google Shape;262;p2:notes"/>
+          <p:cNvPr id="262" name="Google Shape;262;g237ce9b2c9c_0_11:notes"/>
           <p:cNvSpPr txBox="1"/>
           <p:nvPr>
             <p:ph idx="1" type="body"/>
@@ -2567,7 +2568,7 @@
         <p:spPr>
           <a:xfrm>
             <a:off x="685800" y="4400550"/>
-            <a:ext cx="5486400" cy="3600450"/>
+            <a:ext cx="5486400" cy="3600600"/>
           </a:xfrm>
           <a:prstGeom prst="rect">
             <a:avLst/>
@@ -2605,7 +2606,7 @@
       </p:sp>
       <p:sp>
         <p:nvSpPr>
-          <p:cNvPr id="263" name="Google Shape;263;p2:notes"/>
+          <p:cNvPr id="263" name="Google Shape;263;g237ce9b2c9c_0_11:notes"/>
           <p:cNvSpPr/>
           <p:nvPr>
             <p:ph idx="2" type="sldImg"/>
@@ -2661,7 +2662,7 @@
   <p:cSld>
     <p:spTree>
       <p:nvGrpSpPr>
-        <p:cNvPr id="272" name="Shape 272"/>
+        <p:cNvPr id="268" name="Shape 268"/>
         <p:cNvGrpSpPr/>
         <p:nvPr/>
       </p:nvGrpSpPr>
@@ -2675,7 +2676,7 @@
       </p:grpSpPr>
       <p:sp>
         <p:nvSpPr>
-          <p:cNvPr id="273" name="Google Shape;273;g30de21959b9_0_31:notes"/>
+          <p:cNvPr id="269" name="Google Shape;269;p2:notes"/>
           <p:cNvSpPr txBox="1"/>
           <p:nvPr>
             <p:ph idx="1" type="body"/>
@@ -2684,7 +2685,7 @@
         <p:spPr>
           <a:xfrm>
             <a:off x="685800" y="4400550"/>
-            <a:ext cx="5486400" cy="3600600"/>
+            <a:ext cx="5486400" cy="3600450"/>
           </a:xfrm>
           <a:prstGeom prst="rect">
             <a:avLst/>
@@ -2722,7 +2723,7 @@
       </p:sp>
       <p:sp>
         <p:nvSpPr>
-          <p:cNvPr id="274" name="Google Shape;274;g30de21959b9_0_31:notes"/>
+          <p:cNvPr id="270" name="Google Shape;270;p2:notes"/>
           <p:cNvSpPr/>
           <p:nvPr>
             <p:ph idx="2" type="sldImg"/>
@@ -2792,7 +2793,7 @@
       </p:grpSpPr>
       <p:sp>
         <p:nvSpPr>
-          <p:cNvPr id="280" name="Google Shape;280;g30de21959b9_0_13:notes"/>
+          <p:cNvPr id="280" name="Google Shape;280;g30de21959b9_0_31:notes"/>
           <p:cNvSpPr txBox="1"/>
           <p:nvPr>
             <p:ph idx="1" type="body"/>
@@ -2839,7 +2840,7 @@
       </p:sp>
       <p:sp>
         <p:nvSpPr>
-          <p:cNvPr id="281" name="Google Shape;281;g30de21959b9_0_13:notes"/>
+          <p:cNvPr id="281" name="Google Shape;281;g30de21959b9_0_31:notes"/>
           <p:cNvSpPr/>
           <p:nvPr>
             <p:ph idx="2" type="sldImg"/>
@@ -2895,7 +2896,7 @@
   <p:cSld>
     <p:spTree>
       <p:nvGrpSpPr>
-        <p:cNvPr id="302" name="Shape 302"/>
+        <p:cNvPr id="286" name="Shape 286"/>
         <p:cNvGrpSpPr/>
         <p:nvPr/>
       </p:nvGrpSpPr>
@@ -2909,7 +2910,7 @@
       </p:grpSpPr>
       <p:sp>
         <p:nvSpPr>
-          <p:cNvPr id="303" name="Google Shape;303;g30de21959b9_0_46:notes"/>
+          <p:cNvPr id="287" name="Google Shape;287;g30de21959b9_0_13:notes"/>
           <p:cNvSpPr txBox="1"/>
           <p:nvPr>
             <p:ph idx="1" type="body"/>
@@ -2956,7 +2957,7 @@
       </p:sp>
       <p:sp>
         <p:nvSpPr>
-          <p:cNvPr id="304" name="Google Shape;304;g30de21959b9_0_46:notes"/>
+          <p:cNvPr id="288" name="Google Shape;288;g30de21959b9_0_13:notes"/>
           <p:cNvSpPr/>
           <p:nvPr>
             <p:ph idx="2" type="sldImg"/>
@@ -3129,7 +3130,7 @@
   <p:cSld>
     <p:spTree>
       <p:nvGrpSpPr>
-        <p:cNvPr id="319" name="Shape 319"/>
+        <p:cNvPr id="309" name="Shape 309"/>
         <p:cNvGrpSpPr/>
         <p:nvPr/>
       </p:nvGrpSpPr>
@@ -3143,7 +3144,7 @@
       </p:grpSpPr>
       <p:sp>
         <p:nvSpPr>
-          <p:cNvPr id="320" name="Google Shape;320;g30de21959b9_0_73:notes"/>
+          <p:cNvPr id="310" name="Google Shape;310;g30de21959b9_0_46:notes"/>
           <p:cNvSpPr txBox="1"/>
           <p:nvPr>
             <p:ph idx="1" type="body"/>
@@ -3190,7 +3191,7 @@
       </p:sp>
       <p:sp>
         <p:nvSpPr>
-          <p:cNvPr id="321" name="Google Shape;321;g30de21959b9_0_73:notes"/>
+          <p:cNvPr id="311" name="Google Shape;311;g30de21959b9_0_46:notes"/>
           <p:cNvSpPr/>
           <p:nvPr>
             <p:ph idx="2" type="sldImg"/>
@@ -3246,7 +3247,7 @@
   <p:cSld>
     <p:spTree>
       <p:nvGrpSpPr>
-        <p:cNvPr id="344" name="Shape 344"/>
+        <p:cNvPr id="326" name="Shape 326"/>
         <p:cNvGrpSpPr/>
         <p:nvPr/>
       </p:nvGrpSpPr>
@@ -3260,7 +3261,7 @@
       </p:grpSpPr>
       <p:sp>
         <p:nvSpPr>
-          <p:cNvPr id="345" name="Google Shape;345;g30de21959b9_0_105:notes"/>
+          <p:cNvPr id="327" name="Google Shape;327;g30de21959b9_0_73:notes"/>
           <p:cNvSpPr txBox="1"/>
           <p:nvPr>
             <p:ph idx="1" type="body"/>
@@ -3307,7 +3308,7 @@
       </p:sp>
       <p:sp>
         <p:nvSpPr>
-          <p:cNvPr id="346" name="Google Shape;346;g30de21959b9_0_105:notes"/>
+          <p:cNvPr id="328" name="Google Shape;328;g30de21959b9_0_73:notes"/>
           <p:cNvSpPr/>
           <p:nvPr>
             <p:ph idx="2" type="sldImg"/>
@@ -3363,7 +3364,7 @@
   <p:cSld>
     <p:spTree>
       <p:nvGrpSpPr>
-        <p:cNvPr id="352" name="Shape 352"/>
+        <p:cNvPr id="351" name="Shape 351"/>
         <p:cNvGrpSpPr/>
         <p:nvPr/>
       </p:nvGrpSpPr>
@@ -3377,7 +3378,7 @@
       </p:grpSpPr>
       <p:sp>
         <p:nvSpPr>
-          <p:cNvPr id="353" name="Google Shape;353;g30de21959b9_0_135:notes"/>
+          <p:cNvPr id="352" name="Google Shape;352;g30de21959b9_0_105:notes"/>
           <p:cNvSpPr txBox="1"/>
           <p:nvPr>
             <p:ph idx="1" type="body"/>
@@ -3424,7 +3425,124 @@
       </p:sp>
       <p:sp>
         <p:nvSpPr>
-          <p:cNvPr id="354" name="Google Shape;354;g30de21959b9_0_135:notes"/>
+          <p:cNvPr id="353" name="Google Shape;353;g30de21959b9_0_105:notes"/>
+          <p:cNvSpPr/>
+          <p:nvPr>
+            <p:ph idx="2" type="sldImg"/>
+          </p:nvPr>
+        </p:nvSpPr>
+        <p:spPr>
+          <a:xfrm>
+            <a:off x="685800" y="1143000"/>
+            <a:ext cx="5486400" cy="3086100"/>
+          </a:xfrm>
+          <a:custGeom>
+            <a:rect b="b" l="l" r="r" t="t"/>
+            <a:pathLst>
+              <a:path extrusionOk="0" h="120000" w="120000">
+                <a:moveTo>
+                  <a:pt x="0" y="0"/>
+                </a:moveTo>
+                <a:lnTo>
+                  <a:pt x="120000" y="0"/>
+                </a:lnTo>
+                <a:lnTo>
+                  <a:pt x="120000" y="120000"/>
+                </a:lnTo>
+                <a:lnTo>
+                  <a:pt x="0" y="120000"/>
+                </a:lnTo>
+                <a:close/>
+              </a:path>
+            </a:pathLst>
+          </a:custGeom>
+          <a:noFill/>
+          <a:ln cap="flat" cmpd="sng" w="12700">
+            <a:solidFill>
+              <a:srgbClr val="000000"/>
+            </a:solidFill>
+            <a:prstDash val="solid"/>
+            <a:round/>
+            <a:headEnd len="sm" w="sm" type="none"/>
+            <a:tailEnd len="sm" w="sm" type="none"/>
+          </a:ln>
+        </p:spPr>
+      </p:sp>
+    </p:spTree>
+  </p:cSld>
+  <p:clrMapOvr>
+    <a:masterClrMapping/>
+  </p:clrMapOvr>
+</p:notes>
+</file>
+
+<file path=ppt/notesSlides/notesSlide23.xml><?xml version="1.0" encoding="utf-8"?>
+<p:notes xmlns:a="http://schemas.openxmlformats.org/drawingml/2006/main" xmlns:r="http://schemas.openxmlformats.org/officeDocument/2006/relationships" xmlns:mc="http://schemas.openxmlformats.org/markup-compatibility/2006" xmlns:mv="urn:schemas-microsoft-com:mac:vml" xmlns:p="http://schemas.openxmlformats.org/presentationml/2006/main" xmlns:c="http://schemas.openxmlformats.org/drawingml/2006/chart" xmlns:dgm="http://schemas.openxmlformats.org/drawingml/2006/diagram" xmlns:o="urn:schemas-microsoft-com:office:office" xmlns:v="urn:schemas-microsoft-com:vml" xmlns:pvml="urn:schemas-microsoft-com:office:powerpoint" xmlns:com="http://schemas.openxmlformats.org/drawingml/2006/compatibility" xmlns:p14="http://schemas.microsoft.com/office/powerpoint/2010/main" xmlns:p15="http://schemas.microsoft.com/office/powerpoint/2012/main" xmlns:ahyp="http://schemas.microsoft.com/office/drawing/2018/hyperlinkcolor" showMasterPhAnim="0" showMasterSp="0">
+  <p:cSld>
+    <p:spTree>
+      <p:nvGrpSpPr>
+        <p:cNvPr id="359" name="Shape 359"/>
+        <p:cNvGrpSpPr/>
+        <p:nvPr/>
+      </p:nvGrpSpPr>
+      <p:grpSpPr>
+        <a:xfrm>
+          <a:off x="0" y="0"/>
+          <a:ext cx="0" cy="0"/>
+          <a:chOff x="0" y="0"/>
+          <a:chExt cx="0" cy="0"/>
+        </a:xfrm>
+      </p:grpSpPr>
+      <p:sp>
+        <p:nvSpPr>
+          <p:cNvPr id="360" name="Google Shape;360;g30de21959b9_0_135:notes"/>
+          <p:cNvSpPr txBox="1"/>
+          <p:nvPr>
+            <p:ph idx="1" type="body"/>
+          </p:nvPr>
+        </p:nvSpPr>
+        <p:spPr>
+          <a:xfrm>
+            <a:off x="685800" y="4400550"/>
+            <a:ext cx="5486400" cy="3600600"/>
+          </a:xfrm>
+          <a:prstGeom prst="rect">
+            <a:avLst/>
+          </a:prstGeom>
+          <a:noFill/>
+          <a:ln>
+            <a:noFill/>
+          </a:ln>
+        </p:spPr>
+        <p:txBody>
+          <a:bodyPr anchorCtr="0" anchor="t" bIns="45700" lIns="91425" spcFirstLastPara="1" rIns="91425" wrap="square" tIns="45700">
+            <a:noAutofit/>
+          </a:bodyPr>
+          <a:lstStyle/>
+          <a:p>
+            <a:pPr indent="0" lvl="0" marL="0" rtl="0" algn="l">
+              <a:lnSpc>
+                <a:spcPct val="100000"/>
+              </a:lnSpc>
+              <a:spcBef>
+                <a:spcPts val="0"/>
+              </a:spcBef>
+              <a:spcAft>
+                <a:spcPts val="0"/>
+              </a:spcAft>
+              <a:buSzPts val="1400"/>
+              <a:buNone/>
+            </a:pPr>
+            <a:r>
+              <a:t/>
+            </a:r>
+            <a:endParaRPr/>
+          </a:p>
+        </p:txBody>
+      </p:sp>
+      <p:sp>
+        <p:nvSpPr>
+          <p:cNvPr id="361" name="Google Shape;361;g30de21959b9_0_135:notes"/>
           <p:cNvSpPr/>
           <p:nvPr>
             <p:ph idx="2" type="sldImg"/>
@@ -3845,7 +3963,7 @@
       </p:grpSpPr>
       <p:sp>
         <p:nvSpPr>
-          <p:cNvPr id="138" name="Google Shape;138;g32d6f77c6d9_1_36:notes"/>
+          <p:cNvPr id="138" name="Google Shape;138;g32fccf6481b_0_1:notes"/>
           <p:cNvSpPr txBox="1"/>
           <p:nvPr>
             <p:ph idx="1" type="body"/>
@@ -3892,7 +4010,7 @@
       </p:sp>
       <p:sp>
         <p:nvSpPr>
-          <p:cNvPr id="139" name="Google Shape;139;g32d6f77c6d9_1_36:notes"/>
+          <p:cNvPr id="139" name="Google Shape;139;g32fccf6481b_0_1:notes"/>
           <p:cNvSpPr/>
           <p:nvPr>
             <p:ph idx="2" type="sldImg"/>
@@ -3948,7 +4066,7 @@
   <p:cSld>
     <p:spTree>
       <p:nvGrpSpPr>
-        <p:cNvPr id="148" name="Shape 148"/>
+        <p:cNvPr id="144" name="Shape 144"/>
         <p:cNvGrpSpPr/>
         <p:nvPr/>
       </p:nvGrpSpPr>
@@ -3962,7 +4080,7 @@
       </p:grpSpPr>
       <p:sp>
         <p:nvSpPr>
-          <p:cNvPr id="149" name="Google Shape;149;g32d6f77c6d9_1_66:notes"/>
+          <p:cNvPr id="145" name="Google Shape;145;g32d6f77c6d9_1_36:notes"/>
           <p:cNvSpPr txBox="1"/>
           <p:nvPr>
             <p:ph idx="1" type="body"/>
@@ -4009,7 +4127,7 @@
       </p:sp>
       <p:sp>
         <p:nvSpPr>
-          <p:cNvPr id="150" name="Google Shape;150;g32d6f77c6d9_1_66:notes"/>
+          <p:cNvPr id="146" name="Google Shape;146;g32d6f77c6d9_1_36:notes"/>
           <p:cNvSpPr/>
           <p:nvPr>
             <p:ph idx="2" type="sldImg"/>
@@ -4065,7 +4183,7 @@
   <p:cSld>
     <p:spTree>
       <p:nvGrpSpPr>
-        <p:cNvPr id="203" name="Shape 203"/>
+        <p:cNvPr id="155" name="Shape 155"/>
         <p:cNvGrpSpPr/>
         <p:nvPr/>
       </p:nvGrpSpPr>
@@ -4079,7 +4197,7 @@
       </p:grpSpPr>
       <p:sp>
         <p:nvSpPr>
-          <p:cNvPr id="204" name="Google Shape;204;g32d7ec59dd8_0_4:notes"/>
+          <p:cNvPr id="156" name="Google Shape;156;g32d6f77c6d9_1_66:notes"/>
           <p:cNvSpPr txBox="1"/>
           <p:nvPr>
             <p:ph idx="1" type="body"/>
@@ -4126,7 +4244,7 @@
       </p:sp>
       <p:sp>
         <p:nvSpPr>
-          <p:cNvPr id="205" name="Google Shape;205;g32d7ec59dd8_0_4:notes"/>
+          <p:cNvPr id="157" name="Google Shape;157;g32d6f77c6d9_1_66:notes"/>
           <p:cNvSpPr/>
           <p:nvPr>
             <p:ph idx="2" type="sldImg"/>
@@ -4196,7 +4314,7 @@
       </p:grpSpPr>
       <p:sp>
         <p:nvSpPr>
-          <p:cNvPr id="211" name="Google Shape;211;g32d6f77c6d9_1_132:notes"/>
+          <p:cNvPr id="211" name="Google Shape;211;g32d7ec59dd8_0_4:notes"/>
           <p:cNvSpPr txBox="1"/>
           <p:nvPr>
             <p:ph idx="1" type="body"/>
@@ -4243,7 +4361,7 @@
       </p:sp>
       <p:sp>
         <p:nvSpPr>
-          <p:cNvPr id="212" name="Google Shape;212;g32d6f77c6d9_1_132:notes"/>
+          <p:cNvPr id="212" name="Google Shape;212;g32d7ec59dd8_0_4:notes"/>
           <p:cNvSpPr/>
           <p:nvPr>
             <p:ph idx="2" type="sldImg"/>
@@ -17643,8 +17761,8 @@
         </p:nvSpPr>
         <p:spPr>
           <a:xfrm>
-            <a:off x="838250" y="4514975"/>
-            <a:ext cx="10635600" cy="1922700"/>
+            <a:off x="838250" y="4353025"/>
+            <a:ext cx="10635600" cy="2084700"/>
           </a:xfrm>
           <a:prstGeom prst="rect">
             <a:avLst/>
@@ -17947,7 +18065,47 @@
               </a:rPr>
               <a:t>4</a:t>
             </a:r>
-            <a:endParaRPr b="0" i="0" sz="1500" u="none" cap="none" strike="noStrike">
+            <a:endParaRPr sz="1500">
+              <a:solidFill>
+                <a:schemeClr val="dk1"/>
+              </a:solidFill>
+              <a:latin typeface="Calibri"/>
+              <a:ea typeface="Calibri"/>
+              <a:cs typeface="Calibri"/>
+              <a:sym typeface="Calibri"/>
+            </a:endParaRPr>
+          </a:p>
+          <a:p>
+            <a:pPr indent="0" lvl="0" marL="0" marR="0" rtl="0" algn="r">
+              <a:lnSpc>
+                <a:spcPct val="70000"/>
+              </a:lnSpc>
+              <a:spcBef>
+                <a:spcPts val="300"/>
+              </a:spcBef>
+              <a:spcAft>
+                <a:spcPts val="0"/>
+              </a:spcAft>
+              <a:buClr>
+                <a:schemeClr val="dk1"/>
+              </a:buClr>
+              <a:buSzPts val="950"/>
+              <a:buFont typeface="Arial"/>
+              <a:buNone/>
+            </a:pPr>
+            <a:r>
+              <a:rPr lang="de-CH" sz="1500">
+                <a:solidFill>
+                  <a:schemeClr val="dk1"/>
+                </a:solidFill>
+                <a:latin typeface="Calibri"/>
+                <a:ea typeface="Calibri"/>
+                <a:cs typeface="Calibri"/>
+                <a:sym typeface="Calibri"/>
+              </a:rPr>
+              <a:t>Interim NMOP - NETCONF WG</a:t>
+            </a:r>
+            <a:endParaRPr sz="1500">
               <a:solidFill>
                 <a:schemeClr val="dk1"/>
               </a:solidFill>
@@ -18003,7 +18161,7 @@
   <p:cSld>
     <p:spTree>
       <p:nvGrpSpPr>
-        <p:cNvPr id="222" name="Shape 222"/>
+        <p:cNvPr id="220" name="Shape 220"/>
         <p:cNvGrpSpPr/>
         <p:nvPr/>
       </p:nvGrpSpPr>
@@ -18017,7 +18175,7 @@
       </p:grpSpPr>
       <p:sp>
         <p:nvSpPr>
-          <p:cNvPr id="223" name="Google Shape;223;p22"/>
+          <p:cNvPr id="221" name="Google Shape;221;p22"/>
           <p:cNvSpPr txBox="1"/>
           <p:nvPr>
             <p:ph type="title"/>
@@ -18072,7 +18230,7 @@
                   <a:srgbClr val="AEABAB"/>
                 </a:solidFill>
               </a:rPr>
-              <a:t>Discussion on change (2) </a:t>
+              <a:t>(2) </a:t>
             </a:r>
             <a:r>
               <a:rPr lang="de-CH" sz="2400">
@@ -18080,7 +18238,7 @@
                   <a:srgbClr val="AEABAB"/>
                 </a:solidFill>
               </a:rPr>
-              <a:t>Adding Observation Timestamp extension</a:t>
+              <a:t>Added Observation Timestamp extension</a:t>
             </a:r>
             <a:endParaRPr sz="4100"/>
           </a:p>
@@ -18088,7 +18246,7 @@
       </p:sp>
       <p:sp>
         <p:nvSpPr>
-          <p:cNvPr id="224" name="Google Shape;224;p22"/>
+          <p:cNvPr id="222" name="Google Shape;222;p22"/>
           <p:cNvSpPr txBox="1"/>
           <p:nvPr>
             <p:ph idx="12" type="sldNum"/>
@@ -18136,14 +18294,14 @@
       </p:sp>
       <p:sp>
         <p:nvSpPr>
-          <p:cNvPr id="225" name="Google Shape;225;p22"/>
+          <p:cNvPr id="223" name="Google Shape;223;p22"/>
           <p:cNvSpPr txBox="1"/>
           <p:nvPr/>
         </p:nvSpPr>
         <p:spPr>
           <a:xfrm>
-            <a:off x="838200" y="1522975"/>
-            <a:ext cx="10847100" cy="2415300"/>
+            <a:off x="777700" y="1522975"/>
+            <a:ext cx="6609000" cy="4790400"/>
           </a:xfrm>
           <a:prstGeom prst="rect">
             <a:avLst/>
@@ -18155,13 +18313,13 @@
         </p:spPr>
         <p:txBody>
           <a:bodyPr anchorCtr="0" anchor="t" bIns="91425" lIns="91425" spcFirstLastPara="1" rIns="91425" wrap="square" tIns="91425">
-            <a:spAutoFit/>
+            <a:normAutofit/>
           </a:bodyPr>
           <a:lstStyle/>
           <a:p>
             <a:pPr indent="-349250" lvl="0" marL="457200" rtl="0" algn="l">
               <a:lnSpc>
-                <a:spcPct val="115000"/>
+                <a:spcPct val="150000"/>
               </a:lnSpc>
               <a:spcBef>
                 <a:spcPts val="0"/>
@@ -18186,7 +18344,7 @@
                 <a:cs typeface="Calibri"/>
                 <a:sym typeface="Calibri"/>
               </a:rPr>
-              <a:t>Is this current approach appropriate?</a:t>
+              <a:t>Timestamp representing</a:t>
             </a:r>
             <a:endParaRPr sz="1900">
               <a:solidFill>
@@ -18199,20 +18357,74 @@
             </a:endParaRPr>
           </a:p>
           <a:p>
-            <a:pPr indent="0" lvl="0" marL="0" rtl="0" algn="l">
-              <a:lnSpc>
-                <a:spcPct val="115000"/>
-              </a:lnSpc>
-              <a:spcBef>
-                <a:spcPts val="0"/>
-              </a:spcBef>
-              <a:spcAft>
-                <a:spcPts val="0"/>
-              </a:spcAft>
-              <a:buNone/>
+            <a:pPr indent="-349250" lvl="1" marL="914400" rtl="0" algn="l">
+              <a:lnSpc>
+                <a:spcPct val="150000"/>
+              </a:lnSpc>
+              <a:spcBef>
+                <a:spcPts val="0"/>
+              </a:spcBef>
+              <a:spcAft>
+                <a:spcPts val="0"/>
+              </a:spcAft>
+              <a:buClr>
+                <a:schemeClr val="dk1"/>
+              </a:buClr>
+              <a:buSzPts val="1900"/>
+              <a:buFont typeface="Calibri"/>
+              <a:buChar char="○"/>
             </a:pPr>
             <a:r>
-              <a:t/>
+              <a:rPr lang="de-CH" sz="1900">
+                <a:solidFill>
+                  <a:schemeClr val="dk1"/>
+                </a:solidFill>
+                <a:latin typeface="Calibri"/>
+                <a:ea typeface="Calibri"/>
+                <a:cs typeface="Calibri"/>
+                <a:sym typeface="Calibri"/>
+              </a:rPr>
+              <a:t>The time the metrics were polled </a:t>
+            </a:r>
+            <a:endParaRPr sz="1900">
+              <a:solidFill>
+                <a:schemeClr val="dk1"/>
+              </a:solidFill>
+              <a:latin typeface="Calibri"/>
+              <a:ea typeface="Calibri"/>
+              <a:cs typeface="Calibri"/>
+              <a:sym typeface="Calibri"/>
+            </a:endParaRPr>
+          </a:p>
+          <a:p>
+            <a:pPr indent="-349250" lvl="1" marL="914400" rtl="0" algn="l">
+              <a:lnSpc>
+                <a:spcPct val="150000"/>
+              </a:lnSpc>
+              <a:spcBef>
+                <a:spcPts val="0"/>
+              </a:spcBef>
+              <a:spcAft>
+                <a:spcPts val="0"/>
+              </a:spcAft>
+              <a:buClr>
+                <a:schemeClr val="dk1"/>
+              </a:buClr>
+              <a:buSzPts val="1900"/>
+              <a:buFont typeface="Calibri"/>
+              <a:buChar char="○"/>
+            </a:pPr>
+            <a:r>
+              <a:rPr lang="de-CH" sz="1900">
+                <a:solidFill>
+                  <a:schemeClr val="dk1"/>
+                </a:solidFill>
+                <a:latin typeface="Calibri"/>
+                <a:ea typeface="Calibri"/>
+                <a:cs typeface="Calibri"/>
+                <a:sym typeface="Calibri"/>
+              </a:rPr>
+              <a:t>The time the exported event occurred</a:t>
             </a:r>
             <a:endParaRPr sz="1900">
               <a:solidFill>
@@ -18227,16 +18439,16 @@
           <a:p>
             <a:pPr indent="-349250" lvl="0" marL="457200" rtl="0" algn="l">
               <a:lnSpc>
-                <a:spcPct val="115000"/>
-              </a:lnSpc>
-              <a:spcBef>
-                <a:spcPts val="0"/>
-              </a:spcBef>
-              <a:spcAft>
-                <a:spcPts val="0"/>
-              </a:spcAft>
-              <a:buClr>
-                <a:srgbClr val="FB0007"/>
+                <a:spcPct val="150000"/>
+              </a:lnSpc>
+              <a:spcBef>
+                <a:spcPts val="0"/>
+              </a:spcBef>
+              <a:spcAft>
+                <a:spcPts val="0"/>
+              </a:spcAft>
+              <a:buClr>
+                <a:schemeClr val="dk1"/>
               </a:buClr>
               <a:buSzPts val="1900"/>
               <a:buFont typeface="Calibri"/>
@@ -18245,18 +18457,82 @@
             <a:r>
               <a:rPr lang="de-CH" sz="1900">
                 <a:solidFill>
-                  <a:srgbClr val="FB0007"/>
+                  <a:schemeClr val="dk1"/>
                 </a:solidFill>
                 <a:latin typeface="Calibri"/>
                 <a:ea typeface="Calibri"/>
                 <a:cs typeface="Calibri"/>
                 <a:sym typeface="Calibri"/>
               </a:rPr>
-              <a:t>Request to raise a poll on February 10th interim and confirm wherever proposed changes reflect the will of the WG</a:t>
+              <a:t>Extensions to YANG-Push</a:t>
             </a:r>
             <a:endParaRPr sz="1900">
               <a:solidFill>
-                <a:srgbClr val="FB0007"/>
+                <a:schemeClr val="dk1"/>
+              </a:solidFill>
+              <a:latin typeface="Calibri"/>
+              <a:ea typeface="Calibri"/>
+              <a:cs typeface="Calibri"/>
+              <a:sym typeface="Calibri"/>
+            </a:endParaRPr>
+          </a:p>
+          <a:p>
+            <a:pPr indent="-349250" lvl="0" marL="457200" rtl="0" algn="l">
+              <a:lnSpc>
+                <a:spcPct val="150000"/>
+              </a:lnSpc>
+              <a:spcBef>
+                <a:spcPts val="0"/>
+              </a:spcBef>
+              <a:spcAft>
+                <a:spcPts val="0"/>
+              </a:spcAft>
+              <a:buClr>
+                <a:schemeClr val="dk1"/>
+              </a:buClr>
+              <a:buSzPts val="1900"/>
+              <a:buFont typeface="Calibri"/>
+              <a:buChar char="●"/>
+            </a:pPr>
+            <a:r>
+              <a:rPr lang="de-CH" sz="1900">
+                <a:solidFill>
+                  <a:schemeClr val="dk1"/>
+                </a:solidFill>
+                <a:latin typeface="Calibri"/>
+                <a:ea typeface="Calibri"/>
+                <a:cs typeface="Calibri"/>
+                <a:sym typeface="Calibri"/>
+              </a:rPr>
+              <a:t>Impact the following YANG-Push Notification </a:t>
+            </a:r>
+            <a:r>
+              <a:rPr lang="de-CH" sz="1900" u="sng">
+                <a:solidFill>
+                  <a:srgbClr val="FF0000"/>
+                </a:solidFill>
+                <a:latin typeface="Calibri"/>
+                <a:ea typeface="Calibri"/>
+                <a:cs typeface="Calibri"/>
+                <a:sym typeface="Calibri"/>
+              </a:rPr>
+              <a:t>only</a:t>
+            </a:r>
+            <a:r>
+              <a:rPr lang="de-CH" sz="1900">
+                <a:solidFill>
+                  <a:schemeClr val="dk1"/>
+                </a:solidFill>
+                <a:latin typeface="Calibri"/>
+                <a:ea typeface="Calibri"/>
+                <a:cs typeface="Calibri"/>
+                <a:sym typeface="Calibri"/>
+              </a:rPr>
+              <a:t>:</a:t>
+            </a:r>
+            <a:endParaRPr sz="1900">
+              <a:solidFill>
+                <a:schemeClr val="dk1"/>
               </a:solidFill>
               <a:latin typeface="Calibri"/>
               <a:ea typeface="Calibri"/>
@@ -18267,10 +18543,10 @@
           <a:p>
             <a:pPr indent="-349250" lvl="1" marL="914400" rtl="0" algn="l">
               <a:lnSpc>
-                <a:spcPct val="115000"/>
-              </a:lnSpc>
-              <a:spcBef>
-                <a:spcPts val="1000"/>
+                <a:spcPct val="150000"/>
+              </a:lnSpc>
+              <a:spcBef>
+                <a:spcPts val="0"/>
               </a:spcBef>
               <a:spcAft>
                 <a:spcPts val="0"/>
@@ -18292,7 +18568,7 @@
                 <a:cs typeface="Calibri"/>
                 <a:sym typeface="Calibri"/>
               </a:rPr>
-              <a:t>(3) Observation timestamps added in the YANG-Push header</a:t>
+              <a:t>push-update</a:t>
             </a:r>
             <a:endParaRPr sz="1900">
               <a:solidFill>
@@ -18305,25 +18581,211 @@
             </a:endParaRPr>
           </a:p>
           <a:p>
-            <a:pPr indent="0" lvl="0" marL="0" rtl="0" algn="l">
-              <a:lnSpc>
-                <a:spcPct val="115000"/>
-              </a:lnSpc>
-              <a:spcBef>
-                <a:spcPts val="1000"/>
-              </a:spcBef>
-              <a:spcAft>
-                <a:spcPts val="0"/>
-              </a:spcAft>
-              <a:buNone/>
+            <a:pPr indent="-349250" lvl="1" marL="914400" rtl="0" algn="l">
+              <a:lnSpc>
+                <a:spcPct val="150000"/>
+              </a:lnSpc>
+              <a:spcBef>
+                <a:spcPts val="0"/>
+              </a:spcBef>
+              <a:spcAft>
+                <a:spcPts val="0"/>
+              </a:spcAft>
+              <a:buClr>
+                <a:schemeClr val="dk1"/>
+              </a:buClr>
+              <a:buSzPts val="1900"/>
+              <a:buFont typeface="Calibri"/>
+              <a:buChar char="○"/>
             </a:pPr>
             <a:r>
-              <a:t/>
+              <a:rPr lang="de-CH" sz="1900">
+                <a:solidFill>
+                  <a:schemeClr val="dk1"/>
+                </a:solidFill>
+                <a:latin typeface="Calibri"/>
+                <a:ea typeface="Calibri"/>
+                <a:cs typeface="Calibri"/>
+                <a:sym typeface="Calibri"/>
+              </a:rPr>
+              <a:t>push-change-update</a:t>
             </a:r>
             <a:endParaRPr sz="1900">
               <a:solidFill>
                 <a:schemeClr val="dk1"/>
               </a:solidFill>
+              <a:latin typeface="Calibri"/>
+              <a:ea typeface="Calibri"/>
+              <a:cs typeface="Calibri"/>
+              <a:sym typeface="Calibri"/>
+            </a:endParaRPr>
+          </a:p>
+          <a:p>
+            <a:pPr indent="-349250" lvl="0" marL="457200" rtl="0" algn="l">
+              <a:lnSpc>
+                <a:spcPct val="115000"/>
+              </a:lnSpc>
+              <a:spcBef>
+                <a:spcPts val="0"/>
+              </a:spcBef>
+              <a:spcAft>
+                <a:spcPts val="0"/>
+              </a:spcAft>
+              <a:buClr>
+                <a:schemeClr val="dk1"/>
+              </a:buClr>
+              <a:buSzPts val="1900"/>
+              <a:buFont typeface="Calibri"/>
+              <a:buChar char="●"/>
+            </a:pPr>
+            <a:r>
+              <a:rPr lang="de-CH" sz="1900">
+                <a:solidFill>
+                  <a:schemeClr val="dk1"/>
+                </a:solidFill>
+                <a:latin typeface="Calibri"/>
+                <a:ea typeface="Calibri"/>
+                <a:cs typeface="Calibri"/>
+                <a:sym typeface="Calibri"/>
+              </a:rPr>
+              <a:t>Use same mechanism to get the support of this extension via “/sysc:system-capabilities/notc:subscription-capabilities”</a:t>
+            </a:r>
+            <a:endParaRPr sz="1900">
+              <a:solidFill>
+                <a:schemeClr val="dk1"/>
+              </a:solidFill>
+              <a:latin typeface="Calibri"/>
+              <a:ea typeface="Calibri"/>
+              <a:cs typeface="Calibri"/>
+              <a:sym typeface="Calibri"/>
+            </a:endParaRPr>
+          </a:p>
+          <a:p>
+            <a:pPr indent="-349250" lvl="0" marL="457200" rtl="0" algn="l">
+              <a:lnSpc>
+                <a:spcPct val="150000"/>
+              </a:lnSpc>
+              <a:spcBef>
+                <a:spcPts val="1000"/>
+              </a:spcBef>
+              <a:spcAft>
+                <a:spcPts val="1000"/>
+              </a:spcAft>
+              <a:buClr>
+                <a:schemeClr val="dk1"/>
+              </a:buClr>
+              <a:buSzPts val="1900"/>
+              <a:buFont typeface="Calibri"/>
+              <a:buChar char="●"/>
+            </a:pPr>
+            <a:r>
+              <a:rPr lang="de-CH" sz="1900">
+                <a:solidFill>
+                  <a:schemeClr val="dk1"/>
+                </a:solidFill>
+                <a:latin typeface="Calibri"/>
+                <a:ea typeface="Calibri"/>
+                <a:cs typeface="Calibri"/>
+                <a:sym typeface="Calibri"/>
+              </a:rPr>
+              <a:t>Based on: </a:t>
+            </a:r>
+            <a:r>
+              <a:rPr lang="de-CH" sz="1900" u="sng">
+                <a:solidFill>
+                  <a:schemeClr val="hlink"/>
+                </a:solidFill>
+                <a:latin typeface="Calibri"/>
+                <a:ea typeface="Calibri"/>
+                <a:cs typeface="Calibri"/>
+                <a:sym typeface="Calibri"/>
+                <a:hlinkClick r:id="rId3"/>
+              </a:rPr>
+              <a:t>draft-tgraf-netconf-yang-push-observation-time</a:t>
+            </a:r>
+            <a:endParaRPr sz="1900">
+              <a:solidFill>
+                <a:schemeClr val="dk1"/>
+              </a:solidFill>
+              <a:latin typeface="Calibri"/>
+              <a:ea typeface="Calibri"/>
+              <a:cs typeface="Calibri"/>
+              <a:sym typeface="Calibri"/>
+            </a:endParaRPr>
+          </a:p>
+        </p:txBody>
+      </p:sp>
+      <p:pic>
+        <p:nvPicPr>
+          <p:cNvPr id="224" name="Google Shape;224;p22"/>
+          <p:cNvPicPr preferRelativeResize="0"/>
+          <p:nvPr/>
+        </p:nvPicPr>
+        <p:blipFill rotWithShape="1">
+          <a:blip r:embed="rId4">
+            <a:alphaModFix/>
+          </a:blip>
+          <a:srcRect b="19432" l="0" r="0" t="0"/>
+          <a:stretch/>
+        </p:blipFill>
+        <p:spPr>
+          <a:xfrm>
+            <a:off x="7218100" y="1310675"/>
+            <a:ext cx="4964851" cy="4688926"/>
+          </a:xfrm>
+          <a:prstGeom prst="rect">
+            <a:avLst/>
+          </a:prstGeom>
+          <a:noFill/>
+          <a:ln>
+            <a:noFill/>
+          </a:ln>
+        </p:spPr>
+      </p:pic>
+      <p:sp>
+        <p:nvSpPr>
+          <p:cNvPr id="225" name="Google Shape;225;p22"/>
+          <p:cNvSpPr/>
+          <p:nvPr/>
+        </p:nvSpPr>
+        <p:spPr>
+          <a:xfrm>
+            <a:off x="7792625" y="2554400"/>
+            <a:ext cx="2879700" cy="630000"/>
+          </a:xfrm>
+          <a:prstGeom prst="rect">
+            <a:avLst/>
+          </a:prstGeom>
+          <a:noFill/>
+          <a:ln cap="flat" cmpd="sng" w="19050">
+            <a:solidFill>
+              <a:srgbClr val="FF0000"/>
+            </a:solidFill>
+            <a:prstDash val="solid"/>
+            <a:round/>
+            <a:headEnd len="sm" w="sm" type="none"/>
+            <a:tailEnd len="sm" w="sm" type="none"/>
+          </a:ln>
+        </p:spPr>
+        <p:txBody>
+          <a:bodyPr anchorCtr="0" anchor="ctr" bIns="91425" lIns="91425" spcFirstLastPara="1" rIns="91425" wrap="square" tIns="91425">
+            <a:noAutofit/>
+          </a:bodyPr>
+          <a:lstStyle/>
+          <a:p>
+            <a:pPr indent="0" lvl="0" marL="0" rtl="0" algn="ctr">
+              <a:spcBef>
+                <a:spcPts val="0"/>
+              </a:spcBef>
+              <a:spcAft>
+                <a:spcPts val="0"/>
+              </a:spcAft>
+              <a:buNone/>
+            </a:pPr>
+            <a:r>
+              <a:t/>
+            </a:r>
+            <a:endParaRPr>
               <a:latin typeface="Calibri"/>
               <a:ea typeface="Calibri"/>
               <a:cs typeface="Calibri"/>
@@ -18414,7 +18876,15 @@
                   <a:srgbClr val="AEABAB"/>
                 </a:solidFill>
               </a:rPr>
-              <a:t>(3) Other minor changes</a:t>
+              <a:t>Discussion on change (2) </a:t>
+            </a:r>
+            <a:r>
+              <a:rPr lang="de-CH" sz="2400">
+                <a:solidFill>
+                  <a:srgbClr val="AEABAB"/>
+                </a:solidFill>
+              </a:rPr>
+              <a:t>Adding Observation Timestamp extension</a:t>
             </a:r>
             <a:endParaRPr sz="4100"/>
           </a:p>
@@ -18477,7 +18947,7 @@
         <p:spPr>
           <a:xfrm>
             <a:off x="838200" y="1522975"/>
-            <a:ext cx="10155000" cy="2748300"/>
+            <a:ext cx="10847100" cy="2415300"/>
           </a:xfrm>
           <a:prstGeom prst="rect">
             <a:avLst/>
@@ -18494,6 +18964,9 @@
           <a:lstStyle/>
           <a:p>
             <a:pPr indent="-349250" lvl="0" marL="457200" rtl="0" algn="l">
+              <a:lnSpc>
+                <a:spcPct val="115000"/>
+              </a:lnSpc>
               <a:spcBef>
                 <a:spcPts val="0"/>
               </a:spcBef>
@@ -18517,7 +18990,33 @@
                 <a:cs typeface="Calibri"/>
                 <a:sym typeface="Calibri"/>
               </a:rPr>
-              <a:t>The XML namespace has been changed to “urn:ietf:params:xml:ns:yang:ietf-yp-notification”</a:t>
+              <a:t>Is this current approach appropriate?</a:t>
+            </a:r>
+            <a:endParaRPr sz="1900">
+              <a:solidFill>
+                <a:schemeClr val="dk1"/>
+              </a:solidFill>
+              <a:latin typeface="Calibri"/>
+              <a:ea typeface="Calibri"/>
+              <a:cs typeface="Calibri"/>
+              <a:sym typeface="Calibri"/>
+            </a:endParaRPr>
+          </a:p>
+          <a:p>
+            <a:pPr indent="0" lvl="0" marL="0" rtl="0" algn="l">
+              <a:lnSpc>
+                <a:spcPct val="115000"/>
+              </a:lnSpc>
+              <a:spcBef>
+                <a:spcPts val="0"/>
+              </a:spcBef>
+              <a:spcAft>
+                <a:spcPts val="0"/>
+              </a:spcAft>
+              <a:buNone/>
+            </a:pPr>
+            <a:r>
+              <a:t/>
             </a:r>
             <a:endParaRPr sz="1900">
               <a:solidFill>
@@ -18531,14 +19030,17 @@
           </a:p>
           <a:p>
             <a:pPr indent="-349250" lvl="0" marL="457200" rtl="0" algn="l">
-              <a:spcBef>
-                <a:spcPts val="1000"/>
-              </a:spcBef>
-              <a:spcAft>
-                <a:spcPts val="0"/>
-              </a:spcAft>
-              <a:buClr>
-                <a:schemeClr val="dk1"/>
+              <a:lnSpc>
+                <a:spcPct val="115000"/>
+              </a:lnSpc>
+              <a:spcBef>
+                <a:spcPts val="0"/>
+              </a:spcBef>
+              <a:spcAft>
+                <a:spcPts val="0"/>
+              </a:spcAft>
+              <a:buClr>
+                <a:srgbClr val="FB0007"/>
               </a:buClr>
               <a:buSzPts val="1900"/>
               <a:buFont typeface="Calibri"/>
@@ -18547,58 +19049,18 @@
             <a:r>
               <a:rPr lang="de-CH" sz="1900">
                 <a:solidFill>
-                  <a:schemeClr val="dk1"/>
+                  <a:srgbClr val="FB0007"/>
                 </a:solidFill>
                 <a:latin typeface="Calibri"/>
                 <a:ea typeface="Calibri"/>
                 <a:cs typeface="Calibri"/>
                 <a:sym typeface="Calibri"/>
               </a:rPr>
-              <a:t>Editorial changes, improve reading</a:t>
+              <a:t>Request to raise a poll on February 10th interim and confirm wherever proposed changes reflect the will of the WG</a:t>
             </a:r>
             <a:endParaRPr sz="1900">
               <a:solidFill>
-                <a:schemeClr val="dk1"/>
-              </a:solidFill>
-              <a:latin typeface="Calibri"/>
-              <a:ea typeface="Calibri"/>
-              <a:cs typeface="Calibri"/>
-              <a:sym typeface="Calibri"/>
-            </a:endParaRPr>
-          </a:p>
-          <a:p>
-            <a:pPr indent="-349250" lvl="0" marL="457200" rtl="0" algn="l">
-              <a:lnSpc>
-                <a:spcPct val="115000"/>
-              </a:lnSpc>
-              <a:spcBef>
-                <a:spcPts val="1000"/>
-              </a:spcBef>
-              <a:spcAft>
-                <a:spcPts val="0"/>
-              </a:spcAft>
-              <a:buClr>
-                <a:schemeClr val="dk1"/>
-              </a:buClr>
-              <a:buSzPts val="1900"/>
-              <a:buFont typeface="Calibri"/>
-              <a:buChar char="●"/>
-            </a:pPr>
-            <a:r>
-              <a:rPr lang="de-CH" sz="1900">
-                <a:solidFill>
-                  <a:schemeClr val="dk1"/>
-                </a:solidFill>
-                <a:latin typeface="Calibri"/>
-                <a:ea typeface="Calibri"/>
-                <a:cs typeface="Calibri"/>
-                <a:sym typeface="Calibri"/>
-              </a:rPr>
-              <a:t>“The 'notification-contents' element SHOULD be located at the end of the notification envelope structure.”</a:t>
-            </a:r>
-            <a:endParaRPr sz="1900">
-              <a:solidFill>
-                <a:schemeClr val="dk1"/>
+                <a:srgbClr val="FB0007"/>
               </a:solidFill>
               <a:latin typeface="Calibri"/>
               <a:ea typeface="Calibri"/>
@@ -18612,7 +19074,7 @@
                 <a:spcPct val="115000"/>
               </a:lnSpc>
               <a:spcBef>
-                <a:spcPts val="0"/>
+                <a:spcPts val="1000"/>
               </a:spcBef>
               <a:spcAft>
                 <a:spcPts val="0"/>
@@ -18634,21 +19096,9 @@
                 <a:cs typeface="Calibri"/>
                 <a:sym typeface="Calibri"/>
               </a:rPr>
-              <a:t>Idea: </a:t>
-            </a:r>
-            <a:r>
-              <a:rPr i="1" lang="de-CH" sz="1900">
-                <a:solidFill>
-                  <a:schemeClr val="dk1"/>
-                </a:solidFill>
-                <a:latin typeface="Calibri"/>
-                <a:ea typeface="Calibri"/>
-                <a:cs typeface="Calibri"/>
-                <a:sym typeface="Calibri"/>
-              </a:rPr>
-              <a:t>have the header located at the beginning of the message</a:t>
-            </a:r>
-            <a:endParaRPr i="1" sz="1900">
+              <a:t>(3) Observation timestamps added in the YANG-Push header</a:t>
+            </a:r>
+            <a:endParaRPr sz="1900">
               <a:solidFill>
                 <a:schemeClr val="dk1"/>
               </a:solidFill>
@@ -18660,34 +19110,14 @@
           </a:p>
           <a:p>
             <a:pPr indent="0" lvl="0" marL="0" rtl="0" algn="l">
-              <a:spcBef>
-                <a:spcPts val="0"/>
-              </a:spcBef>
-              <a:spcAft>
-                <a:spcPts val="0"/>
-              </a:spcAft>
-              <a:buNone/>
-            </a:pPr>
-            <a:r>
-              <a:t/>
-            </a:r>
-            <a:endParaRPr sz="1900">
-              <a:solidFill>
-                <a:schemeClr val="dk1"/>
-              </a:solidFill>
-              <a:latin typeface="Calibri"/>
-              <a:ea typeface="Calibri"/>
-              <a:cs typeface="Calibri"/>
-              <a:sym typeface="Calibri"/>
-            </a:endParaRPr>
-          </a:p>
-          <a:p>
-            <a:pPr indent="0" lvl="0" marL="457200" rtl="0" algn="l">
+              <a:lnSpc>
+                <a:spcPct val="115000"/>
+              </a:lnSpc>
               <a:spcBef>
                 <a:spcPts val="1000"/>
               </a:spcBef>
               <a:spcAft>
-                <a:spcPts val="1000"/>
+                <a:spcPts val="0"/>
               </a:spcAft>
               <a:buNone/>
             </a:pPr>
@@ -18788,7 +19218,7 @@
                   <a:srgbClr val="AEABAB"/>
                 </a:solidFill>
               </a:rPr>
-              <a:t>Discussion and open issues</a:t>
+              <a:t>(3) Other minor changes</a:t>
             </a:r>
             <a:endParaRPr sz="4100"/>
           </a:p>
@@ -18851,7 +19281,7 @@
         <p:spPr>
           <a:xfrm>
             <a:off x="838200" y="1522975"/>
-            <a:ext cx="10847100" cy="4684500"/>
+            <a:ext cx="10155000" cy="2748300"/>
           </a:xfrm>
           <a:prstGeom prst="rect">
             <a:avLst/>
@@ -18891,31 +19321,7 @@
                 <a:cs typeface="Calibri"/>
                 <a:sym typeface="Calibri"/>
               </a:rPr>
-              <a:t>All the YANG notifications or only YANG-Push Notifications? So, far, current scope if fine (</a:t>
-            </a:r>
-            <a:r>
-              <a:rPr lang="de-CH" sz="1900">
-                <a:solidFill>
-                  <a:srgbClr val="FF0000"/>
-                </a:solidFill>
-                <a:latin typeface="Calibri"/>
-                <a:ea typeface="Calibri"/>
-                <a:cs typeface="Calibri"/>
-                <a:sym typeface="Calibri"/>
-              </a:rPr>
-              <a:t>YANG-Push</a:t>
-            </a:r>
-            <a:r>
-              <a:rPr lang="de-CH" sz="1900">
-                <a:solidFill>
-                  <a:schemeClr val="dk1"/>
-                </a:solidFill>
-                <a:latin typeface="Calibri"/>
-                <a:ea typeface="Calibri"/>
-                <a:cs typeface="Calibri"/>
-                <a:sym typeface="Calibri"/>
-              </a:rPr>
-              <a:t>)</a:t>
+              <a:t>The XML namespace has been changed to “urn:ietf:params:xml:ns:yang:ietf-yp-notification”</a:t>
             </a:r>
             <a:endParaRPr sz="1900">
               <a:solidFill>
@@ -18952,23 +19358,11 @@
                 <a:cs typeface="Calibri"/>
                 <a:sym typeface="Calibri"/>
               </a:rPr>
-              <a:t>Should this notification be defined as a “notification” or as a “sx:structure”? </a:t>
-            </a:r>
-            <a:r>
-              <a:rPr lang="de-CH" sz="1900">
-                <a:solidFill>
-                  <a:srgbClr val="FF0000"/>
-                </a:solidFill>
-                <a:latin typeface="Calibri"/>
-                <a:ea typeface="Calibri"/>
-                <a:cs typeface="Calibri"/>
-                <a:sym typeface="Calibri"/>
-              </a:rPr>
-              <a:t>sx:structure</a:t>
+              <a:t>Editorial changes, improve reading</a:t>
             </a:r>
             <a:endParaRPr sz="1900">
               <a:solidFill>
-                <a:srgbClr val="FF0000"/>
+                <a:schemeClr val="dk1"/>
               </a:solidFill>
               <a:latin typeface="Calibri"/>
               <a:ea typeface="Calibri"/>
@@ -18978,6 +19372,9 @@
           </a:p>
           <a:p>
             <a:pPr indent="-349250" lvl="0" marL="457200" rtl="0" algn="l">
+              <a:lnSpc>
+                <a:spcPct val="115000"/>
+              </a:lnSpc>
               <a:spcBef>
                 <a:spcPts val="1000"/>
               </a:spcBef>
@@ -19001,7 +19398,7 @@
                 <a:cs typeface="Calibri"/>
                 <a:sym typeface="Calibri"/>
               </a:rPr>
-              <a:t>XML namespace: which one to use?</a:t>
+              <a:t>“The 'notification-contents' element SHOULD be located at the end of the notification envelope structure.”</a:t>
             </a:r>
             <a:endParaRPr sz="1900">
               <a:solidFill>
@@ -19015,8 +19412,11 @@
           </a:p>
           <a:p>
             <a:pPr indent="-349250" lvl="1" marL="914400" rtl="0" algn="l">
-              <a:spcBef>
-                <a:spcPts val="1000"/>
+              <a:lnSpc>
+                <a:spcPct val="115000"/>
+              </a:lnSpc>
+              <a:spcBef>
+                <a:spcPts val="0"/>
               </a:spcBef>
               <a:spcAft>
                 <a:spcPts val="0"/>
@@ -19038,9 +19438,21 @@
                 <a:cs typeface="Calibri"/>
                 <a:sym typeface="Calibri"/>
               </a:rPr>
-              <a:t>urn:ietf:params:xml:ns:netconf:notification:2.0 → following RFC5277</a:t>
-            </a:r>
-            <a:endParaRPr sz="1900">
+              <a:t>Idea: </a:t>
+            </a:r>
+            <a:r>
+              <a:rPr i="1" lang="de-CH" sz="1900">
+                <a:solidFill>
+                  <a:schemeClr val="dk1"/>
+                </a:solidFill>
+                <a:latin typeface="Calibri"/>
+                <a:ea typeface="Calibri"/>
+                <a:cs typeface="Calibri"/>
+                <a:sym typeface="Calibri"/>
+              </a:rPr>
+              <a:t>have the header located at the beginning of the message</a:t>
+            </a:r>
+            <a:endParaRPr i="1" sz="1900">
               <a:solidFill>
                 <a:schemeClr val="dk1"/>
               </a:solidFill>
@@ -19051,43 +19463,17 @@
             </a:endParaRPr>
           </a:p>
           <a:p>
-            <a:pPr indent="-349250" lvl="1" marL="914400" rtl="0" algn="l">
-              <a:spcBef>
-                <a:spcPts val="1000"/>
-              </a:spcBef>
-              <a:spcAft>
-                <a:spcPts val="0"/>
-              </a:spcAft>
-              <a:buClr>
-                <a:schemeClr val="dk1"/>
-              </a:buClr>
-              <a:buSzPts val="1900"/>
-              <a:buFont typeface="Calibri"/>
-              <a:buChar char="○"/>
+            <a:pPr indent="0" lvl="0" marL="0" rtl="0" algn="l">
+              <a:spcBef>
+                <a:spcPts val="0"/>
+              </a:spcBef>
+              <a:spcAft>
+                <a:spcPts val="0"/>
+              </a:spcAft>
+              <a:buNone/>
             </a:pPr>
             <a:r>
-              <a:rPr lang="de-CH" sz="1900">
-                <a:solidFill>
-                  <a:srgbClr val="FF0000"/>
-                </a:solidFill>
-                <a:latin typeface="Calibri"/>
-                <a:ea typeface="Calibri"/>
-                <a:cs typeface="Calibri"/>
-                <a:sym typeface="Calibri"/>
-              </a:rPr>
-              <a:t>urn:ietf:params:xml:ns:yang:ietf-yp-notification</a:t>
-            </a:r>
-            <a:r>
-              <a:rPr lang="de-CH" sz="1900">
-                <a:solidFill>
-                  <a:schemeClr val="dk1"/>
-                </a:solidFill>
-                <a:latin typeface="Calibri"/>
-                <a:ea typeface="Calibri"/>
-                <a:cs typeface="Calibri"/>
-                <a:sym typeface="Calibri"/>
-              </a:rPr>
-              <a:t> → following YANG guidelines</a:t>
+              <a:t/>
             </a:r>
             <a:endParaRPr sz="1900">
               <a:solidFill>
@@ -19100,268 +19486,21 @@
             </a:endParaRPr>
           </a:p>
           <a:p>
-            <a:pPr indent="-349250" lvl="0" marL="457200" rtl="0" algn="l">
+            <a:pPr indent="0" lvl="0" marL="457200" rtl="0" algn="l">
               <a:spcBef>
                 <a:spcPts val="1000"/>
               </a:spcBef>
               <a:spcAft>
-                <a:spcPts val="0"/>
-              </a:spcAft>
-              <a:buClr>
-                <a:schemeClr val="dk1"/>
-              </a:buClr>
-              <a:buSzPts val="1900"/>
-              <a:buFont typeface="Calibri"/>
-              <a:buChar char="●"/>
+                <a:spcPts val="1000"/>
+              </a:spcAft>
+              <a:buNone/>
             </a:pPr>
             <a:r>
-              <a:rPr lang="de-CH" sz="1900">
-                <a:solidFill>
-                  <a:schemeClr val="dk1"/>
-                </a:solidFill>
-                <a:latin typeface="Calibri"/>
-                <a:ea typeface="Calibri"/>
-                <a:cs typeface="Calibri"/>
-                <a:sym typeface="Calibri"/>
-              </a:rPr>
-              <a:t>Which notification and subscription extensions should be added?</a:t>
+              <a:t/>
             </a:r>
             <a:endParaRPr sz="1900">
               <a:solidFill>
                 <a:schemeClr val="dk1"/>
-              </a:solidFill>
-              <a:latin typeface="Calibri"/>
-              <a:ea typeface="Calibri"/>
-              <a:cs typeface="Calibri"/>
-              <a:sym typeface="Calibri"/>
-            </a:endParaRPr>
-          </a:p>
-          <a:p>
-            <a:pPr indent="-349250" lvl="1" marL="914400" rtl="0" algn="l">
-              <a:spcBef>
-                <a:spcPts val="1000"/>
-              </a:spcBef>
-              <a:spcAft>
-                <a:spcPts val="0"/>
-              </a:spcAft>
-              <a:buClr>
-                <a:schemeClr val="dk1"/>
-              </a:buClr>
-              <a:buSzPts val="1900"/>
-              <a:buFont typeface="Calibri"/>
-              <a:buChar char="○"/>
-            </a:pPr>
-            <a:r>
-              <a:rPr lang="de-CH" sz="1900">
-                <a:solidFill>
-                  <a:schemeClr val="dk1"/>
-                </a:solidFill>
-                <a:latin typeface="Calibri"/>
-                <a:ea typeface="Calibri"/>
-                <a:cs typeface="Calibri"/>
-                <a:sym typeface="Calibri"/>
-              </a:rPr>
-              <a:t>Metadata sent by default when the envelope is enabled? </a:t>
-            </a:r>
-            <a:r>
-              <a:rPr lang="de-CH" sz="1900">
-                <a:solidFill>
-                  <a:srgbClr val="FF0000"/>
-                </a:solidFill>
-                <a:latin typeface="Calibri"/>
-                <a:ea typeface="Calibri"/>
-                <a:cs typeface="Calibri"/>
-                <a:sym typeface="Calibri"/>
-              </a:rPr>
-              <a:t>Yes, feedback IETF 121</a:t>
-            </a:r>
-            <a:endParaRPr sz="1900">
-              <a:solidFill>
-                <a:srgbClr val="FF0000"/>
-              </a:solidFill>
-              <a:latin typeface="Calibri"/>
-              <a:ea typeface="Calibri"/>
-              <a:cs typeface="Calibri"/>
-              <a:sym typeface="Calibri"/>
-            </a:endParaRPr>
-          </a:p>
-          <a:p>
-            <a:pPr indent="-349250" lvl="1" marL="914400" rtl="0" algn="l">
-              <a:spcBef>
-                <a:spcPts val="1000"/>
-              </a:spcBef>
-              <a:spcAft>
-                <a:spcPts val="0"/>
-              </a:spcAft>
-              <a:buClr>
-                <a:schemeClr val="dk1"/>
-              </a:buClr>
-              <a:buSzPts val="1900"/>
-              <a:buFont typeface="Calibri"/>
-              <a:buChar char="○"/>
-            </a:pPr>
-            <a:r>
-              <a:rPr lang="de-CH" sz="1900">
-                <a:solidFill>
-                  <a:schemeClr val="dk1"/>
-                </a:solidFill>
-                <a:latin typeface="Calibri"/>
-                <a:ea typeface="Calibri"/>
-                <a:cs typeface="Calibri"/>
-                <a:sym typeface="Calibri"/>
-              </a:rPr>
-              <a:t>Hostname and Sequencing [draft-tgraf-netconf-notif-sequencing]; </a:t>
-            </a:r>
-            <a:r>
-              <a:rPr lang="de-CH" sz="1900">
-                <a:solidFill>
-                  <a:srgbClr val="FF0000"/>
-                </a:solidFill>
-                <a:latin typeface="Calibri"/>
-                <a:ea typeface="Calibri"/>
-                <a:cs typeface="Calibri"/>
-                <a:sym typeface="Calibri"/>
-              </a:rPr>
-              <a:t>Added</a:t>
-            </a:r>
-            <a:endParaRPr sz="1900">
-              <a:solidFill>
-                <a:srgbClr val="FF0000"/>
-              </a:solidFill>
-              <a:latin typeface="Calibri"/>
-              <a:ea typeface="Calibri"/>
-              <a:cs typeface="Calibri"/>
-              <a:sym typeface="Calibri"/>
-            </a:endParaRPr>
-          </a:p>
-          <a:p>
-            <a:pPr indent="-349250" lvl="1" marL="914400" rtl="0" algn="l">
-              <a:spcBef>
-                <a:spcPts val="1000"/>
-              </a:spcBef>
-              <a:spcAft>
-                <a:spcPts val="0"/>
-              </a:spcAft>
-              <a:buClr>
-                <a:schemeClr val="dk1"/>
-              </a:buClr>
-              <a:buSzPts val="1900"/>
-              <a:buFont typeface="Calibri"/>
-              <a:buChar char="○"/>
-            </a:pPr>
-            <a:r>
-              <a:rPr lang="de-CH" sz="1900">
-                <a:solidFill>
-                  <a:schemeClr val="dk1"/>
-                </a:solidFill>
-                <a:latin typeface="Calibri"/>
-                <a:ea typeface="Calibri"/>
-                <a:cs typeface="Calibri"/>
-                <a:sym typeface="Calibri"/>
-              </a:rPr>
-              <a:t>Observation time? [draft-tgraf-netconf-yang-push-observation-time]; </a:t>
-            </a:r>
-            <a:r>
-              <a:rPr lang="de-CH" sz="1900">
-                <a:solidFill>
-                  <a:srgbClr val="FF0000"/>
-                </a:solidFill>
-                <a:latin typeface="Calibri"/>
-                <a:ea typeface="Calibri"/>
-                <a:cs typeface="Calibri"/>
-                <a:sym typeface="Calibri"/>
-              </a:rPr>
-              <a:t>Added</a:t>
-            </a:r>
-            <a:endParaRPr sz="1900">
-              <a:solidFill>
-                <a:srgbClr val="FF0000"/>
-              </a:solidFill>
-              <a:latin typeface="Calibri"/>
-              <a:ea typeface="Calibri"/>
-              <a:cs typeface="Calibri"/>
-              <a:sym typeface="Calibri"/>
-            </a:endParaRPr>
-          </a:p>
-          <a:p>
-            <a:pPr indent="-349250" lvl="1" marL="914400" rtl="0" algn="l">
-              <a:spcBef>
-                <a:spcPts val="1000"/>
-              </a:spcBef>
-              <a:spcAft>
-                <a:spcPts val="0"/>
-              </a:spcAft>
-              <a:buClr>
-                <a:schemeClr val="dk1"/>
-              </a:buClr>
-              <a:buSzPts val="1900"/>
-              <a:buFont typeface="Calibri"/>
-              <a:buChar char="○"/>
-            </a:pPr>
-            <a:r>
-              <a:rPr lang="de-CH" sz="1900">
-                <a:solidFill>
-                  <a:schemeClr val="dk1"/>
-                </a:solidFill>
-                <a:latin typeface="Calibri"/>
-                <a:ea typeface="Calibri"/>
-                <a:cs typeface="Calibri"/>
-                <a:sym typeface="Calibri"/>
-              </a:rPr>
-              <a:t>Some of the extensions only impact a subset of YANG-Push notifications</a:t>
-            </a:r>
-            <a:endParaRPr sz="1900">
-              <a:solidFill>
-                <a:schemeClr val="dk1"/>
-              </a:solidFill>
-              <a:latin typeface="Calibri"/>
-              <a:ea typeface="Calibri"/>
-              <a:cs typeface="Calibri"/>
-              <a:sym typeface="Calibri"/>
-            </a:endParaRPr>
-          </a:p>
-          <a:p>
-            <a:pPr indent="-349250" lvl="2" marL="1371600" rtl="0" algn="l">
-              <a:spcBef>
-                <a:spcPts val="1000"/>
-              </a:spcBef>
-              <a:spcAft>
-                <a:spcPts val="1000"/>
-              </a:spcAft>
-              <a:buClr>
-                <a:schemeClr val="dk1"/>
-              </a:buClr>
-              <a:buSzPts val="1900"/>
-              <a:buFont typeface="Calibri"/>
-              <a:buChar char="■"/>
-            </a:pPr>
-            <a:r>
-              <a:rPr lang="de-CH" sz="1900">
-                <a:solidFill>
-                  <a:schemeClr val="dk1"/>
-                </a:solidFill>
-                <a:latin typeface="Calibri"/>
-                <a:ea typeface="Calibri"/>
-                <a:cs typeface="Calibri"/>
-                <a:sym typeface="Calibri"/>
-              </a:rPr>
-              <a:t>How to deal with this? → </a:t>
-            </a:r>
-            <a:r>
-              <a:rPr lang="de-CH" sz="1900">
-                <a:solidFill>
-                  <a:srgbClr val="FF0000"/>
-                </a:solidFill>
-                <a:latin typeface="Calibri"/>
-                <a:ea typeface="Calibri"/>
-                <a:cs typeface="Calibri"/>
-                <a:sym typeface="Calibri"/>
-              </a:rPr>
-              <a:t>Current approach, extend YANG-Push header</a:t>
-            </a:r>
-            <a:endParaRPr sz="1900">
-              <a:solidFill>
-                <a:srgbClr val="FF0000"/>
               </a:solidFill>
               <a:latin typeface="Calibri"/>
               <a:ea typeface="Calibri"/>
@@ -19463,6 +19602,671 @@
         <p:nvSpPr>
           <p:cNvPr id="245" name="Google Shape;245;p25"/>
           <p:cNvSpPr txBox="1"/>
+          <p:nvPr>
+            <p:ph idx="12" type="sldNum"/>
+          </p:nvPr>
+        </p:nvSpPr>
+        <p:spPr>
+          <a:xfrm>
+            <a:off x="11510000" y="6362700"/>
+            <a:ext cx="512100" cy="365100"/>
+          </a:xfrm>
+          <a:prstGeom prst="rect">
+            <a:avLst/>
+          </a:prstGeom>
+          <a:noFill/>
+          <a:ln>
+            <a:noFill/>
+          </a:ln>
+        </p:spPr>
+        <p:txBody>
+          <a:bodyPr anchorCtr="0" anchor="ctr" bIns="45700" lIns="91425" spcFirstLastPara="1" rIns="91425" wrap="square" tIns="45700">
+            <a:noAutofit/>
+          </a:bodyPr>
+          <a:lstStyle/>
+          <a:p>
+            <a:pPr indent="0" lvl="0" marL="0" rtl="0" algn="r">
+              <a:lnSpc>
+                <a:spcPct val="100000"/>
+              </a:lnSpc>
+              <a:spcBef>
+                <a:spcPts val="0"/>
+              </a:spcBef>
+              <a:spcAft>
+                <a:spcPts val="0"/>
+              </a:spcAft>
+              <a:buSzPts val="2200"/>
+              <a:buNone/>
+            </a:pPr>
+            <a:fld id="{00000000-1234-1234-1234-123412341234}" type="slidenum">
+              <a:rPr lang="de-CH" sz="2200"/>
+              <a:t>‹#›</a:t>
+            </a:fld>
+            <a:endParaRPr sz="2200"/>
+          </a:p>
+        </p:txBody>
+      </p:sp>
+      <p:sp>
+        <p:nvSpPr>
+          <p:cNvPr id="246" name="Google Shape;246;p25"/>
+          <p:cNvSpPr txBox="1"/>
+          <p:nvPr/>
+        </p:nvSpPr>
+        <p:spPr>
+          <a:xfrm>
+            <a:off x="838200" y="1522975"/>
+            <a:ext cx="10847100" cy="4684500"/>
+          </a:xfrm>
+          <a:prstGeom prst="rect">
+            <a:avLst/>
+          </a:prstGeom>
+          <a:noFill/>
+          <a:ln>
+            <a:noFill/>
+          </a:ln>
+        </p:spPr>
+        <p:txBody>
+          <a:bodyPr anchorCtr="0" anchor="t" bIns="91425" lIns="91425" spcFirstLastPara="1" rIns="91425" wrap="square" tIns="91425">
+            <a:spAutoFit/>
+          </a:bodyPr>
+          <a:lstStyle/>
+          <a:p>
+            <a:pPr indent="-349250" lvl="0" marL="457200" rtl="0" algn="l">
+              <a:spcBef>
+                <a:spcPts val="0"/>
+              </a:spcBef>
+              <a:spcAft>
+                <a:spcPts val="0"/>
+              </a:spcAft>
+              <a:buClr>
+                <a:schemeClr val="dk1"/>
+              </a:buClr>
+              <a:buSzPts val="1900"/>
+              <a:buFont typeface="Calibri"/>
+              <a:buChar char="●"/>
+            </a:pPr>
+            <a:r>
+              <a:rPr lang="de-CH" sz="1900">
+                <a:solidFill>
+                  <a:schemeClr val="dk1"/>
+                </a:solidFill>
+                <a:latin typeface="Calibri"/>
+                <a:ea typeface="Calibri"/>
+                <a:cs typeface="Calibri"/>
+                <a:sym typeface="Calibri"/>
+              </a:rPr>
+              <a:t>All the YANG notifications or only YANG-Push Notifications? So, far, current scope if fine (</a:t>
+            </a:r>
+            <a:r>
+              <a:rPr lang="de-CH" sz="1900">
+                <a:solidFill>
+                  <a:srgbClr val="FF0000"/>
+                </a:solidFill>
+                <a:latin typeface="Calibri"/>
+                <a:ea typeface="Calibri"/>
+                <a:cs typeface="Calibri"/>
+                <a:sym typeface="Calibri"/>
+              </a:rPr>
+              <a:t>YANG-Push</a:t>
+            </a:r>
+            <a:r>
+              <a:rPr lang="de-CH" sz="1900">
+                <a:solidFill>
+                  <a:schemeClr val="dk1"/>
+                </a:solidFill>
+                <a:latin typeface="Calibri"/>
+                <a:ea typeface="Calibri"/>
+                <a:cs typeface="Calibri"/>
+                <a:sym typeface="Calibri"/>
+              </a:rPr>
+              <a:t>)</a:t>
+            </a:r>
+            <a:endParaRPr sz="1900">
+              <a:solidFill>
+                <a:schemeClr val="dk1"/>
+              </a:solidFill>
+              <a:latin typeface="Calibri"/>
+              <a:ea typeface="Calibri"/>
+              <a:cs typeface="Calibri"/>
+              <a:sym typeface="Calibri"/>
+            </a:endParaRPr>
+          </a:p>
+          <a:p>
+            <a:pPr indent="-349250" lvl="0" marL="457200" rtl="0" algn="l">
+              <a:spcBef>
+                <a:spcPts val="1000"/>
+              </a:spcBef>
+              <a:spcAft>
+                <a:spcPts val="0"/>
+              </a:spcAft>
+              <a:buClr>
+                <a:schemeClr val="dk1"/>
+              </a:buClr>
+              <a:buSzPts val="1900"/>
+              <a:buFont typeface="Calibri"/>
+              <a:buChar char="●"/>
+            </a:pPr>
+            <a:r>
+              <a:rPr lang="de-CH" sz="1900">
+                <a:solidFill>
+                  <a:schemeClr val="dk1"/>
+                </a:solidFill>
+                <a:latin typeface="Calibri"/>
+                <a:ea typeface="Calibri"/>
+                <a:cs typeface="Calibri"/>
+                <a:sym typeface="Calibri"/>
+              </a:rPr>
+              <a:t>Should this notification be defined as a “notification” or as a “sx:structure”? </a:t>
+            </a:r>
+            <a:r>
+              <a:rPr lang="de-CH" sz="1900">
+                <a:solidFill>
+                  <a:srgbClr val="FF0000"/>
+                </a:solidFill>
+                <a:latin typeface="Calibri"/>
+                <a:ea typeface="Calibri"/>
+                <a:cs typeface="Calibri"/>
+                <a:sym typeface="Calibri"/>
+              </a:rPr>
+              <a:t>sx:structure</a:t>
+            </a:r>
+            <a:endParaRPr sz="1900">
+              <a:solidFill>
+                <a:srgbClr val="FF0000"/>
+              </a:solidFill>
+              <a:latin typeface="Calibri"/>
+              <a:ea typeface="Calibri"/>
+              <a:cs typeface="Calibri"/>
+              <a:sym typeface="Calibri"/>
+            </a:endParaRPr>
+          </a:p>
+          <a:p>
+            <a:pPr indent="-349250" lvl="0" marL="457200" rtl="0" algn="l">
+              <a:spcBef>
+                <a:spcPts val="1000"/>
+              </a:spcBef>
+              <a:spcAft>
+                <a:spcPts val="0"/>
+              </a:spcAft>
+              <a:buClr>
+                <a:schemeClr val="dk1"/>
+              </a:buClr>
+              <a:buSzPts val="1900"/>
+              <a:buFont typeface="Calibri"/>
+              <a:buChar char="●"/>
+            </a:pPr>
+            <a:r>
+              <a:rPr lang="de-CH" sz="1900">
+                <a:solidFill>
+                  <a:schemeClr val="dk1"/>
+                </a:solidFill>
+                <a:latin typeface="Calibri"/>
+                <a:ea typeface="Calibri"/>
+                <a:cs typeface="Calibri"/>
+                <a:sym typeface="Calibri"/>
+              </a:rPr>
+              <a:t>XML namespace: which one to use?</a:t>
+            </a:r>
+            <a:endParaRPr sz="1900">
+              <a:solidFill>
+                <a:schemeClr val="dk1"/>
+              </a:solidFill>
+              <a:latin typeface="Calibri"/>
+              <a:ea typeface="Calibri"/>
+              <a:cs typeface="Calibri"/>
+              <a:sym typeface="Calibri"/>
+            </a:endParaRPr>
+          </a:p>
+          <a:p>
+            <a:pPr indent="-349250" lvl="1" marL="914400" rtl="0" algn="l">
+              <a:spcBef>
+                <a:spcPts val="1000"/>
+              </a:spcBef>
+              <a:spcAft>
+                <a:spcPts val="0"/>
+              </a:spcAft>
+              <a:buClr>
+                <a:schemeClr val="dk1"/>
+              </a:buClr>
+              <a:buSzPts val="1900"/>
+              <a:buFont typeface="Calibri"/>
+              <a:buChar char="○"/>
+            </a:pPr>
+            <a:r>
+              <a:rPr lang="de-CH" sz="1900">
+                <a:solidFill>
+                  <a:schemeClr val="dk1"/>
+                </a:solidFill>
+                <a:latin typeface="Calibri"/>
+                <a:ea typeface="Calibri"/>
+                <a:cs typeface="Calibri"/>
+                <a:sym typeface="Calibri"/>
+              </a:rPr>
+              <a:t>urn:ietf:params:xml:ns:netconf:notification:2.0 → following RFC5277</a:t>
+            </a:r>
+            <a:endParaRPr sz="1900">
+              <a:solidFill>
+                <a:schemeClr val="dk1"/>
+              </a:solidFill>
+              <a:latin typeface="Calibri"/>
+              <a:ea typeface="Calibri"/>
+              <a:cs typeface="Calibri"/>
+              <a:sym typeface="Calibri"/>
+            </a:endParaRPr>
+          </a:p>
+          <a:p>
+            <a:pPr indent="-349250" lvl="1" marL="914400" rtl="0" algn="l">
+              <a:spcBef>
+                <a:spcPts val="1000"/>
+              </a:spcBef>
+              <a:spcAft>
+                <a:spcPts val="0"/>
+              </a:spcAft>
+              <a:buClr>
+                <a:schemeClr val="dk1"/>
+              </a:buClr>
+              <a:buSzPts val="1900"/>
+              <a:buFont typeface="Calibri"/>
+              <a:buChar char="○"/>
+            </a:pPr>
+            <a:r>
+              <a:rPr lang="de-CH" sz="1900">
+                <a:solidFill>
+                  <a:srgbClr val="FF0000"/>
+                </a:solidFill>
+                <a:latin typeface="Calibri"/>
+                <a:ea typeface="Calibri"/>
+                <a:cs typeface="Calibri"/>
+                <a:sym typeface="Calibri"/>
+              </a:rPr>
+              <a:t>urn:ietf:params:xml:ns:yang:ietf-yp-notification</a:t>
+            </a:r>
+            <a:r>
+              <a:rPr lang="de-CH" sz="1900">
+                <a:solidFill>
+                  <a:schemeClr val="dk1"/>
+                </a:solidFill>
+                <a:latin typeface="Calibri"/>
+                <a:ea typeface="Calibri"/>
+                <a:cs typeface="Calibri"/>
+                <a:sym typeface="Calibri"/>
+              </a:rPr>
+              <a:t> → following YANG guidelines</a:t>
+            </a:r>
+            <a:endParaRPr sz="1900">
+              <a:solidFill>
+                <a:schemeClr val="dk1"/>
+              </a:solidFill>
+              <a:latin typeface="Calibri"/>
+              <a:ea typeface="Calibri"/>
+              <a:cs typeface="Calibri"/>
+              <a:sym typeface="Calibri"/>
+            </a:endParaRPr>
+          </a:p>
+          <a:p>
+            <a:pPr indent="-349250" lvl="0" marL="457200" rtl="0" algn="l">
+              <a:spcBef>
+                <a:spcPts val="1000"/>
+              </a:spcBef>
+              <a:spcAft>
+                <a:spcPts val="0"/>
+              </a:spcAft>
+              <a:buClr>
+                <a:schemeClr val="dk1"/>
+              </a:buClr>
+              <a:buSzPts val="1900"/>
+              <a:buFont typeface="Calibri"/>
+              <a:buChar char="●"/>
+            </a:pPr>
+            <a:r>
+              <a:rPr lang="de-CH" sz="1900">
+                <a:solidFill>
+                  <a:schemeClr val="dk1"/>
+                </a:solidFill>
+                <a:latin typeface="Calibri"/>
+                <a:ea typeface="Calibri"/>
+                <a:cs typeface="Calibri"/>
+                <a:sym typeface="Calibri"/>
+              </a:rPr>
+              <a:t>Which notification and subscription extensions should be added?</a:t>
+            </a:r>
+            <a:endParaRPr sz="1900">
+              <a:solidFill>
+                <a:schemeClr val="dk1"/>
+              </a:solidFill>
+              <a:latin typeface="Calibri"/>
+              <a:ea typeface="Calibri"/>
+              <a:cs typeface="Calibri"/>
+              <a:sym typeface="Calibri"/>
+            </a:endParaRPr>
+          </a:p>
+          <a:p>
+            <a:pPr indent="-349250" lvl="1" marL="914400" rtl="0" algn="l">
+              <a:spcBef>
+                <a:spcPts val="1000"/>
+              </a:spcBef>
+              <a:spcAft>
+                <a:spcPts val="0"/>
+              </a:spcAft>
+              <a:buClr>
+                <a:schemeClr val="dk1"/>
+              </a:buClr>
+              <a:buSzPts val="1900"/>
+              <a:buFont typeface="Calibri"/>
+              <a:buChar char="○"/>
+            </a:pPr>
+            <a:r>
+              <a:rPr lang="de-CH" sz="1900">
+                <a:solidFill>
+                  <a:schemeClr val="dk1"/>
+                </a:solidFill>
+                <a:latin typeface="Calibri"/>
+                <a:ea typeface="Calibri"/>
+                <a:cs typeface="Calibri"/>
+                <a:sym typeface="Calibri"/>
+              </a:rPr>
+              <a:t>Metadata sent by default when the envelope is enabled? </a:t>
+            </a:r>
+            <a:r>
+              <a:rPr lang="de-CH" sz="1900">
+                <a:solidFill>
+                  <a:srgbClr val="FF0000"/>
+                </a:solidFill>
+                <a:latin typeface="Calibri"/>
+                <a:ea typeface="Calibri"/>
+                <a:cs typeface="Calibri"/>
+                <a:sym typeface="Calibri"/>
+              </a:rPr>
+              <a:t>Yes, feedback IETF 121</a:t>
+            </a:r>
+            <a:endParaRPr sz="1900">
+              <a:solidFill>
+                <a:srgbClr val="FF0000"/>
+              </a:solidFill>
+              <a:latin typeface="Calibri"/>
+              <a:ea typeface="Calibri"/>
+              <a:cs typeface="Calibri"/>
+              <a:sym typeface="Calibri"/>
+            </a:endParaRPr>
+          </a:p>
+          <a:p>
+            <a:pPr indent="-349250" lvl="1" marL="914400" rtl="0" algn="l">
+              <a:spcBef>
+                <a:spcPts val="1000"/>
+              </a:spcBef>
+              <a:spcAft>
+                <a:spcPts val="0"/>
+              </a:spcAft>
+              <a:buClr>
+                <a:schemeClr val="dk1"/>
+              </a:buClr>
+              <a:buSzPts val="1900"/>
+              <a:buFont typeface="Calibri"/>
+              <a:buChar char="○"/>
+            </a:pPr>
+            <a:r>
+              <a:rPr lang="de-CH" sz="1900">
+                <a:solidFill>
+                  <a:schemeClr val="dk1"/>
+                </a:solidFill>
+                <a:latin typeface="Calibri"/>
+                <a:ea typeface="Calibri"/>
+                <a:cs typeface="Calibri"/>
+                <a:sym typeface="Calibri"/>
+              </a:rPr>
+              <a:t>Hostname and Sequencing [draft-tgraf-netconf-notif-sequencing]; </a:t>
+            </a:r>
+            <a:r>
+              <a:rPr lang="de-CH" sz="1900">
+                <a:solidFill>
+                  <a:srgbClr val="FF0000"/>
+                </a:solidFill>
+                <a:latin typeface="Calibri"/>
+                <a:ea typeface="Calibri"/>
+                <a:cs typeface="Calibri"/>
+                <a:sym typeface="Calibri"/>
+              </a:rPr>
+              <a:t>Added</a:t>
+            </a:r>
+            <a:endParaRPr sz="1900">
+              <a:solidFill>
+                <a:srgbClr val="FF0000"/>
+              </a:solidFill>
+              <a:latin typeface="Calibri"/>
+              <a:ea typeface="Calibri"/>
+              <a:cs typeface="Calibri"/>
+              <a:sym typeface="Calibri"/>
+            </a:endParaRPr>
+          </a:p>
+          <a:p>
+            <a:pPr indent="-349250" lvl="1" marL="914400" rtl="0" algn="l">
+              <a:spcBef>
+                <a:spcPts val="1000"/>
+              </a:spcBef>
+              <a:spcAft>
+                <a:spcPts val="0"/>
+              </a:spcAft>
+              <a:buClr>
+                <a:schemeClr val="dk1"/>
+              </a:buClr>
+              <a:buSzPts val="1900"/>
+              <a:buFont typeface="Calibri"/>
+              <a:buChar char="○"/>
+            </a:pPr>
+            <a:r>
+              <a:rPr lang="de-CH" sz="1900">
+                <a:solidFill>
+                  <a:schemeClr val="dk1"/>
+                </a:solidFill>
+                <a:latin typeface="Calibri"/>
+                <a:ea typeface="Calibri"/>
+                <a:cs typeface="Calibri"/>
+                <a:sym typeface="Calibri"/>
+              </a:rPr>
+              <a:t>Observation time? [draft-tgraf-netconf-yang-push-observation-time]; </a:t>
+            </a:r>
+            <a:r>
+              <a:rPr lang="de-CH" sz="1900">
+                <a:solidFill>
+                  <a:srgbClr val="FF0000"/>
+                </a:solidFill>
+                <a:latin typeface="Calibri"/>
+                <a:ea typeface="Calibri"/>
+                <a:cs typeface="Calibri"/>
+                <a:sym typeface="Calibri"/>
+              </a:rPr>
+              <a:t>Added</a:t>
+            </a:r>
+            <a:endParaRPr sz="1900">
+              <a:solidFill>
+                <a:srgbClr val="FF0000"/>
+              </a:solidFill>
+              <a:latin typeface="Calibri"/>
+              <a:ea typeface="Calibri"/>
+              <a:cs typeface="Calibri"/>
+              <a:sym typeface="Calibri"/>
+            </a:endParaRPr>
+          </a:p>
+          <a:p>
+            <a:pPr indent="-349250" lvl="1" marL="914400" rtl="0" algn="l">
+              <a:spcBef>
+                <a:spcPts val="1000"/>
+              </a:spcBef>
+              <a:spcAft>
+                <a:spcPts val="0"/>
+              </a:spcAft>
+              <a:buClr>
+                <a:schemeClr val="dk1"/>
+              </a:buClr>
+              <a:buSzPts val="1900"/>
+              <a:buFont typeface="Calibri"/>
+              <a:buChar char="○"/>
+            </a:pPr>
+            <a:r>
+              <a:rPr lang="de-CH" sz="1900">
+                <a:solidFill>
+                  <a:schemeClr val="dk1"/>
+                </a:solidFill>
+                <a:latin typeface="Calibri"/>
+                <a:ea typeface="Calibri"/>
+                <a:cs typeface="Calibri"/>
+                <a:sym typeface="Calibri"/>
+              </a:rPr>
+              <a:t>Some of the extensions only impact a subset of YANG-Push notifications</a:t>
+            </a:r>
+            <a:endParaRPr sz="1900">
+              <a:solidFill>
+                <a:schemeClr val="dk1"/>
+              </a:solidFill>
+              <a:latin typeface="Calibri"/>
+              <a:ea typeface="Calibri"/>
+              <a:cs typeface="Calibri"/>
+              <a:sym typeface="Calibri"/>
+            </a:endParaRPr>
+          </a:p>
+          <a:p>
+            <a:pPr indent="-349250" lvl="2" marL="1371600" rtl="0" algn="l">
+              <a:spcBef>
+                <a:spcPts val="1000"/>
+              </a:spcBef>
+              <a:spcAft>
+                <a:spcPts val="1000"/>
+              </a:spcAft>
+              <a:buClr>
+                <a:schemeClr val="dk1"/>
+              </a:buClr>
+              <a:buSzPts val="1900"/>
+              <a:buFont typeface="Calibri"/>
+              <a:buChar char="■"/>
+            </a:pPr>
+            <a:r>
+              <a:rPr lang="de-CH" sz="1900">
+                <a:solidFill>
+                  <a:schemeClr val="dk1"/>
+                </a:solidFill>
+                <a:latin typeface="Calibri"/>
+                <a:ea typeface="Calibri"/>
+                <a:cs typeface="Calibri"/>
+                <a:sym typeface="Calibri"/>
+              </a:rPr>
+              <a:t>How to deal with this? → </a:t>
+            </a:r>
+            <a:r>
+              <a:rPr lang="de-CH" sz="1900">
+                <a:solidFill>
+                  <a:srgbClr val="FF0000"/>
+                </a:solidFill>
+                <a:latin typeface="Calibri"/>
+                <a:ea typeface="Calibri"/>
+                <a:cs typeface="Calibri"/>
+                <a:sym typeface="Calibri"/>
+              </a:rPr>
+              <a:t>Current approach, extend YANG-Push header</a:t>
+            </a:r>
+            <a:endParaRPr sz="1900">
+              <a:solidFill>
+                <a:srgbClr val="FF0000"/>
+              </a:solidFill>
+              <a:latin typeface="Calibri"/>
+              <a:ea typeface="Calibri"/>
+              <a:cs typeface="Calibri"/>
+              <a:sym typeface="Calibri"/>
+            </a:endParaRPr>
+          </a:p>
+        </p:txBody>
+      </p:sp>
+    </p:spTree>
+  </p:cSld>
+  <p:clrMapOvr>
+    <a:masterClrMapping/>
+  </p:clrMapOvr>
+</p:sld>
+</file>
+
+<file path=ppt/slides/slide14.xml><?xml version="1.0" encoding="utf-8"?>
+<p:sld xmlns:a="http://schemas.openxmlformats.org/drawingml/2006/main" xmlns:r="http://schemas.openxmlformats.org/officeDocument/2006/relationships" xmlns:mc="http://schemas.openxmlformats.org/markup-compatibility/2006" xmlns:mv="urn:schemas-microsoft-com:mac:vml" xmlns:p="http://schemas.openxmlformats.org/presentationml/2006/main" xmlns:c="http://schemas.openxmlformats.org/drawingml/2006/chart" xmlns:dgm="http://schemas.openxmlformats.org/drawingml/2006/diagram" xmlns:o="urn:schemas-microsoft-com:office:office" xmlns:v="urn:schemas-microsoft-com:vml" xmlns:pvml="urn:schemas-microsoft-com:office:powerpoint" xmlns:com="http://schemas.openxmlformats.org/drawingml/2006/compatibility" xmlns:p14="http://schemas.microsoft.com/office/powerpoint/2010/main" xmlns:p15="http://schemas.microsoft.com/office/powerpoint/2012/main" xmlns:ahyp="http://schemas.microsoft.com/office/drawing/2018/hyperlinkcolor">
+  <p:cSld>
+    <p:spTree>
+      <p:nvGrpSpPr>
+        <p:cNvPr id="250" name="Shape 250"/>
+        <p:cNvGrpSpPr/>
+        <p:nvPr/>
+      </p:nvGrpSpPr>
+      <p:grpSpPr>
+        <a:xfrm>
+          <a:off x="0" y="0"/>
+          <a:ext cx="0" cy="0"/>
+          <a:chOff x="0" y="0"/>
+          <a:chExt cx="0" cy="0"/>
+        </a:xfrm>
+      </p:grpSpPr>
+      <p:sp>
+        <p:nvSpPr>
+          <p:cNvPr id="251" name="Google Shape;251;p26"/>
+          <p:cNvSpPr txBox="1"/>
+          <p:nvPr>
+            <p:ph type="title"/>
+          </p:nvPr>
+        </p:nvSpPr>
+        <p:spPr>
+          <a:xfrm>
+            <a:off x="838200" y="365125"/>
+            <a:ext cx="10515600" cy="1325700"/>
+          </a:xfrm>
+          <a:prstGeom prst="rect">
+            <a:avLst/>
+          </a:prstGeom>
+          <a:noFill/>
+          <a:ln>
+            <a:noFill/>
+          </a:ln>
+        </p:spPr>
+        <p:txBody>
+          <a:bodyPr anchorCtr="0" anchor="ctr" bIns="45700" lIns="91425" spcFirstLastPara="1" rIns="91425" wrap="square" tIns="45700">
+            <a:normAutofit/>
+          </a:bodyPr>
+          <a:lstStyle/>
+          <a:p>
+            <a:pPr indent="0" lvl="0" marL="0" rtl="0" algn="l">
+              <a:lnSpc>
+                <a:spcPct val="90000"/>
+              </a:lnSpc>
+              <a:spcBef>
+                <a:spcPts val="0"/>
+              </a:spcBef>
+              <a:spcAft>
+                <a:spcPts val="0"/>
+              </a:spcAft>
+              <a:buClr>
+                <a:schemeClr val="dk1"/>
+              </a:buClr>
+              <a:buSzPts val="2800"/>
+              <a:buFont typeface="Calibri"/>
+              <a:buNone/>
+            </a:pPr>
+            <a:r>
+              <a:rPr b="1" lang="de-CH" sz="2800"/>
+              <a:t>Extensible YANG model for YANG-Push Notifications</a:t>
+            </a:r>
+            <a:br>
+              <a:rPr lang="de-CH" sz="3600"/>
+            </a:br>
+            <a:r>
+              <a:rPr lang="de-CH" sz="2400">
+                <a:solidFill>
+                  <a:srgbClr val="AEABAB"/>
+                </a:solidFill>
+              </a:rPr>
+              <a:t>Discussion and open issues</a:t>
+            </a:r>
+            <a:endParaRPr sz="4100"/>
+          </a:p>
+        </p:txBody>
+      </p:sp>
+      <p:sp>
+        <p:nvSpPr>
+          <p:cNvPr id="252" name="Google Shape;252;p26"/>
+          <p:cNvSpPr txBox="1"/>
           <p:nvPr/>
         </p:nvSpPr>
         <p:spPr>
@@ -19779,7 +20583,7 @@
       </p:sp>
       <p:sp>
         <p:nvSpPr>
-          <p:cNvPr id="246" name="Google Shape;246;p25"/>
+          <p:cNvPr id="253" name="Google Shape;253;p26"/>
           <p:cNvSpPr txBox="1"/>
           <p:nvPr>
             <p:ph idx="12" type="sldNum"/>
@@ -19833,12 +20637,12 @@
 </p:sld>
 </file>
 
-<file path=ppt/slides/slide14.xml><?xml version="1.0" encoding="utf-8"?>
+<file path=ppt/slides/slide15.xml><?xml version="1.0" encoding="utf-8"?>
 <p:sld xmlns:a="http://schemas.openxmlformats.org/drawingml/2006/main" xmlns:r="http://schemas.openxmlformats.org/officeDocument/2006/relationships" xmlns:mc="http://schemas.openxmlformats.org/markup-compatibility/2006" xmlns:mv="urn:schemas-microsoft-com:mac:vml" xmlns:p="http://schemas.openxmlformats.org/presentationml/2006/main" xmlns:c="http://schemas.openxmlformats.org/drawingml/2006/chart" xmlns:dgm="http://schemas.openxmlformats.org/drawingml/2006/diagram" xmlns:o="urn:schemas-microsoft-com:office:office" xmlns:v="urn:schemas-microsoft-com:vml" xmlns:pvml="urn:schemas-microsoft-com:office:powerpoint" xmlns:com="http://schemas.openxmlformats.org/drawingml/2006/compatibility" xmlns:p14="http://schemas.microsoft.com/office/powerpoint/2010/main" xmlns:p15="http://schemas.microsoft.com/office/powerpoint/2012/main" xmlns:ahyp="http://schemas.microsoft.com/office/drawing/2018/hyperlinkcolor">
   <p:cSld>
     <p:spTree>
       <p:nvGrpSpPr>
-        <p:cNvPr id="251" name="Shape 251"/>
+        <p:cNvPr id="258" name="Shape 258"/>
         <p:cNvGrpSpPr/>
         <p:nvPr/>
       </p:nvGrpSpPr>
@@ -19852,7 +20656,7 @@
       </p:grpSpPr>
       <p:sp>
         <p:nvSpPr>
-          <p:cNvPr id="252" name="Google Shape;252;p26"/>
+          <p:cNvPr id="259" name="Google Shape;259;p27"/>
           <p:cNvSpPr txBox="1"/>
           <p:nvPr>
             <p:ph type="ctrTitle"/>
@@ -19892,7 +20696,7 @@
       </p:sp>
       <p:sp>
         <p:nvSpPr>
-          <p:cNvPr id="253" name="Google Shape;253;p26"/>
+          <p:cNvPr id="260" name="Google Shape;260;p27"/>
           <p:cNvSpPr txBox="1"/>
           <p:nvPr>
             <p:ph idx="1" type="subTitle"/>
@@ -19926,743 +20730,6 @@
               <a:t/>
             </a:r>
             <a:endParaRPr/>
-          </a:p>
-        </p:txBody>
-      </p:sp>
-    </p:spTree>
-  </p:cSld>
-  <p:clrMapOvr>
-    <a:masterClrMapping/>
-  </p:clrMapOvr>
-</p:sld>
-</file>
-
-<file path=ppt/slides/slide15.xml><?xml version="1.0" encoding="utf-8"?>
-<p:sld xmlns:a="http://schemas.openxmlformats.org/drawingml/2006/main" xmlns:r="http://schemas.openxmlformats.org/officeDocument/2006/relationships" xmlns:mc="http://schemas.openxmlformats.org/markup-compatibility/2006" xmlns:mv="urn:schemas-microsoft-com:mac:vml" xmlns:p="http://schemas.openxmlformats.org/presentationml/2006/main" xmlns:c="http://schemas.openxmlformats.org/drawingml/2006/chart" xmlns:dgm="http://schemas.openxmlformats.org/drawingml/2006/diagram" xmlns:o="urn:schemas-microsoft-com:office:office" xmlns:v="urn:schemas-microsoft-com:vml" xmlns:pvml="urn:schemas-microsoft-com:office:powerpoint" xmlns:com="http://schemas.openxmlformats.org/drawingml/2006/compatibility" xmlns:p14="http://schemas.microsoft.com/office/powerpoint/2010/main" xmlns:p15="http://schemas.microsoft.com/office/powerpoint/2012/main" xmlns:ahyp="http://schemas.microsoft.com/office/drawing/2018/hyperlinkcolor">
-  <p:cSld>
-    <p:spTree>
-      <p:nvGrpSpPr>
-        <p:cNvPr id="257" name="Shape 257"/>
-        <p:cNvGrpSpPr/>
-        <p:nvPr/>
-      </p:nvGrpSpPr>
-      <p:grpSpPr>
-        <a:xfrm>
-          <a:off x="0" y="0"/>
-          <a:ext cx="0" cy="0"/>
-          <a:chOff x="0" y="0"/>
-          <a:chExt cx="0" cy="0"/>
-        </a:xfrm>
-      </p:grpSpPr>
-      <p:sp>
-        <p:nvSpPr>
-          <p:cNvPr id="258" name="Google Shape;258;p27"/>
-          <p:cNvSpPr txBox="1"/>
-          <p:nvPr>
-            <p:ph type="title"/>
-          </p:nvPr>
-        </p:nvSpPr>
-        <p:spPr>
-          <a:xfrm>
-            <a:off x="838200" y="365125"/>
-            <a:ext cx="10515600" cy="1325700"/>
-          </a:xfrm>
-          <a:prstGeom prst="rect">
-            <a:avLst/>
-          </a:prstGeom>
-          <a:noFill/>
-          <a:ln>
-            <a:noFill/>
-          </a:ln>
-        </p:spPr>
-        <p:txBody>
-          <a:bodyPr anchorCtr="0" anchor="ctr" bIns="45700" lIns="91425" spcFirstLastPara="1" rIns="91425" wrap="square" tIns="45700">
-            <a:normAutofit/>
-          </a:bodyPr>
-          <a:lstStyle/>
-          <a:p>
-            <a:pPr indent="0" lvl="0" marL="0" rtl="0" algn="l">
-              <a:lnSpc>
-                <a:spcPct val="90000"/>
-              </a:lnSpc>
-              <a:spcBef>
-                <a:spcPts val="0"/>
-              </a:spcBef>
-              <a:spcAft>
-                <a:spcPts val="0"/>
-              </a:spcAft>
-              <a:buClr>
-                <a:schemeClr val="dk1"/>
-              </a:buClr>
-              <a:buSzPts val="2800"/>
-              <a:buFont typeface="Calibri"/>
-              <a:buNone/>
-            </a:pPr>
-            <a:r>
-              <a:rPr b="1" lang="de-CH" sz="2800"/>
-              <a:t>YANG model for NETCONF Event Notifications</a:t>
-            </a:r>
-            <a:br>
-              <a:rPr lang="de-CH" sz="3600"/>
-            </a:br>
-            <a:r>
-              <a:rPr lang="de-CH" sz="2700">
-                <a:solidFill>
-                  <a:srgbClr val="AEABAB"/>
-                </a:solidFill>
-              </a:rPr>
-              <a:t>Interim 2024-09-19 – </a:t>
-            </a:r>
-            <a:r>
-              <a:rPr lang="de-CH" sz="2700">
-                <a:solidFill>
-                  <a:srgbClr val="AEABAB"/>
-                </a:solidFill>
-              </a:rPr>
-              <a:t>draft-ahuang-netconf-notif-yang</a:t>
-            </a:r>
-            <a:endParaRPr/>
-          </a:p>
-        </p:txBody>
-      </p:sp>
-      <p:sp>
-        <p:nvSpPr>
-          <p:cNvPr id="259" name="Google Shape;259;p27"/>
-          <p:cNvSpPr txBox="1"/>
-          <p:nvPr/>
-        </p:nvSpPr>
-        <p:spPr>
-          <a:xfrm>
-            <a:off x="721325" y="1570425"/>
-            <a:ext cx="10293900" cy="4922400"/>
-          </a:xfrm>
-          <a:prstGeom prst="rect">
-            <a:avLst/>
-          </a:prstGeom>
-          <a:noFill/>
-          <a:ln>
-            <a:noFill/>
-          </a:ln>
-        </p:spPr>
-        <p:txBody>
-          <a:bodyPr anchorCtr="0" anchor="t" bIns="91425" lIns="91425" spcFirstLastPara="1" rIns="91425" wrap="square" tIns="91425">
-            <a:spAutoFit/>
-          </a:bodyPr>
-          <a:lstStyle/>
-          <a:p>
-            <a:pPr indent="-342900" lvl="0" marL="457200" marR="0" rtl="0" algn="l">
-              <a:lnSpc>
-                <a:spcPct val="115000"/>
-              </a:lnSpc>
-              <a:spcBef>
-                <a:spcPts val="0"/>
-              </a:spcBef>
-              <a:spcAft>
-                <a:spcPts val="0"/>
-              </a:spcAft>
-              <a:buClr>
-                <a:schemeClr val="dk1"/>
-              </a:buClr>
-              <a:buSzPts val="1800"/>
-              <a:buFont typeface="Calibri"/>
-              <a:buChar char="●"/>
-            </a:pPr>
-            <a:r>
-              <a:rPr lang="de-CH" sz="1800" u="sng">
-                <a:solidFill>
-                  <a:schemeClr val="hlink"/>
-                </a:solidFill>
-                <a:hlinkClick r:id="rId3"/>
-              </a:rPr>
-              <a:t>https://datatracker.ietf.org/doc/minutes-interim-2024-netconf-02-202409191300/</a:t>
-            </a:r>
-            <a:endParaRPr sz="1800">
-              <a:solidFill>
-                <a:schemeClr val="dk1"/>
-              </a:solidFill>
-              <a:latin typeface="Calibri"/>
-              <a:ea typeface="Calibri"/>
-              <a:cs typeface="Calibri"/>
-              <a:sym typeface="Calibri"/>
-            </a:endParaRPr>
-          </a:p>
-          <a:p>
-            <a:pPr indent="-342900" lvl="0" marL="457200" marR="0" rtl="0" algn="l">
-              <a:lnSpc>
-                <a:spcPct val="115000"/>
-              </a:lnSpc>
-              <a:spcBef>
-                <a:spcPts val="0"/>
-              </a:spcBef>
-              <a:spcAft>
-                <a:spcPts val="0"/>
-              </a:spcAft>
-              <a:buClr>
-                <a:schemeClr val="dk1"/>
-              </a:buClr>
-              <a:buSzPts val="1800"/>
-              <a:buFont typeface="Calibri"/>
-              <a:buChar char="●"/>
-            </a:pPr>
-            <a:r>
-              <a:rPr lang="de-CH" sz="1800">
-                <a:solidFill>
-                  <a:schemeClr val="dk1"/>
-                </a:solidFill>
-                <a:latin typeface="Calibri"/>
-                <a:ea typeface="Calibri"/>
-                <a:cs typeface="Calibri"/>
-                <a:sym typeface="Calibri"/>
-              </a:rPr>
-              <a:t>Thorough review of draft-ahuang-netconf-notif-yang/YANG-Push/NETCONF Event Notifications</a:t>
-            </a:r>
-            <a:endParaRPr sz="1800">
-              <a:solidFill>
-                <a:schemeClr val="dk1"/>
-              </a:solidFill>
-              <a:latin typeface="Calibri"/>
-              <a:ea typeface="Calibri"/>
-              <a:cs typeface="Calibri"/>
-              <a:sym typeface="Calibri"/>
-            </a:endParaRPr>
-          </a:p>
-          <a:p>
-            <a:pPr indent="0" lvl="0" marL="0" marR="0" rtl="0" algn="l">
-              <a:lnSpc>
-                <a:spcPct val="115000"/>
-              </a:lnSpc>
-              <a:spcBef>
-                <a:spcPts val="0"/>
-              </a:spcBef>
-              <a:spcAft>
-                <a:spcPts val="0"/>
-              </a:spcAft>
-              <a:buNone/>
-            </a:pPr>
-            <a:r>
-              <a:t/>
-            </a:r>
-            <a:endParaRPr sz="1800">
-              <a:solidFill>
-                <a:schemeClr val="dk1"/>
-              </a:solidFill>
-              <a:latin typeface="Calibri"/>
-              <a:ea typeface="Calibri"/>
-              <a:cs typeface="Calibri"/>
-              <a:sym typeface="Calibri"/>
-            </a:endParaRPr>
-          </a:p>
-          <a:p>
-            <a:pPr indent="-342900" lvl="0" marL="457200" marR="0" rtl="0" algn="l">
-              <a:lnSpc>
-                <a:spcPct val="115000"/>
-              </a:lnSpc>
-              <a:spcBef>
-                <a:spcPts val="0"/>
-              </a:spcBef>
-              <a:spcAft>
-                <a:spcPts val="0"/>
-              </a:spcAft>
-              <a:buClr>
-                <a:schemeClr val="dk1"/>
-              </a:buClr>
-              <a:buSzPts val="1800"/>
-              <a:buFont typeface="Calibri"/>
-              <a:buChar char="●"/>
-            </a:pPr>
-            <a:r>
-              <a:rPr lang="de-CH" sz="1800">
-                <a:solidFill>
-                  <a:schemeClr val="dk1"/>
-                </a:solidFill>
-                <a:latin typeface="Calibri"/>
-                <a:ea typeface="Calibri"/>
-                <a:cs typeface="Calibri"/>
-                <a:sym typeface="Calibri"/>
-              </a:rPr>
-              <a:t>Conclusion</a:t>
-            </a:r>
-            <a:endParaRPr sz="1800">
-              <a:solidFill>
-                <a:schemeClr val="dk1"/>
-              </a:solidFill>
-              <a:latin typeface="Calibri"/>
-              <a:ea typeface="Calibri"/>
-              <a:cs typeface="Calibri"/>
-              <a:sym typeface="Calibri"/>
-            </a:endParaRPr>
-          </a:p>
-          <a:p>
-            <a:pPr indent="-342900" lvl="1" marL="914400" rtl="0" algn="l">
-              <a:lnSpc>
-                <a:spcPct val="115000"/>
-              </a:lnSpc>
-              <a:spcBef>
-                <a:spcPts val="0"/>
-              </a:spcBef>
-              <a:spcAft>
-                <a:spcPts val="0"/>
-              </a:spcAft>
-              <a:buClr>
-                <a:schemeClr val="dk1"/>
-              </a:buClr>
-              <a:buSzPts val="1800"/>
-              <a:buFont typeface="Calibri"/>
-              <a:buChar char="○"/>
-            </a:pPr>
-            <a:r>
-              <a:rPr lang="de-CH" sz="1800">
-                <a:solidFill>
-                  <a:schemeClr val="dk1"/>
-                </a:solidFill>
-                <a:latin typeface="Calibri"/>
-                <a:ea typeface="Calibri"/>
-                <a:cs typeface="Calibri"/>
-                <a:sym typeface="Calibri"/>
-              </a:rPr>
-              <a:t>draft-ahuang-netconf-notif-yang fixes a </a:t>
-            </a:r>
-            <a:r>
-              <a:rPr b="1" lang="de-CH" sz="1800">
-                <a:solidFill>
-                  <a:srgbClr val="FF0000"/>
-                </a:solidFill>
-                <a:latin typeface="Calibri"/>
-                <a:ea typeface="Calibri"/>
-                <a:cs typeface="Calibri"/>
-                <a:sym typeface="Calibri"/>
-              </a:rPr>
-              <a:t>gap</a:t>
-            </a:r>
-            <a:r>
-              <a:rPr lang="de-CH" sz="1800">
-                <a:solidFill>
-                  <a:schemeClr val="dk1"/>
-                </a:solidFill>
-                <a:latin typeface="Calibri"/>
-                <a:ea typeface="Calibri"/>
-                <a:cs typeface="Calibri"/>
-                <a:sym typeface="Calibri"/>
-              </a:rPr>
-              <a:t> for YANG-Push but might be worth putting the effort on a brand new header</a:t>
-            </a:r>
-            <a:endParaRPr sz="1800">
-              <a:solidFill>
-                <a:schemeClr val="dk1"/>
-              </a:solidFill>
-              <a:latin typeface="Calibri"/>
-              <a:ea typeface="Calibri"/>
-              <a:cs typeface="Calibri"/>
-              <a:sym typeface="Calibri"/>
-            </a:endParaRPr>
-          </a:p>
-          <a:p>
-            <a:pPr indent="-342900" lvl="1" marL="914400" rtl="0" algn="l">
-              <a:lnSpc>
-                <a:spcPct val="115000"/>
-              </a:lnSpc>
-              <a:spcBef>
-                <a:spcPts val="0"/>
-              </a:spcBef>
-              <a:spcAft>
-                <a:spcPts val="0"/>
-              </a:spcAft>
-              <a:buClr>
-                <a:schemeClr val="dk1"/>
-              </a:buClr>
-              <a:buSzPts val="1800"/>
-              <a:buFont typeface="Calibri"/>
-              <a:buChar char="○"/>
-            </a:pPr>
-            <a:r>
-              <a:rPr lang="de-CH" sz="1800">
-                <a:solidFill>
-                  <a:schemeClr val="dk1"/>
-                </a:solidFill>
-                <a:latin typeface="Calibri"/>
-                <a:ea typeface="Calibri"/>
-                <a:cs typeface="Calibri"/>
-                <a:sym typeface="Calibri"/>
-              </a:rPr>
-              <a:t>We need:</a:t>
-            </a:r>
-            <a:endParaRPr sz="1800">
-              <a:solidFill>
-                <a:schemeClr val="dk1"/>
-              </a:solidFill>
-              <a:latin typeface="Calibri"/>
-              <a:ea typeface="Calibri"/>
-              <a:cs typeface="Calibri"/>
-              <a:sym typeface="Calibri"/>
-            </a:endParaRPr>
-          </a:p>
-          <a:p>
-            <a:pPr indent="-342900" lvl="2" marL="1371600" rtl="0" algn="l">
-              <a:lnSpc>
-                <a:spcPct val="115000"/>
-              </a:lnSpc>
-              <a:spcBef>
-                <a:spcPts val="0"/>
-              </a:spcBef>
-              <a:spcAft>
-                <a:spcPts val="0"/>
-              </a:spcAft>
-              <a:buClr>
-                <a:schemeClr val="dk1"/>
-              </a:buClr>
-              <a:buSzPts val="1800"/>
-              <a:buFont typeface="Calibri"/>
-              <a:buChar char="■"/>
-            </a:pPr>
-            <a:r>
-              <a:rPr lang="de-CH" sz="1800">
-                <a:solidFill>
-                  <a:schemeClr val="dk1"/>
-                </a:solidFill>
-                <a:latin typeface="Calibri"/>
-                <a:ea typeface="Calibri"/>
-                <a:cs typeface="Calibri"/>
-                <a:sym typeface="Calibri"/>
-              </a:rPr>
-              <a:t>Bypass RFC5277, thus use YANG-Push only</a:t>
-            </a:r>
-            <a:endParaRPr sz="1800">
-              <a:solidFill>
-                <a:schemeClr val="dk1"/>
-              </a:solidFill>
-              <a:latin typeface="Calibri"/>
-              <a:ea typeface="Calibri"/>
-              <a:cs typeface="Calibri"/>
-              <a:sym typeface="Calibri"/>
-            </a:endParaRPr>
-          </a:p>
-          <a:p>
-            <a:pPr indent="-342900" lvl="2" marL="1371600" rtl="0" algn="l">
-              <a:lnSpc>
-                <a:spcPct val="115000"/>
-              </a:lnSpc>
-              <a:spcBef>
-                <a:spcPts val="0"/>
-              </a:spcBef>
-              <a:spcAft>
-                <a:spcPts val="0"/>
-              </a:spcAft>
-              <a:buClr>
-                <a:schemeClr val="dk1"/>
-              </a:buClr>
-              <a:buSzPts val="1800"/>
-              <a:buFont typeface="Calibri"/>
-              <a:buChar char="■"/>
-            </a:pPr>
-            <a:r>
-              <a:rPr lang="de-CH" sz="1800">
-                <a:solidFill>
-                  <a:schemeClr val="dk1"/>
-                </a:solidFill>
-                <a:latin typeface="Calibri"/>
-                <a:ea typeface="Calibri"/>
-                <a:cs typeface="Calibri"/>
-                <a:sym typeface="Calibri"/>
-              </a:rPr>
-              <a:t>Extensible header</a:t>
-            </a:r>
-            <a:endParaRPr sz="1800">
-              <a:solidFill>
-                <a:schemeClr val="dk1"/>
-              </a:solidFill>
-              <a:latin typeface="Calibri"/>
-              <a:ea typeface="Calibri"/>
-              <a:cs typeface="Calibri"/>
-              <a:sym typeface="Calibri"/>
-            </a:endParaRPr>
-          </a:p>
-          <a:p>
-            <a:pPr indent="-342900" lvl="3" marL="1828800" rtl="0" algn="l">
-              <a:lnSpc>
-                <a:spcPct val="115000"/>
-              </a:lnSpc>
-              <a:spcBef>
-                <a:spcPts val="0"/>
-              </a:spcBef>
-              <a:spcAft>
-                <a:spcPts val="0"/>
-              </a:spcAft>
-              <a:buClr>
-                <a:schemeClr val="dk1"/>
-              </a:buClr>
-              <a:buSzPts val="1800"/>
-              <a:buFont typeface="Calibri"/>
-              <a:buChar char="●"/>
-            </a:pPr>
-            <a:r>
-              <a:rPr lang="de-CH" sz="1800">
-                <a:solidFill>
-                  <a:schemeClr val="dk1"/>
-                </a:solidFill>
-                <a:latin typeface="Calibri"/>
-                <a:ea typeface="Calibri"/>
-                <a:cs typeface="Calibri"/>
-                <a:sym typeface="Calibri"/>
-              </a:rPr>
-              <a:t>be able to add new metadata (sequencing, versioning, others…)</a:t>
-            </a:r>
-            <a:endParaRPr sz="1800">
-              <a:solidFill>
-                <a:schemeClr val="dk1"/>
-              </a:solidFill>
-              <a:latin typeface="Calibri"/>
-              <a:ea typeface="Calibri"/>
-              <a:cs typeface="Calibri"/>
-              <a:sym typeface="Calibri"/>
-            </a:endParaRPr>
-          </a:p>
-          <a:p>
-            <a:pPr indent="-342900" lvl="2" marL="1371600" rtl="0" algn="l">
-              <a:lnSpc>
-                <a:spcPct val="115000"/>
-              </a:lnSpc>
-              <a:spcBef>
-                <a:spcPts val="0"/>
-              </a:spcBef>
-              <a:spcAft>
-                <a:spcPts val="0"/>
-              </a:spcAft>
-              <a:buClr>
-                <a:schemeClr val="dk1"/>
-              </a:buClr>
-              <a:buSzPts val="1800"/>
-              <a:buFont typeface="Calibri"/>
-              <a:buChar char="■"/>
-            </a:pPr>
-            <a:r>
-              <a:rPr lang="de-CH" sz="1800">
-                <a:solidFill>
-                  <a:schemeClr val="dk1"/>
-                </a:solidFill>
-                <a:latin typeface="Calibri"/>
-                <a:ea typeface="Calibri"/>
-                <a:cs typeface="Calibri"/>
-                <a:sym typeface="Calibri"/>
-              </a:rPr>
-              <a:t>A client should be able to “opt-in” </a:t>
-            </a:r>
-            <a:endParaRPr sz="1800">
-              <a:solidFill>
-                <a:schemeClr val="dk1"/>
-              </a:solidFill>
-              <a:latin typeface="Calibri"/>
-              <a:ea typeface="Calibri"/>
-              <a:cs typeface="Calibri"/>
-              <a:sym typeface="Calibri"/>
-            </a:endParaRPr>
-          </a:p>
-          <a:p>
-            <a:pPr indent="-342900" lvl="3" marL="1828800" rtl="0" algn="l">
-              <a:lnSpc>
-                <a:spcPct val="115000"/>
-              </a:lnSpc>
-              <a:spcBef>
-                <a:spcPts val="0"/>
-              </a:spcBef>
-              <a:spcAft>
-                <a:spcPts val="0"/>
-              </a:spcAft>
-              <a:buClr>
-                <a:schemeClr val="dk1"/>
-              </a:buClr>
-              <a:buSzPts val="1800"/>
-              <a:buFont typeface="Calibri"/>
-              <a:buChar char="●"/>
-            </a:pPr>
-            <a:r>
-              <a:rPr lang="de-CH" sz="1800">
-                <a:solidFill>
-                  <a:schemeClr val="dk1"/>
-                </a:solidFill>
-                <a:latin typeface="Calibri"/>
-                <a:ea typeface="Calibri"/>
-                <a:cs typeface="Calibri"/>
-                <a:sym typeface="Calibri"/>
-              </a:rPr>
-              <a:t>Clients that don’t support this new header should continue working seamlessly</a:t>
-            </a:r>
-            <a:endParaRPr sz="1800">
-              <a:solidFill>
-                <a:schemeClr val="dk1"/>
-              </a:solidFill>
-              <a:latin typeface="Calibri"/>
-              <a:ea typeface="Calibri"/>
-              <a:cs typeface="Calibri"/>
-              <a:sym typeface="Calibri"/>
-            </a:endParaRPr>
-          </a:p>
-          <a:p>
-            <a:pPr indent="-342900" lvl="2" marL="1371600" rtl="0" algn="l">
-              <a:lnSpc>
-                <a:spcPct val="115000"/>
-              </a:lnSpc>
-              <a:spcBef>
-                <a:spcPts val="0"/>
-              </a:spcBef>
-              <a:spcAft>
-                <a:spcPts val="0"/>
-              </a:spcAft>
-              <a:buClr>
-                <a:schemeClr val="dk1"/>
-              </a:buClr>
-              <a:buSzPts val="1800"/>
-              <a:buFont typeface="Calibri"/>
-              <a:buChar char="■"/>
-            </a:pPr>
-            <a:r>
-              <a:rPr lang="de-CH" sz="1800">
-                <a:solidFill>
-                  <a:schemeClr val="dk1"/>
-                </a:solidFill>
-                <a:latin typeface="Calibri"/>
-                <a:ea typeface="Calibri"/>
-                <a:cs typeface="Calibri"/>
-                <a:sym typeface="Calibri"/>
-              </a:rPr>
-              <a:t>The notification should be a YANG-based solution</a:t>
-            </a:r>
-            <a:endParaRPr sz="1800">
-              <a:solidFill>
-                <a:schemeClr val="dk1"/>
-              </a:solidFill>
-              <a:latin typeface="Calibri"/>
-              <a:ea typeface="Calibri"/>
-              <a:cs typeface="Calibri"/>
-              <a:sym typeface="Calibri"/>
-            </a:endParaRPr>
-          </a:p>
-          <a:p>
-            <a:pPr indent="-342900" lvl="2" marL="1371600" rtl="0" algn="l">
-              <a:lnSpc>
-                <a:spcPct val="115000"/>
-              </a:lnSpc>
-              <a:spcBef>
-                <a:spcPts val="0"/>
-              </a:spcBef>
-              <a:spcAft>
-                <a:spcPts val="0"/>
-              </a:spcAft>
-              <a:buClr>
-                <a:schemeClr val="dk1"/>
-              </a:buClr>
-              <a:buSzPts val="1800"/>
-              <a:buFont typeface="Calibri"/>
-              <a:buChar char="■"/>
-            </a:pPr>
-            <a:r>
-              <a:rPr lang="de-CH" sz="1800">
-                <a:solidFill>
-                  <a:schemeClr val="dk1"/>
-                </a:solidFill>
-                <a:latin typeface="Calibri"/>
-                <a:ea typeface="Calibri"/>
-                <a:cs typeface="Calibri"/>
-                <a:sym typeface="Calibri"/>
-              </a:rPr>
-              <a:t>Fix JSON and CBOR underspecification</a:t>
-            </a:r>
-            <a:endParaRPr sz="1800">
-              <a:solidFill>
-                <a:schemeClr val="dk1"/>
-              </a:solidFill>
-              <a:latin typeface="Calibri"/>
-              <a:ea typeface="Calibri"/>
-              <a:cs typeface="Calibri"/>
-              <a:sym typeface="Calibri"/>
-            </a:endParaRPr>
-          </a:p>
-          <a:p>
-            <a:pPr indent="-342900" lvl="3" marL="1828800" rtl="0" algn="l">
-              <a:lnSpc>
-                <a:spcPct val="115000"/>
-              </a:lnSpc>
-              <a:spcBef>
-                <a:spcPts val="0"/>
-              </a:spcBef>
-              <a:spcAft>
-                <a:spcPts val="0"/>
-              </a:spcAft>
-              <a:buClr>
-                <a:schemeClr val="dk1"/>
-              </a:buClr>
-              <a:buSzPts val="1800"/>
-              <a:buFont typeface="Calibri"/>
-              <a:buChar char="●"/>
-            </a:pPr>
-            <a:r>
-              <a:rPr lang="de-CH" sz="1800">
-                <a:solidFill>
-                  <a:schemeClr val="dk1"/>
-                </a:solidFill>
-                <a:latin typeface="Calibri"/>
-                <a:ea typeface="Calibri"/>
-                <a:cs typeface="Calibri"/>
-                <a:sym typeface="Calibri"/>
-              </a:rPr>
-              <a:t>including CBOR-SID allocation</a:t>
-            </a:r>
-            <a:endParaRPr sz="1800">
-              <a:solidFill>
-                <a:schemeClr val="dk1"/>
-              </a:solidFill>
-              <a:latin typeface="Calibri"/>
-              <a:ea typeface="Calibri"/>
-              <a:cs typeface="Calibri"/>
-              <a:sym typeface="Calibri"/>
-            </a:endParaRPr>
-          </a:p>
-        </p:txBody>
-      </p:sp>
-      <p:sp>
-        <p:nvSpPr>
-          <p:cNvPr id="260" name="Google Shape;260;p27"/>
-          <p:cNvSpPr txBox="1"/>
-          <p:nvPr>
-            <p:ph idx="12" type="sldNum"/>
-          </p:nvPr>
-        </p:nvSpPr>
-        <p:spPr>
-          <a:xfrm>
-            <a:off x="11482300" y="6362700"/>
-            <a:ext cx="539700" cy="365100"/>
-          </a:xfrm>
-          <a:prstGeom prst="rect">
-            <a:avLst/>
-          </a:prstGeom>
-          <a:noFill/>
-          <a:ln>
-            <a:noFill/>
-          </a:ln>
-        </p:spPr>
-        <p:txBody>
-          <a:bodyPr anchorCtr="0" anchor="ctr" bIns="45700" lIns="91425" spcFirstLastPara="1" rIns="91425" wrap="square" tIns="45700">
-            <a:noAutofit/>
-          </a:bodyPr>
-          <a:lstStyle/>
-          <a:p>
-            <a:pPr indent="0" lvl="0" marL="0" rtl="0" algn="r">
-              <a:lnSpc>
-                <a:spcPct val="100000"/>
-              </a:lnSpc>
-              <a:spcBef>
-                <a:spcPts val="0"/>
-              </a:spcBef>
-              <a:spcAft>
-                <a:spcPts val="0"/>
-              </a:spcAft>
-              <a:buSzPts val="2200"/>
-              <a:buNone/>
-            </a:pPr>
-            <a:fld id="{00000000-1234-1234-1234-123412341234}" type="slidenum">
-              <a:rPr lang="de-CH" sz="2200"/>
-              <a:t>‹#›</a:t>
-            </a:fld>
-            <a:endParaRPr sz="2200"/>
           </a:p>
         </p:txBody>
       </p:sp>
@@ -20702,6 +20769,743 @@
         <p:spPr>
           <a:xfrm>
             <a:off x="838200" y="365125"/>
+            <a:ext cx="10515600" cy="1325700"/>
+          </a:xfrm>
+          <a:prstGeom prst="rect">
+            <a:avLst/>
+          </a:prstGeom>
+          <a:noFill/>
+          <a:ln>
+            <a:noFill/>
+          </a:ln>
+        </p:spPr>
+        <p:txBody>
+          <a:bodyPr anchorCtr="0" anchor="ctr" bIns="45700" lIns="91425" spcFirstLastPara="1" rIns="91425" wrap="square" tIns="45700">
+            <a:normAutofit/>
+          </a:bodyPr>
+          <a:lstStyle/>
+          <a:p>
+            <a:pPr indent="0" lvl="0" marL="0" rtl="0" algn="l">
+              <a:lnSpc>
+                <a:spcPct val="90000"/>
+              </a:lnSpc>
+              <a:spcBef>
+                <a:spcPts val="0"/>
+              </a:spcBef>
+              <a:spcAft>
+                <a:spcPts val="0"/>
+              </a:spcAft>
+              <a:buClr>
+                <a:schemeClr val="dk1"/>
+              </a:buClr>
+              <a:buSzPts val="2800"/>
+              <a:buFont typeface="Calibri"/>
+              <a:buNone/>
+            </a:pPr>
+            <a:r>
+              <a:rPr b="1" lang="de-CH" sz="2800"/>
+              <a:t>YANG model for NETCONF Event Notifications</a:t>
+            </a:r>
+            <a:br>
+              <a:rPr lang="de-CH" sz="3600"/>
+            </a:br>
+            <a:r>
+              <a:rPr lang="de-CH" sz="2700">
+                <a:solidFill>
+                  <a:srgbClr val="AEABAB"/>
+                </a:solidFill>
+              </a:rPr>
+              <a:t>Interim 2024-09-19 – </a:t>
+            </a:r>
+            <a:r>
+              <a:rPr lang="de-CH" sz="2700">
+                <a:solidFill>
+                  <a:srgbClr val="AEABAB"/>
+                </a:solidFill>
+              </a:rPr>
+              <a:t>draft-ahuang-netconf-notif-yang</a:t>
+            </a:r>
+            <a:endParaRPr/>
+          </a:p>
+        </p:txBody>
+      </p:sp>
+      <p:sp>
+        <p:nvSpPr>
+          <p:cNvPr id="266" name="Google Shape;266;p28"/>
+          <p:cNvSpPr txBox="1"/>
+          <p:nvPr/>
+        </p:nvSpPr>
+        <p:spPr>
+          <a:xfrm>
+            <a:off x="721325" y="1570425"/>
+            <a:ext cx="10293900" cy="4922400"/>
+          </a:xfrm>
+          <a:prstGeom prst="rect">
+            <a:avLst/>
+          </a:prstGeom>
+          <a:noFill/>
+          <a:ln>
+            <a:noFill/>
+          </a:ln>
+        </p:spPr>
+        <p:txBody>
+          <a:bodyPr anchorCtr="0" anchor="t" bIns="91425" lIns="91425" spcFirstLastPara="1" rIns="91425" wrap="square" tIns="91425">
+            <a:spAutoFit/>
+          </a:bodyPr>
+          <a:lstStyle/>
+          <a:p>
+            <a:pPr indent="-342900" lvl="0" marL="457200" marR="0" rtl="0" algn="l">
+              <a:lnSpc>
+                <a:spcPct val="115000"/>
+              </a:lnSpc>
+              <a:spcBef>
+                <a:spcPts val="0"/>
+              </a:spcBef>
+              <a:spcAft>
+                <a:spcPts val="0"/>
+              </a:spcAft>
+              <a:buClr>
+                <a:schemeClr val="dk1"/>
+              </a:buClr>
+              <a:buSzPts val="1800"/>
+              <a:buFont typeface="Calibri"/>
+              <a:buChar char="●"/>
+            </a:pPr>
+            <a:r>
+              <a:rPr lang="de-CH" sz="1800" u="sng">
+                <a:solidFill>
+                  <a:schemeClr val="hlink"/>
+                </a:solidFill>
+                <a:hlinkClick r:id="rId3"/>
+              </a:rPr>
+              <a:t>https://datatracker.ietf.org/doc/minutes-interim-2024-netconf-02-202409191300/</a:t>
+            </a:r>
+            <a:endParaRPr sz="1800">
+              <a:solidFill>
+                <a:schemeClr val="dk1"/>
+              </a:solidFill>
+              <a:latin typeface="Calibri"/>
+              <a:ea typeface="Calibri"/>
+              <a:cs typeface="Calibri"/>
+              <a:sym typeface="Calibri"/>
+            </a:endParaRPr>
+          </a:p>
+          <a:p>
+            <a:pPr indent="-342900" lvl="0" marL="457200" marR="0" rtl="0" algn="l">
+              <a:lnSpc>
+                <a:spcPct val="115000"/>
+              </a:lnSpc>
+              <a:spcBef>
+                <a:spcPts val="0"/>
+              </a:spcBef>
+              <a:spcAft>
+                <a:spcPts val="0"/>
+              </a:spcAft>
+              <a:buClr>
+                <a:schemeClr val="dk1"/>
+              </a:buClr>
+              <a:buSzPts val="1800"/>
+              <a:buFont typeface="Calibri"/>
+              <a:buChar char="●"/>
+            </a:pPr>
+            <a:r>
+              <a:rPr lang="de-CH" sz="1800">
+                <a:solidFill>
+                  <a:schemeClr val="dk1"/>
+                </a:solidFill>
+                <a:latin typeface="Calibri"/>
+                <a:ea typeface="Calibri"/>
+                <a:cs typeface="Calibri"/>
+                <a:sym typeface="Calibri"/>
+              </a:rPr>
+              <a:t>Thorough review of draft-ahuang-netconf-notif-yang/YANG-Push/NETCONF Event Notifications</a:t>
+            </a:r>
+            <a:endParaRPr sz="1800">
+              <a:solidFill>
+                <a:schemeClr val="dk1"/>
+              </a:solidFill>
+              <a:latin typeface="Calibri"/>
+              <a:ea typeface="Calibri"/>
+              <a:cs typeface="Calibri"/>
+              <a:sym typeface="Calibri"/>
+            </a:endParaRPr>
+          </a:p>
+          <a:p>
+            <a:pPr indent="0" lvl="0" marL="0" marR="0" rtl="0" algn="l">
+              <a:lnSpc>
+                <a:spcPct val="115000"/>
+              </a:lnSpc>
+              <a:spcBef>
+                <a:spcPts val="0"/>
+              </a:spcBef>
+              <a:spcAft>
+                <a:spcPts val="0"/>
+              </a:spcAft>
+              <a:buNone/>
+            </a:pPr>
+            <a:r>
+              <a:t/>
+            </a:r>
+            <a:endParaRPr sz="1800">
+              <a:solidFill>
+                <a:schemeClr val="dk1"/>
+              </a:solidFill>
+              <a:latin typeface="Calibri"/>
+              <a:ea typeface="Calibri"/>
+              <a:cs typeface="Calibri"/>
+              <a:sym typeface="Calibri"/>
+            </a:endParaRPr>
+          </a:p>
+          <a:p>
+            <a:pPr indent="-342900" lvl="0" marL="457200" marR="0" rtl="0" algn="l">
+              <a:lnSpc>
+                <a:spcPct val="115000"/>
+              </a:lnSpc>
+              <a:spcBef>
+                <a:spcPts val="0"/>
+              </a:spcBef>
+              <a:spcAft>
+                <a:spcPts val="0"/>
+              </a:spcAft>
+              <a:buClr>
+                <a:schemeClr val="dk1"/>
+              </a:buClr>
+              <a:buSzPts val="1800"/>
+              <a:buFont typeface="Calibri"/>
+              <a:buChar char="●"/>
+            </a:pPr>
+            <a:r>
+              <a:rPr lang="de-CH" sz="1800">
+                <a:solidFill>
+                  <a:schemeClr val="dk1"/>
+                </a:solidFill>
+                <a:latin typeface="Calibri"/>
+                <a:ea typeface="Calibri"/>
+                <a:cs typeface="Calibri"/>
+                <a:sym typeface="Calibri"/>
+              </a:rPr>
+              <a:t>Conclusion</a:t>
+            </a:r>
+            <a:endParaRPr sz="1800">
+              <a:solidFill>
+                <a:schemeClr val="dk1"/>
+              </a:solidFill>
+              <a:latin typeface="Calibri"/>
+              <a:ea typeface="Calibri"/>
+              <a:cs typeface="Calibri"/>
+              <a:sym typeface="Calibri"/>
+            </a:endParaRPr>
+          </a:p>
+          <a:p>
+            <a:pPr indent="-342900" lvl="1" marL="914400" rtl="0" algn="l">
+              <a:lnSpc>
+                <a:spcPct val="115000"/>
+              </a:lnSpc>
+              <a:spcBef>
+                <a:spcPts val="0"/>
+              </a:spcBef>
+              <a:spcAft>
+                <a:spcPts val="0"/>
+              </a:spcAft>
+              <a:buClr>
+                <a:schemeClr val="dk1"/>
+              </a:buClr>
+              <a:buSzPts val="1800"/>
+              <a:buFont typeface="Calibri"/>
+              <a:buChar char="○"/>
+            </a:pPr>
+            <a:r>
+              <a:rPr lang="de-CH" sz="1800">
+                <a:solidFill>
+                  <a:schemeClr val="dk1"/>
+                </a:solidFill>
+                <a:latin typeface="Calibri"/>
+                <a:ea typeface="Calibri"/>
+                <a:cs typeface="Calibri"/>
+                <a:sym typeface="Calibri"/>
+              </a:rPr>
+              <a:t>draft-ahuang-netconf-notif-yang fixes a </a:t>
+            </a:r>
+            <a:r>
+              <a:rPr b="1" lang="de-CH" sz="1800">
+                <a:solidFill>
+                  <a:srgbClr val="FF0000"/>
+                </a:solidFill>
+                <a:latin typeface="Calibri"/>
+                <a:ea typeface="Calibri"/>
+                <a:cs typeface="Calibri"/>
+                <a:sym typeface="Calibri"/>
+              </a:rPr>
+              <a:t>gap</a:t>
+            </a:r>
+            <a:r>
+              <a:rPr lang="de-CH" sz="1800">
+                <a:solidFill>
+                  <a:schemeClr val="dk1"/>
+                </a:solidFill>
+                <a:latin typeface="Calibri"/>
+                <a:ea typeface="Calibri"/>
+                <a:cs typeface="Calibri"/>
+                <a:sym typeface="Calibri"/>
+              </a:rPr>
+              <a:t> for YANG-Push but might be worth putting the effort on a brand new header</a:t>
+            </a:r>
+            <a:endParaRPr sz="1800">
+              <a:solidFill>
+                <a:schemeClr val="dk1"/>
+              </a:solidFill>
+              <a:latin typeface="Calibri"/>
+              <a:ea typeface="Calibri"/>
+              <a:cs typeface="Calibri"/>
+              <a:sym typeface="Calibri"/>
+            </a:endParaRPr>
+          </a:p>
+          <a:p>
+            <a:pPr indent="-342900" lvl="1" marL="914400" rtl="0" algn="l">
+              <a:lnSpc>
+                <a:spcPct val="115000"/>
+              </a:lnSpc>
+              <a:spcBef>
+                <a:spcPts val="0"/>
+              </a:spcBef>
+              <a:spcAft>
+                <a:spcPts val="0"/>
+              </a:spcAft>
+              <a:buClr>
+                <a:schemeClr val="dk1"/>
+              </a:buClr>
+              <a:buSzPts val="1800"/>
+              <a:buFont typeface="Calibri"/>
+              <a:buChar char="○"/>
+            </a:pPr>
+            <a:r>
+              <a:rPr lang="de-CH" sz="1800">
+                <a:solidFill>
+                  <a:schemeClr val="dk1"/>
+                </a:solidFill>
+                <a:latin typeface="Calibri"/>
+                <a:ea typeface="Calibri"/>
+                <a:cs typeface="Calibri"/>
+                <a:sym typeface="Calibri"/>
+              </a:rPr>
+              <a:t>We need:</a:t>
+            </a:r>
+            <a:endParaRPr sz="1800">
+              <a:solidFill>
+                <a:schemeClr val="dk1"/>
+              </a:solidFill>
+              <a:latin typeface="Calibri"/>
+              <a:ea typeface="Calibri"/>
+              <a:cs typeface="Calibri"/>
+              <a:sym typeface="Calibri"/>
+            </a:endParaRPr>
+          </a:p>
+          <a:p>
+            <a:pPr indent="-342900" lvl="2" marL="1371600" rtl="0" algn="l">
+              <a:lnSpc>
+                <a:spcPct val="115000"/>
+              </a:lnSpc>
+              <a:spcBef>
+                <a:spcPts val="0"/>
+              </a:spcBef>
+              <a:spcAft>
+                <a:spcPts val="0"/>
+              </a:spcAft>
+              <a:buClr>
+                <a:schemeClr val="dk1"/>
+              </a:buClr>
+              <a:buSzPts val="1800"/>
+              <a:buFont typeface="Calibri"/>
+              <a:buChar char="■"/>
+            </a:pPr>
+            <a:r>
+              <a:rPr lang="de-CH" sz="1800">
+                <a:solidFill>
+                  <a:schemeClr val="dk1"/>
+                </a:solidFill>
+                <a:latin typeface="Calibri"/>
+                <a:ea typeface="Calibri"/>
+                <a:cs typeface="Calibri"/>
+                <a:sym typeface="Calibri"/>
+              </a:rPr>
+              <a:t>Bypass RFC5277, thus use YANG-Push only</a:t>
+            </a:r>
+            <a:endParaRPr sz="1800">
+              <a:solidFill>
+                <a:schemeClr val="dk1"/>
+              </a:solidFill>
+              <a:latin typeface="Calibri"/>
+              <a:ea typeface="Calibri"/>
+              <a:cs typeface="Calibri"/>
+              <a:sym typeface="Calibri"/>
+            </a:endParaRPr>
+          </a:p>
+          <a:p>
+            <a:pPr indent="-342900" lvl="2" marL="1371600" rtl="0" algn="l">
+              <a:lnSpc>
+                <a:spcPct val="115000"/>
+              </a:lnSpc>
+              <a:spcBef>
+                <a:spcPts val="0"/>
+              </a:spcBef>
+              <a:spcAft>
+                <a:spcPts val="0"/>
+              </a:spcAft>
+              <a:buClr>
+                <a:schemeClr val="dk1"/>
+              </a:buClr>
+              <a:buSzPts val="1800"/>
+              <a:buFont typeface="Calibri"/>
+              <a:buChar char="■"/>
+            </a:pPr>
+            <a:r>
+              <a:rPr lang="de-CH" sz="1800">
+                <a:solidFill>
+                  <a:schemeClr val="dk1"/>
+                </a:solidFill>
+                <a:latin typeface="Calibri"/>
+                <a:ea typeface="Calibri"/>
+                <a:cs typeface="Calibri"/>
+                <a:sym typeface="Calibri"/>
+              </a:rPr>
+              <a:t>Extensible header</a:t>
+            </a:r>
+            <a:endParaRPr sz="1800">
+              <a:solidFill>
+                <a:schemeClr val="dk1"/>
+              </a:solidFill>
+              <a:latin typeface="Calibri"/>
+              <a:ea typeface="Calibri"/>
+              <a:cs typeface="Calibri"/>
+              <a:sym typeface="Calibri"/>
+            </a:endParaRPr>
+          </a:p>
+          <a:p>
+            <a:pPr indent="-342900" lvl="3" marL="1828800" rtl="0" algn="l">
+              <a:lnSpc>
+                <a:spcPct val="115000"/>
+              </a:lnSpc>
+              <a:spcBef>
+                <a:spcPts val="0"/>
+              </a:spcBef>
+              <a:spcAft>
+                <a:spcPts val="0"/>
+              </a:spcAft>
+              <a:buClr>
+                <a:schemeClr val="dk1"/>
+              </a:buClr>
+              <a:buSzPts val="1800"/>
+              <a:buFont typeface="Calibri"/>
+              <a:buChar char="●"/>
+            </a:pPr>
+            <a:r>
+              <a:rPr lang="de-CH" sz="1800">
+                <a:solidFill>
+                  <a:schemeClr val="dk1"/>
+                </a:solidFill>
+                <a:latin typeface="Calibri"/>
+                <a:ea typeface="Calibri"/>
+                <a:cs typeface="Calibri"/>
+                <a:sym typeface="Calibri"/>
+              </a:rPr>
+              <a:t>be able to add new metadata (sequencing, versioning, others…)</a:t>
+            </a:r>
+            <a:endParaRPr sz="1800">
+              <a:solidFill>
+                <a:schemeClr val="dk1"/>
+              </a:solidFill>
+              <a:latin typeface="Calibri"/>
+              <a:ea typeface="Calibri"/>
+              <a:cs typeface="Calibri"/>
+              <a:sym typeface="Calibri"/>
+            </a:endParaRPr>
+          </a:p>
+          <a:p>
+            <a:pPr indent="-342900" lvl="2" marL="1371600" rtl="0" algn="l">
+              <a:lnSpc>
+                <a:spcPct val="115000"/>
+              </a:lnSpc>
+              <a:spcBef>
+                <a:spcPts val="0"/>
+              </a:spcBef>
+              <a:spcAft>
+                <a:spcPts val="0"/>
+              </a:spcAft>
+              <a:buClr>
+                <a:schemeClr val="dk1"/>
+              </a:buClr>
+              <a:buSzPts val="1800"/>
+              <a:buFont typeface="Calibri"/>
+              <a:buChar char="■"/>
+            </a:pPr>
+            <a:r>
+              <a:rPr lang="de-CH" sz="1800">
+                <a:solidFill>
+                  <a:schemeClr val="dk1"/>
+                </a:solidFill>
+                <a:latin typeface="Calibri"/>
+                <a:ea typeface="Calibri"/>
+                <a:cs typeface="Calibri"/>
+                <a:sym typeface="Calibri"/>
+              </a:rPr>
+              <a:t>A client should be able to “opt-in” </a:t>
+            </a:r>
+            <a:endParaRPr sz="1800">
+              <a:solidFill>
+                <a:schemeClr val="dk1"/>
+              </a:solidFill>
+              <a:latin typeface="Calibri"/>
+              <a:ea typeface="Calibri"/>
+              <a:cs typeface="Calibri"/>
+              <a:sym typeface="Calibri"/>
+            </a:endParaRPr>
+          </a:p>
+          <a:p>
+            <a:pPr indent="-342900" lvl="3" marL="1828800" rtl="0" algn="l">
+              <a:lnSpc>
+                <a:spcPct val="115000"/>
+              </a:lnSpc>
+              <a:spcBef>
+                <a:spcPts val="0"/>
+              </a:spcBef>
+              <a:spcAft>
+                <a:spcPts val="0"/>
+              </a:spcAft>
+              <a:buClr>
+                <a:schemeClr val="dk1"/>
+              </a:buClr>
+              <a:buSzPts val="1800"/>
+              <a:buFont typeface="Calibri"/>
+              <a:buChar char="●"/>
+            </a:pPr>
+            <a:r>
+              <a:rPr lang="de-CH" sz="1800">
+                <a:solidFill>
+                  <a:schemeClr val="dk1"/>
+                </a:solidFill>
+                <a:latin typeface="Calibri"/>
+                <a:ea typeface="Calibri"/>
+                <a:cs typeface="Calibri"/>
+                <a:sym typeface="Calibri"/>
+              </a:rPr>
+              <a:t>Clients that don’t support this new header should continue working seamlessly</a:t>
+            </a:r>
+            <a:endParaRPr sz="1800">
+              <a:solidFill>
+                <a:schemeClr val="dk1"/>
+              </a:solidFill>
+              <a:latin typeface="Calibri"/>
+              <a:ea typeface="Calibri"/>
+              <a:cs typeface="Calibri"/>
+              <a:sym typeface="Calibri"/>
+            </a:endParaRPr>
+          </a:p>
+          <a:p>
+            <a:pPr indent="-342900" lvl="2" marL="1371600" rtl="0" algn="l">
+              <a:lnSpc>
+                <a:spcPct val="115000"/>
+              </a:lnSpc>
+              <a:spcBef>
+                <a:spcPts val="0"/>
+              </a:spcBef>
+              <a:spcAft>
+                <a:spcPts val="0"/>
+              </a:spcAft>
+              <a:buClr>
+                <a:schemeClr val="dk1"/>
+              </a:buClr>
+              <a:buSzPts val="1800"/>
+              <a:buFont typeface="Calibri"/>
+              <a:buChar char="■"/>
+            </a:pPr>
+            <a:r>
+              <a:rPr lang="de-CH" sz="1800">
+                <a:solidFill>
+                  <a:schemeClr val="dk1"/>
+                </a:solidFill>
+                <a:latin typeface="Calibri"/>
+                <a:ea typeface="Calibri"/>
+                <a:cs typeface="Calibri"/>
+                <a:sym typeface="Calibri"/>
+              </a:rPr>
+              <a:t>The notification should be a YANG-based solution</a:t>
+            </a:r>
+            <a:endParaRPr sz="1800">
+              <a:solidFill>
+                <a:schemeClr val="dk1"/>
+              </a:solidFill>
+              <a:latin typeface="Calibri"/>
+              <a:ea typeface="Calibri"/>
+              <a:cs typeface="Calibri"/>
+              <a:sym typeface="Calibri"/>
+            </a:endParaRPr>
+          </a:p>
+          <a:p>
+            <a:pPr indent="-342900" lvl="2" marL="1371600" rtl="0" algn="l">
+              <a:lnSpc>
+                <a:spcPct val="115000"/>
+              </a:lnSpc>
+              <a:spcBef>
+                <a:spcPts val="0"/>
+              </a:spcBef>
+              <a:spcAft>
+                <a:spcPts val="0"/>
+              </a:spcAft>
+              <a:buClr>
+                <a:schemeClr val="dk1"/>
+              </a:buClr>
+              <a:buSzPts val="1800"/>
+              <a:buFont typeface="Calibri"/>
+              <a:buChar char="■"/>
+            </a:pPr>
+            <a:r>
+              <a:rPr lang="de-CH" sz="1800">
+                <a:solidFill>
+                  <a:schemeClr val="dk1"/>
+                </a:solidFill>
+                <a:latin typeface="Calibri"/>
+                <a:ea typeface="Calibri"/>
+                <a:cs typeface="Calibri"/>
+                <a:sym typeface="Calibri"/>
+              </a:rPr>
+              <a:t>Fix JSON and CBOR underspecification</a:t>
+            </a:r>
+            <a:endParaRPr sz="1800">
+              <a:solidFill>
+                <a:schemeClr val="dk1"/>
+              </a:solidFill>
+              <a:latin typeface="Calibri"/>
+              <a:ea typeface="Calibri"/>
+              <a:cs typeface="Calibri"/>
+              <a:sym typeface="Calibri"/>
+            </a:endParaRPr>
+          </a:p>
+          <a:p>
+            <a:pPr indent="-342900" lvl="3" marL="1828800" rtl="0" algn="l">
+              <a:lnSpc>
+                <a:spcPct val="115000"/>
+              </a:lnSpc>
+              <a:spcBef>
+                <a:spcPts val="0"/>
+              </a:spcBef>
+              <a:spcAft>
+                <a:spcPts val="0"/>
+              </a:spcAft>
+              <a:buClr>
+                <a:schemeClr val="dk1"/>
+              </a:buClr>
+              <a:buSzPts val="1800"/>
+              <a:buFont typeface="Calibri"/>
+              <a:buChar char="●"/>
+            </a:pPr>
+            <a:r>
+              <a:rPr lang="de-CH" sz="1800">
+                <a:solidFill>
+                  <a:schemeClr val="dk1"/>
+                </a:solidFill>
+                <a:latin typeface="Calibri"/>
+                <a:ea typeface="Calibri"/>
+                <a:cs typeface="Calibri"/>
+                <a:sym typeface="Calibri"/>
+              </a:rPr>
+              <a:t>including CBOR-SID allocation</a:t>
+            </a:r>
+            <a:endParaRPr sz="1800">
+              <a:solidFill>
+                <a:schemeClr val="dk1"/>
+              </a:solidFill>
+              <a:latin typeface="Calibri"/>
+              <a:ea typeface="Calibri"/>
+              <a:cs typeface="Calibri"/>
+              <a:sym typeface="Calibri"/>
+            </a:endParaRPr>
+          </a:p>
+        </p:txBody>
+      </p:sp>
+      <p:sp>
+        <p:nvSpPr>
+          <p:cNvPr id="267" name="Google Shape;267;p28"/>
+          <p:cNvSpPr txBox="1"/>
+          <p:nvPr>
+            <p:ph idx="12" type="sldNum"/>
+          </p:nvPr>
+        </p:nvSpPr>
+        <p:spPr>
+          <a:xfrm>
+            <a:off x="11482300" y="6362700"/>
+            <a:ext cx="539700" cy="365100"/>
+          </a:xfrm>
+          <a:prstGeom prst="rect">
+            <a:avLst/>
+          </a:prstGeom>
+          <a:noFill/>
+          <a:ln>
+            <a:noFill/>
+          </a:ln>
+        </p:spPr>
+        <p:txBody>
+          <a:bodyPr anchorCtr="0" anchor="ctr" bIns="45700" lIns="91425" spcFirstLastPara="1" rIns="91425" wrap="square" tIns="45700">
+            <a:noAutofit/>
+          </a:bodyPr>
+          <a:lstStyle/>
+          <a:p>
+            <a:pPr indent="0" lvl="0" marL="0" rtl="0" algn="r">
+              <a:lnSpc>
+                <a:spcPct val="100000"/>
+              </a:lnSpc>
+              <a:spcBef>
+                <a:spcPts val="0"/>
+              </a:spcBef>
+              <a:spcAft>
+                <a:spcPts val="0"/>
+              </a:spcAft>
+              <a:buSzPts val="2200"/>
+              <a:buNone/>
+            </a:pPr>
+            <a:fld id="{00000000-1234-1234-1234-123412341234}" type="slidenum">
+              <a:rPr lang="de-CH" sz="2200"/>
+              <a:t>‹#›</a:t>
+            </a:fld>
+            <a:endParaRPr sz="2200"/>
+          </a:p>
+        </p:txBody>
+      </p:sp>
+    </p:spTree>
+  </p:cSld>
+  <p:clrMapOvr>
+    <a:masterClrMapping/>
+  </p:clrMapOvr>
+</p:sld>
+</file>
+
+<file path=ppt/slides/slide17.xml><?xml version="1.0" encoding="utf-8"?>
+<p:sld xmlns:a="http://schemas.openxmlformats.org/drawingml/2006/main" xmlns:r="http://schemas.openxmlformats.org/officeDocument/2006/relationships" xmlns:mc="http://schemas.openxmlformats.org/markup-compatibility/2006" xmlns:mv="urn:schemas-microsoft-com:mac:vml" xmlns:p="http://schemas.openxmlformats.org/presentationml/2006/main" xmlns:c="http://schemas.openxmlformats.org/drawingml/2006/chart" xmlns:dgm="http://schemas.openxmlformats.org/drawingml/2006/diagram" xmlns:o="urn:schemas-microsoft-com:office:office" xmlns:v="urn:schemas-microsoft-com:vml" xmlns:pvml="urn:schemas-microsoft-com:office:powerpoint" xmlns:com="http://schemas.openxmlformats.org/drawingml/2006/compatibility" xmlns:p14="http://schemas.microsoft.com/office/powerpoint/2010/main" xmlns:p15="http://schemas.microsoft.com/office/powerpoint/2012/main" xmlns:ahyp="http://schemas.microsoft.com/office/drawing/2018/hyperlinkcolor">
+  <p:cSld>
+    <p:spTree>
+      <p:nvGrpSpPr>
+        <p:cNvPr id="271" name="Shape 271"/>
+        <p:cNvGrpSpPr/>
+        <p:nvPr/>
+      </p:nvGrpSpPr>
+      <p:grpSpPr>
+        <a:xfrm>
+          <a:off x="0" y="0"/>
+          <a:ext cx="0" cy="0"/>
+          <a:chOff x="0" y="0"/>
+          <a:chExt cx="0" cy="0"/>
+        </a:xfrm>
+      </p:grpSpPr>
+      <p:sp>
+        <p:nvSpPr>
+          <p:cNvPr id="272" name="Google Shape;272;p29"/>
+          <p:cNvSpPr txBox="1"/>
+          <p:nvPr>
+            <p:ph type="title"/>
+          </p:nvPr>
+        </p:nvSpPr>
+        <p:spPr>
+          <a:xfrm>
+            <a:off x="838200" y="365125"/>
             <a:ext cx="10515600" cy="1325563"/>
           </a:xfrm>
           <a:prstGeom prst="rect">
@@ -20764,7 +21568,7 @@
       </p:sp>
       <p:sp>
         <p:nvSpPr>
-          <p:cNvPr id="266" name="Google Shape;266;p28"/>
+          <p:cNvPr id="273" name="Google Shape;273;p29"/>
           <p:cNvSpPr txBox="1"/>
           <p:nvPr>
             <p:ph idx="12" type="sldNum"/>
@@ -20812,7 +21616,7 @@
       </p:sp>
       <p:sp>
         <p:nvSpPr>
-          <p:cNvPr id="267" name="Google Shape;267;p28"/>
+          <p:cNvPr id="274" name="Google Shape;274;p29"/>
           <p:cNvSpPr txBox="1"/>
           <p:nvPr/>
         </p:nvSpPr>
@@ -21525,7 +22329,7 @@
       </p:sp>
       <p:sp>
         <p:nvSpPr>
-          <p:cNvPr id="268" name="Google Shape;268;p28"/>
+          <p:cNvPr id="275" name="Google Shape;275;p29"/>
           <p:cNvSpPr txBox="1"/>
           <p:nvPr/>
         </p:nvSpPr>
@@ -22355,7 +23159,7 @@
       </p:sp>
       <p:sp>
         <p:nvSpPr>
-          <p:cNvPr id="269" name="Google Shape;269;p28"/>
+          <p:cNvPr id="276" name="Google Shape;276;p29"/>
           <p:cNvSpPr txBox="1"/>
           <p:nvPr/>
         </p:nvSpPr>
@@ -22695,7 +23499,7 @@
       </p:sp>
       <p:sp>
         <p:nvSpPr>
-          <p:cNvPr id="270" name="Google Shape;270;p28"/>
+          <p:cNvPr id="277" name="Google Shape;277;p29"/>
           <p:cNvSpPr txBox="1"/>
           <p:nvPr/>
         </p:nvSpPr>
@@ -22817,7 +23621,7 @@
       </p:sp>
       <p:sp>
         <p:nvSpPr>
-          <p:cNvPr id="271" name="Google Shape;271;p28"/>
+          <p:cNvPr id="278" name="Google Shape;278;p29"/>
           <p:cNvSpPr txBox="1"/>
           <p:nvPr/>
         </p:nvSpPr>
@@ -22870,482 +23674,6 @@
               <a:cs typeface="Calibri"/>
               <a:sym typeface="Calibri"/>
             </a:endParaRPr>
-          </a:p>
-        </p:txBody>
-      </p:sp>
-    </p:spTree>
-  </p:cSld>
-  <p:clrMapOvr>
-    <a:masterClrMapping/>
-  </p:clrMapOvr>
-</p:sld>
-</file>
-
-<file path=ppt/slides/slide17.xml><?xml version="1.0" encoding="utf-8"?>
-<p:sld xmlns:a="http://schemas.openxmlformats.org/drawingml/2006/main" xmlns:r="http://schemas.openxmlformats.org/officeDocument/2006/relationships" xmlns:mc="http://schemas.openxmlformats.org/markup-compatibility/2006" xmlns:mv="urn:schemas-microsoft-com:mac:vml" xmlns:p="http://schemas.openxmlformats.org/presentationml/2006/main" xmlns:c="http://schemas.openxmlformats.org/drawingml/2006/chart" xmlns:dgm="http://schemas.openxmlformats.org/drawingml/2006/diagram" xmlns:o="urn:schemas-microsoft-com:office:office" xmlns:v="urn:schemas-microsoft-com:vml" xmlns:pvml="urn:schemas-microsoft-com:office:powerpoint" xmlns:com="http://schemas.openxmlformats.org/drawingml/2006/compatibility" xmlns:p14="http://schemas.microsoft.com/office/powerpoint/2010/main" xmlns:p15="http://schemas.microsoft.com/office/powerpoint/2012/main" xmlns:ahyp="http://schemas.microsoft.com/office/drawing/2018/hyperlinkcolor">
-  <p:cSld>
-    <p:spTree>
-      <p:nvGrpSpPr>
-        <p:cNvPr id="275" name="Shape 275"/>
-        <p:cNvGrpSpPr/>
-        <p:nvPr/>
-      </p:nvGrpSpPr>
-      <p:grpSpPr>
-        <a:xfrm>
-          <a:off x="0" y="0"/>
-          <a:ext cx="0" cy="0"/>
-          <a:chOff x="0" y="0"/>
-          <a:chExt cx="0" cy="0"/>
-        </a:xfrm>
-      </p:grpSpPr>
-      <p:sp>
-        <p:nvSpPr>
-          <p:cNvPr id="276" name="Google Shape;276;p29"/>
-          <p:cNvSpPr txBox="1"/>
-          <p:nvPr>
-            <p:ph type="title"/>
-          </p:nvPr>
-        </p:nvSpPr>
-        <p:spPr>
-          <a:xfrm>
-            <a:off x="838200" y="365125"/>
-            <a:ext cx="10515600" cy="1325700"/>
-          </a:xfrm>
-          <a:prstGeom prst="rect">
-            <a:avLst/>
-          </a:prstGeom>
-          <a:noFill/>
-          <a:ln>
-            <a:noFill/>
-          </a:ln>
-        </p:spPr>
-        <p:txBody>
-          <a:bodyPr anchorCtr="0" anchor="ctr" bIns="45700" lIns="91425" spcFirstLastPara="1" rIns="91425" wrap="square" tIns="45700">
-            <a:normAutofit/>
-          </a:bodyPr>
-          <a:lstStyle/>
-          <a:p>
-            <a:pPr indent="0" lvl="0" marL="0" rtl="0" algn="l">
-              <a:lnSpc>
-                <a:spcPct val="90000"/>
-              </a:lnSpc>
-              <a:spcBef>
-                <a:spcPts val="0"/>
-              </a:spcBef>
-              <a:spcAft>
-                <a:spcPts val="0"/>
-              </a:spcAft>
-              <a:buClr>
-                <a:schemeClr val="dk1"/>
-              </a:buClr>
-              <a:buSzPts val="2800"/>
-              <a:buFont typeface="Calibri"/>
-              <a:buNone/>
-            </a:pPr>
-            <a:r>
-              <a:rPr b="1" lang="de-CH" sz="2800"/>
-              <a:t>Extensible YANG model for YANG-Push Notifications</a:t>
-            </a:r>
-            <a:br>
-              <a:rPr lang="de-CH" sz="3600"/>
-            </a:br>
-            <a:r>
-              <a:rPr lang="de-CH" sz="2700">
-                <a:solidFill>
-                  <a:srgbClr val="AEABAB"/>
-                </a:solidFill>
-              </a:rPr>
-              <a:t>Proposal (comments)</a:t>
-            </a:r>
-            <a:endParaRPr/>
-          </a:p>
-        </p:txBody>
-      </p:sp>
-      <p:sp>
-        <p:nvSpPr>
-          <p:cNvPr id="277" name="Google Shape;277;p29"/>
-          <p:cNvSpPr txBox="1"/>
-          <p:nvPr/>
-        </p:nvSpPr>
-        <p:spPr>
-          <a:xfrm>
-            <a:off x="721325" y="1570425"/>
-            <a:ext cx="11407200" cy="4658400"/>
-          </a:xfrm>
-          <a:prstGeom prst="rect">
-            <a:avLst/>
-          </a:prstGeom>
-          <a:noFill/>
-          <a:ln>
-            <a:noFill/>
-          </a:ln>
-        </p:spPr>
-        <p:txBody>
-          <a:bodyPr anchorCtr="0" anchor="t" bIns="91425" lIns="91425" spcFirstLastPara="1" rIns="91425" wrap="square" tIns="91425">
-            <a:spAutoFit/>
-          </a:bodyPr>
-          <a:lstStyle/>
-          <a:p>
-            <a:pPr indent="-349250" lvl="0" marL="457200" marR="0" rtl="0" algn="l">
-              <a:lnSpc>
-                <a:spcPct val="115000"/>
-              </a:lnSpc>
-              <a:spcBef>
-                <a:spcPts val="0"/>
-              </a:spcBef>
-              <a:spcAft>
-                <a:spcPts val="0"/>
-              </a:spcAft>
-              <a:buClr>
-                <a:schemeClr val="dk1"/>
-              </a:buClr>
-              <a:buSzPts val="1900"/>
-              <a:buFont typeface="Calibri"/>
-              <a:buChar char="●"/>
-            </a:pPr>
-            <a:r>
-              <a:rPr lang="de-CH" sz="1900">
-                <a:solidFill>
-                  <a:schemeClr val="dk1"/>
-                </a:solidFill>
-              </a:rPr>
-              <a:t>As requested</a:t>
-            </a:r>
-            <a:endParaRPr sz="1900">
-              <a:solidFill>
-                <a:schemeClr val="dk1"/>
-              </a:solidFill>
-            </a:endParaRPr>
-          </a:p>
-          <a:p>
-            <a:pPr indent="-349250" lvl="1" marL="914400" marR="0" rtl="0" algn="l">
-              <a:lnSpc>
-                <a:spcPct val="115000"/>
-              </a:lnSpc>
-              <a:spcBef>
-                <a:spcPts val="1000"/>
-              </a:spcBef>
-              <a:spcAft>
-                <a:spcPts val="0"/>
-              </a:spcAft>
-              <a:buClr>
-                <a:schemeClr val="dk1"/>
-              </a:buClr>
-              <a:buSzPts val="1900"/>
-              <a:buChar char="○"/>
-            </a:pPr>
-            <a:r>
-              <a:rPr lang="de-CH" sz="1900">
-                <a:solidFill>
-                  <a:schemeClr val="dk1"/>
-                </a:solidFill>
-              </a:rPr>
-              <a:t>Scoped to YANG-Push (both dynamic and configured subscriptions)</a:t>
-            </a:r>
-            <a:endParaRPr sz="1900">
-              <a:solidFill>
-                <a:schemeClr val="dk1"/>
-              </a:solidFill>
-            </a:endParaRPr>
-          </a:p>
-          <a:p>
-            <a:pPr indent="-349250" lvl="2" marL="1371600" marR="0" rtl="0" algn="l">
-              <a:lnSpc>
-                <a:spcPct val="115000"/>
-              </a:lnSpc>
-              <a:spcBef>
-                <a:spcPts val="1000"/>
-              </a:spcBef>
-              <a:spcAft>
-                <a:spcPts val="0"/>
-              </a:spcAft>
-              <a:buClr>
-                <a:schemeClr val="dk1"/>
-              </a:buClr>
-              <a:buSzPts val="1900"/>
-              <a:buChar char="■"/>
-            </a:pPr>
-            <a:r>
-              <a:rPr lang="de-CH" sz="1900">
-                <a:solidFill>
-                  <a:schemeClr val="dk1"/>
-                </a:solidFill>
-              </a:rPr>
-              <a:t>Can be implemented with NETCONF and RESTCONF</a:t>
-            </a:r>
-            <a:endParaRPr sz="1900">
-              <a:solidFill>
-                <a:schemeClr val="dk1"/>
-              </a:solidFill>
-            </a:endParaRPr>
-          </a:p>
-          <a:p>
-            <a:pPr indent="-349250" lvl="1" marL="914400" marR="0" rtl="0" algn="l">
-              <a:lnSpc>
-                <a:spcPct val="115000"/>
-              </a:lnSpc>
-              <a:spcBef>
-                <a:spcPts val="1000"/>
-              </a:spcBef>
-              <a:spcAft>
-                <a:spcPts val="0"/>
-              </a:spcAft>
-              <a:buClr>
-                <a:schemeClr val="dk1"/>
-              </a:buClr>
-              <a:buSzPts val="1900"/>
-              <a:buChar char="○"/>
-            </a:pPr>
-            <a:r>
-              <a:rPr lang="de-CH" sz="1900">
-                <a:solidFill>
-                  <a:schemeClr val="dk1"/>
-                </a:solidFill>
-              </a:rPr>
-              <a:t>Use a “notification” statement rather than a “sx:structure”</a:t>
-            </a:r>
-            <a:endParaRPr sz="1900">
-              <a:solidFill>
-                <a:schemeClr val="dk1"/>
-              </a:solidFill>
-            </a:endParaRPr>
-          </a:p>
-          <a:p>
-            <a:pPr indent="-349250" lvl="1" marL="914400" marR="0" rtl="0" algn="l">
-              <a:lnSpc>
-                <a:spcPct val="115000"/>
-              </a:lnSpc>
-              <a:spcBef>
-                <a:spcPts val="1000"/>
-              </a:spcBef>
-              <a:spcAft>
-                <a:spcPts val="0"/>
-              </a:spcAft>
-              <a:buClr>
-                <a:schemeClr val="dk1"/>
-              </a:buClr>
-              <a:buSzPts val="1900"/>
-              <a:buChar char="○"/>
-            </a:pPr>
-            <a:r>
-              <a:rPr lang="de-CH" sz="1900">
-                <a:solidFill>
-                  <a:schemeClr val="dk1"/>
-                </a:solidFill>
-              </a:rPr>
-              <a:t>Given that it’s intended for YANG-Push, the following notifications are impacted:</a:t>
-            </a:r>
-            <a:endParaRPr sz="1900">
-              <a:solidFill>
-                <a:schemeClr val="dk1"/>
-              </a:solidFill>
-            </a:endParaRPr>
-          </a:p>
-          <a:p>
-            <a:pPr indent="-349250" lvl="2" marL="1371600" marR="0" rtl="0" algn="l">
-              <a:lnSpc>
-                <a:spcPct val="115000"/>
-              </a:lnSpc>
-              <a:spcBef>
-                <a:spcPts val="1000"/>
-              </a:spcBef>
-              <a:spcAft>
-                <a:spcPts val="0"/>
-              </a:spcAft>
-              <a:buClr>
-                <a:schemeClr val="dk1"/>
-              </a:buClr>
-              <a:buSzPts val="1900"/>
-              <a:buChar char="■"/>
-            </a:pPr>
-            <a:r>
-              <a:rPr lang="de-CH" sz="1900">
-                <a:solidFill>
-                  <a:schemeClr val="dk1"/>
-                </a:solidFill>
-              </a:rPr>
-              <a:t>push-update; </a:t>
-            </a:r>
-            <a:r>
-              <a:rPr lang="de-CH" sz="1900">
-                <a:solidFill>
-                  <a:schemeClr val="dk1"/>
-                </a:solidFill>
-              </a:rPr>
-              <a:t>push-change-update</a:t>
-            </a:r>
-            <a:endParaRPr sz="1900">
-              <a:solidFill>
-                <a:schemeClr val="dk1"/>
-              </a:solidFill>
-            </a:endParaRPr>
-          </a:p>
-          <a:p>
-            <a:pPr indent="-349250" lvl="2" marL="1371600" marR="0" rtl="0" algn="l">
-              <a:lnSpc>
-                <a:spcPct val="115000"/>
-              </a:lnSpc>
-              <a:spcBef>
-                <a:spcPts val="1000"/>
-              </a:spcBef>
-              <a:spcAft>
-                <a:spcPts val="0"/>
-              </a:spcAft>
-              <a:buClr>
-                <a:schemeClr val="dk1"/>
-              </a:buClr>
-              <a:buSzPts val="1900"/>
-              <a:buChar char="■"/>
-            </a:pPr>
-            <a:r>
-              <a:rPr lang="de-CH" sz="1900">
-                <a:solidFill>
-                  <a:schemeClr val="dk1"/>
-                </a:solidFill>
-              </a:rPr>
-              <a:t>subscription-started; subscription-modified; subscription-terminated</a:t>
-            </a:r>
-            <a:endParaRPr sz="1900">
-              <a:solidFill>
-                <a:schemeClr val="dk1"/>
-              </a:solidFill>
-            </a:endParaRPr>
-          </a:p>
-          <a:p>
-            <a:pPr indent="-349250" lvl="2" marL="1371600" marR="0" rtl="0" algn="l">
-              <a:lnSpc>
-                <a:spcPct val="115000"/>
-              </a:lnSpc>
-              <a:spcBef>
-                <a:spcPts val="1000"/>
-              </a:spcBef>
-              <a:spcAft>
-                <a:spcPts val="0"/>
-              </a:spcAft>
-              <a:buClr>
-                <a:schemeClr val="dk1"/>
-              </a:buClr>
-              <a:buSzPts val="1900"/>
-              <a:buChar char="■"/>
-            </a:pPr>
-            <a:r>
-              <a:rPr lang="de-CH" sz="1900">
-                <a:solidFill>
-                  <a:schemeClr val="dk1"/>
-                </a:solidFill>
-              </a:rPr>
-              <a:t>subscription-suspended; subscription-resumed; subscription-completed</a:t>
-            </a:r>
-            <a:endParaRPr sz="1900">
-              <a:solidFill>
-                <a:schemeClr val="dk1"/>
-              </a:solidFill>
-            </a:endParaRPr>
-          </a:p>
-          <a:p>
-            <a:pPr indent="-349250" lvl="2" marL="1371600" marR="0" rtl="0" algn="l">
-              <a:lnSpc>
-                <a:spcPct val="115000"/>
-              </a:lnSpc>
-              <a:spcBef>
-                <a:spcPts val="1000"/>
-              </a:spcBef>
-              <a:spcAft>
-                <a:spcPts val="0"/>
-              </a:spcAft>
-              <a:buClr>
-                <a:schemeClr val="dk1"/>
-              </a:buClr>
-              <a:buSzPts val="1900"/>
-              <a:buChar char="■"/>
-            </a:pPr>
-            <a:r>
-              <a:rPr lang="de-CH" sz="1900">
-                <a:solidFill>
-                  <a:schemeClr val="dk1"/>
-                </a:solidFill>
-              </a:rPr>
-              <a:t>replay-completed</a:t>
-            </a:r>
-            <a:endParaRPr sz="1900">
-              <a:solidFill>
-                <a:schemeClr val="dk1"/>
-              </a:solidFill>
-            </a:endParaRPr>
-          </a:p>
-          <a:p>
-            <a:pPr indent="0" lvl="0" marL="457200" marR="0" rtl="0" algn="l">
-              <a:lnSpc>
-                <a:spcPct val="115000"/>
-              </a:lnSpc>
-              <a:spcBef>
-                <a:spcPts val="1000"/>
-              </a:spcBef>
-              <a:spcAft>
-                <a:spcPts val="1000"/>
-              </a:spcAft>
-              <a:buNone/>
-            </a:pPr>
-            <a:r>
-              <a:t/>
-            </a:r>
-            <a:endParaRPr sz="1900">
-              <a:solidFill>
-                <a:schemeClr val="dk1"/>
-              </a:solidFill>
-              <a:latin typeface="Calibri"/>
-              <a:ea typeface="Calibri"/>
-              <a:cs typeface="Calibri"/>
-              <a:sym typeface="Calibri"/>
-            </a:endParaRPr>
-          </a:p>
-        </p:txBody>
-      </p:sp>
-      <p:sp>
-        <p:nvSpPr>
-          <p:cNvPr id="278" name="Google Shape;278;p29"/>
-          <p:cNvSpPr txBox="1"/>
-          <p:nvPr>
-            <p:ph idx="12" type="sldNum"/>
-          </p:nvPr>
-        </p:nvSpPr>
-        <p:spPr>
-          <a:xfrm>
-            <a:off x="11353800" y="6362700"/>
-            <a:ext cx="668400" cy="365100"/>
-          </a:xfrm>
-          <a:prstGeom prst="rect">
-            <a:avLst/>
-          </a:prstGeom>
-          <a:noFill/>
-          <a:ln>
-            <a:noFill/>
-          </a:ln>
-        </p:spPr>
-        <p:txBody>
-          <a:bodyPr anchorCtr="0" anchor="ctr" bIns="45700" lIns="91425" spcFirstLastPara="1" rIns="91425" wrap="square" tIns="45700">
-            <a:noAutofit/>
-          </a:bodyPr>
-          <a:lstStyle/>
-          <a:p>
-            <a:pPr indent="0" lvl="0" marL="0" rtl="0" algn="r">
-              <a:lnSpc>
-                <a:spcPct val="100000"/>
-              </a:lnSpc>
-              <a:spcBef>
-                <a:spcPts val="0"/>
-              </a:spcBef>
-              <a:spcAft>
-                <a:spcPts val="0"/>
-              </a:spcAft>
-              <a:buSzPts val="2200"/>
-              <a:buNone/>
-            </a:pPr>
-            <a:fld id="{00000000-1234-1234-1234-123412341234}" type="slidenum">
-              <a:rPr lang="de-CH" sz="2200"/>
-              <a:t>‹#›</a:t>
-            </a:fld>
-            <a:endParaRPr sz="2200"/>
           </a:p>
         </p:txBody>
       </p:sp>
@@ -23426,6 +23754,482 @@
               <a:rPr lang="de-CH" sz="3600"/>
             </a:br>
             <a:r>
+              <a:rPr lang="de-CH" sz="2700">
+                <a:solidFill>
+                  <a:srgbClr val="AEABAB"/>
+                </a:solidFill>
+              </a:rPr>
+              <a:t>Proposal (comments)</a:t>
+            </a:r>
+            <a:endParaRPr/>
+          </a:p>
+        </p:txBody>
+      </p:sp>
+      <p:sp>
+        <p:nvSpPr>
+          <p:cNvPr id="284" name="Google Shape;284;p30"/>
+          <p:cNvSpPr txBox="1"/>
+          <p:nvPr/>
+        </p:nvSpPr>
+        <p:spPr>
+          <a:xfrm>
+            <a:off x="721325" y="1570425"/>
+            <a:ext cx="11407200" cy="4658400"/>
+          </a:xfrm>
+          <a:prstGeom prst="rect">
+            <a:avLst/>
+          </a:prstGeom>
+          <a:noFill/>
+          <a:ln>
+            <a:noFill/>
+          </a:ln>
+        </p:spPr>
+        <p:txBody>
+          <a:bodyPr anchorCtr="0" anchor="t" bIns="91425" lIns="91425" spcFirstLastPara="1" rIns="91425" wrap="square" tIns="91425">
+            <a:spAutoFit/>
+          </a:bodyPr>
+          <a:lstStyle/>
+          <a:p>
+            <a:pPr indent="-349250" lvl="0" marL="457200" marR="0" rtl="0" algn="l">
+              <a:lnSpc>
+                <a:spcPct val="115000"/>
+              </a:lnSpc>
+              <a:spcBef>
+                <a:spcPts val="0"/>
+              </a:spcBef>
+              <a:spcAft>
+                <a:spcPts val="0"/>
+              </a:spcAft>
+              <a:buClr>
+                <a:schemeClr val="dk1"/>
+              </a:buClr>
+              <a:buSzPts val="1900"/>
+              <a:buFont typeface="Calibri"/>
+              <a:buChar char="●"/>
+            </a:pPr>
+            <a:r>
+              <a:rPr lang="de-CH" sz="1900">
+                <a:solidFill>
+                  <a:schemeClr val="dk1"/>
+                </a:solidFill>
+              </a:rPr>
+              <a:t>As requested</a:t>
+            </a:r>
+            <a:endParaRPr sz="1900">
+              <a:solidFill>
+                <a:schemeClr val="dk1"/>
+              </a:solidFill>
+            </a:endParaRPr>
+          </a:p>
+          <a:p>
+            <a:pPr indent="-349250" lvl="1" marL="914400" marR="0" rtl="0" algn="l">
+              <a:lnSpc>
+                <a:spcPct val="115000"/>
+              </a:lnSpc>
+              <a:spcBef>
+                <a:spcPts val="1000"/>
+              </a:spcBef>
+              <a:spcAft>
+                <a:spcPts val="0"/>
+              </a:spcAft>
+              <a:buClr>
+                <a:schemeClr val="dk1"/>
+              </a:buClr>
+              <a:buSzPts val="1900"/>
+              <a:buChar char="○"/>
+            </a:pPr>
+            <a:r>
+              <a:rPr lang="de-CH" sz="1900">
+                <a:solidFill>
+                  <a:schemeClr val="dk1"/>
+                </a:solidFill>
+              </a:rPr>
+              <a:t>Scoped to YANG-Push (both dynamic and configured subscriptions)</a:t>
+            </a:r>
+            <a:endParaRPr sz="1900">
+              <a:solidFill>
+                <a:schemeClr val="dk1"/>
+              </a:solidFill>
+            </a:endParaRPr>
+          </a:p>
+          <a:p>
+            <a:pPr indent="-349250" lvl="2" marL="1371600" marR="0" rtl="0" algn="l">
+              <a:lnSpc>
+                <a:spcPct val="115000"/>
+              </a:lnSpc>
+              <a:spcBef>
+                <a:spcPts val="1000"/>
+              </a:spcBef>
+              <a:spcAft>
+                <a:spcPts val="0"/>
+              </a:spcAft>
+              <a:buClr>
+                <a:schemeClr val="dk1"/>
+              </a:buClr>
+              <a:buSzPts val="1900"/>
+              <a:buChar char="■"/>
+            </a:pPr>
+            <a:r>
+              <a:rPr lang="de-CH" sz="1900">
+                <a:solidFill>
+                  <a:schemeClr val="dk1"/>
+                </a:solidFill>
+              </a:rPr>
+              <a:t>Can be implemented with NETCONF and RESTCONF</a:t>
+            </a:r>
+            <a:endParaRPr sz="1900">
+              <a:solidFill>
+                <a:schemeClr val="dk1"/>
+              </a:solidFill>
+            </a:endParaRPr>
+          </a:p>
+          <a:p>
+            <a:pPr indent="-349250" lvl="1" marL="914400" marR="0" rtl="0" algn="l">
+              <a:lnSpc>
+                <a:spcPct val="115000"/>
+              </a:lnSpc>
+              <a:spcBef>
+                <a:spcPts val="1000"/>
+              </a:spcBef>
+              <a:spcAft>
+                <a:spcPts val="0"/>
+              </a:spcAft>
+              <a:buClr>
+                <a:schemeClr val="dk1"/>
+              </a:buClr>
+              <a:buSzPts val="1900"/>
+              <a:buChar char="○"/>
+            </a:pPr>
+            <a:r>
+              <a:rPr lang="de-CH" sz="1900">
+                <a:solidFill>
+                  <a:schemeClr val="dk1"/>
+                </a:solidFill>
+              </a:rPr>
+              <a:t>Use a “notification” statement rather than a “sx:structure”</a:t>
+            </a:r>
+            <a:endParaRPr sz="1900">
+              <a:solidFill>
+                <a:schemeClr val="dk1"/>
+              </a:solidFill>
+            </a:endParaRPr>
+          </a:p>
+          <a:p>
+            <a:pPr indent="-349250" lvl="1" marL="914400" marR="0" rtl="0" algn="l">
+              <a:lnSpc>
+                <a:spcPct val="115000"/>
+              </a:lnSpc>
+              <a:spcBef>
+                <a:spcPts val="1000"/>
+              </a:spcBef>
+              <a:spcAft>
+                <a:spcPts val="0"/>
+              </a:spcAft>
+              <a:buClr>
+                <a:schemeClr val="dk1"/>
+              </a:buClr>
+              <a:buSzPts val="1900"/>
+              <a:buChar char="○"/>
+            </a:pPr>
+            <a:r>
+              <a:rPr lang="de-CH" sz="1900">
+                <a:solidFill>
+                  <a:schemeClr val="dk1"/>
+                </a:solidFill>
+              </a:rPr>
+              <a:t>Given that it’s intended for YANG-Push, the following notifications are impacted:</a:t>
+            </a:r>
+            <a:endParaRPr sz="1900">
+              <a:solidFill>
+                <a:schemeClr val="dk1"/>
+              </a:solidFill>
+            </a:endParaRPr>
+          </a:p>
+          <a:p>
+            <a:pPr indent="-349250" lvl="2" marL="1371600" marR="0" rtl="0" algn="l">
+              <a:lnSpc>
+                <a:spcPct val="115000"/>
+              </a:lnSpc>
+              <a:spcBef>
+                <a:spcPts val="1000"/>
+              </a:spcBef>
+              <a:spcAft>
+                <a:spcPts val="0"/>
+              </a:spcAft>
+              <a:buClr>
+                <a:schemeClr val="dk1"/>
+              </a:buClr>
+              <a:buSzPts val="1900"/>
+              <a:buChar char="■"/>
+            </a:pPr>
+            <a:r>
+              <a:rPr lang="de-CH" sz="1900">
+                <a:solidFill>
+                  <a:schemeClr val="dk1"/>
+                </a:solidFill>
+              </a:rPr>
+              <a:t>push-update; </a:t>
+            </a:r>
+            <a:r>
+              <a:rPr lang="de-CH" sz="1900">
+                <a:solidFill>
+                  <a:schemeClr val="dk1"/>
+                </a:solidFill>
+              </a:rPr>
+              <a:t>push-change-update</a:t>
+            </a:r>
+            <a:endParaRPr sz="1900">
+              <a:solidFill>
+                <a:schemeClr val="dk1"/>
+              </a:solidFill>
+            </a:endParaRPr>
+          </a:p>
+          <a:p>
+            <a:pPr indent="-349250" lvl="2" marL="1371600" marR="0" rtl="0" algn="l">
+              <a:lnSpc>
+                <a:spcPct val="115000"/>
+              </a:lnSpc>
+              <a:spcBef>
+                <a:spcPts val="1000"/>
+              </a:spcBef>
+              <a:spcAft>
+                <a:spcPts val="0"/>
+              </a:spcAft>
+              <a:buClr>
+                <a:schemeClr val="dk1"/>
+              </a:buClr>
+              <a:buSzPts val="1900"/>
+              <a:buChar char="■"/>
+            </a:pPr>
+            <a:r>
+              <a:rPr lang="de-CH" sz="1900">
+                <a:solidFill>
+                  <a:schemeClr val="dk1"/>
+                </a:solidFill>
+              </a:rPr>
+              <a:t>subscription-started; subscription-modified; subscription-terminated</a:t>
+            </a:r>
+            <a:endParaRPr sz="1900">
+              <a:solidFill>
+                <a:schemeClr val="dk1"/>
+              </a:solidFill>
+            </a:endParaRPr>
+          </a:p>
+          <a:p>
+            <a:pPr indent="-349250" lvl="2" marL="1371600" marR="0" rtl="0" algn="l">
+              <a:lnSpc>
+                <a:spcPct val="115000"/>
+              </a:lnSpc>
+              <a:spcBef>
+                <a:spcPts val="1000"/>
+              </a:spcBef>
+              <a:spcAft>
+                <a:spcPts val="0"/>
+              </a:spcAft>
+              <a:buClr>
+                <a:schemeClr val="dk1"/>
+              </a:buClr>
+              <a:buSzPts val="1900"/>
+              <a:buChar char="■"/>
+            </a:pPr>
+            <a:r>
+              <a:rPr lang="de-CH" sz="1900">
+                <a:solidFill>
+                  <a:schemeClr val="dk1"/>
+                </a:solidFill>
+              </a:rPr>
+              <a:t>subscription-suspended; subscription-resumed; subscription-completed</a:t>
+            </a:r>
+            <a:endParaRPr sz="1900">
+              <a:solidFill>
+                <a:schemeClr val="dk1"/>
+              </a:solidFill>
+            </a:endParaRPr>
+          </a:p>
+          <a:p>
+            <a:pPr indent="-349250" lvl="2" marL="1371600" marR="0" rtl="0" algn="l">
+              <a:lnSpc>
+                <a:spcPct val="115000"/>
+              </a:lnSpc>
+              <a:spcBef>
+                <a:spcPts val="1000"/>
+              </a:spcBef>
+              <a:spcAft>
+                <a:spcPts val="0"/>
+              </a:spcAft>
+              <a:buClr>
+                <a:schemeClr val="dk1"/>
+              </a:buClr>
+              <a:buSzPts val="1900"/>
+              <a:buChar char="■"/>
+            </a:pPr>
+            <a:r>
+              <a:rPr lang="de-CH" sz="1900">
+                <a:solidFill>
+                  <a:schemeClr val="dk1"/>
+                </a:solidFill>
+              </a:rPr>
+              <a:t>replay-completed</a:t>
+            </a:r>
+            <a:endParaRPr sz="1900">
+              <a:solidFill>
+                <a:schemeClr val="dk1"/>
+              </a:solidFill>
+            </a:endParaRPr>
+          </a:p>
+          <a:p>
+            <a:pPr indent="0" lvl="0" marL="457200" marR="0" rtl="0" algn="l">
+              <a:lnSpc>
+                <a:spcPct val="115000"/>
+              </a:lnSpc>
+              <a:spcBef>
+                <a:spcPts val="1000"/>
+              </a:spcBef>
+              <a:spcAft>
+                <a:spcPts val="1000"/>
+              </a:spcAft>
+              <a:buNone/>
+            </a:pPr>
+            <a:r>
+              <a:t/>
+            </a:r>
+            <a:endParaRPr sz="1900">
+              <a:solidFill>
+                <a:schemeClr val="dk1"/>
+              </a:solidFill>
+              <a:latin typeface="Calibri"/>
+              <a:ea typeface="Calibri"/>
+              <a:cs typeface="Calibri"/>
+              <a:sym typeface="Calibri"/>
+            </a:endParaRPr>
+          </a:p>
+        </p:txBody>
+      </p:sp>
+      <p:sp>
+        <p:nvSpPr>
+          <p:cNvPr id="285" name="Google Shape;285;p30"/>
+          <p:cNvSpPr txBox="1"/>
+          <p:nvPr>
+            <p:ph idx="12" type="sldNum"/>
+          </p:nvPr>
+        </p:nvSpPr>
+        <p:spPr>
+          <a:xfrm>
+            <a:off x="11353800" y="6362700"/>
+            <a:ext cx="668400" cy="365100"/>
+          </a:xfrm>
+          <a:prstGeom prst="rect">
+            <a:avLst/>
+          </a:prstGeom>
+          <a:noFill/>
+          <a:ln>
+            <a:noFill/>
+          </a:ln>
+        </p:spPr>
+        <p:txBody>
+          <a:bodyPr anchorCtr="0" anchor="ctr" bIns="45700" lIns="91425" spcFirstLastPara="1" rIns="91425" wrap="square" tIns="45700">
+            <a:noAutofit/>
+          </a:bodyPr>
+          <a:lstStyle/>
+          <a:p>
+            <a:pPr indent="0" lvl="0" marL="0" rtl="0" algn="r">
+              <a:lnSpc>
+                <a:spcPct val="100000"/>
+              </a:lnSpc>
+              <a:spcBef>
+                <a:spcPts val="0"/>
+              </a:spcBef>
+              <a:spcAft>
+                <a:spcPts val="0"/>
+              </a:spcAft>
+              <a:buSzPts val="2200"/>
+              <a:buNone/>
+            </a:pPr>
+            <a:fld id="{00000000-1234-1234-1234-123412341234}" type="slidenum">
+              <a:rPr lang="de-CH" sz="2200"/>
+              <a:t>‹#›</a:t>
+            </a:fld>
+            <a:endParaRPr sz="2200"/>
+          </a:p>
+        </p:txBody>
+      </p:sp>
+    </p:spTree>
+  </p:cSld>
+  <p:clrMapOvr>
+    <a:masterClrMapping/>
+  </p:clrMapOvr>
+</p:sld>
+</file>
+
+<file path=ppt/slides/slide19.xml><?xml version="1.0" encoding="utf-8"?>
+<p:sld xmlns:a="http://schemas.openxmlformats.org/drawingml/2006/main" xmlns:r="http://schemas.openxmlformats.org/officeDocument/2006/relationships" xmlns:mc="http://schemas.openxmlformats.org/markup-compatibility/2006" xmlns:mv="urn:schemas-microsoft-com:mac:vml" xmlns:p="http://schemas.openxmlformats.org/presentationml/2006/main" xmlns:c="http://schemas.openxmlformats.org/drawingml/2006/chart" xmlns:dgm="http://schemas.openxmlformats.org/drawingml/2006/diagram" xmlns:o="urn:schemas-microsoft-com:office:office" xmlns:v="urn:schemas-microsoft-com:vml" xmlns:pvml="urn:schemas-microsoft-com:office:powerpoint" xmlns:com="http://schemas.openxmlformats.org/drawingml/2006/compatibility" xmlns:p14="http://schemas.microsoft.com/office/powerpoint/2010/main" xmlns:p15="http://schemas.microsoft.com/office/powerpoint/2012/main" xmlns:ahyp="http://schemas.microsoft.com/office/drawing/2018/hyperlinkcolor">
+  <p:cSld>
+    <p:spTree>
+      <p:nvGrpSpPr>
+        <p:cNvPr id="289" name="Shape 289"/>
+        <p:cNvGrpSpPr/>
+        <p:nvPr/>
+      </p:nvGrpSpPr>
+      <p:grpSpPr>
+        <a:xfrm>
+          <a:off x="0" y="0"/>
+          <a:ext cx="0" cy="0"/>
+          <a:chOff x="0" y="0"/>
+          <a:chExt cx="0" cy="0"/>
+        </a:xfrm>
+      </p:grpSpPr>
+      <p:sp>
+        <p:nvSpPr>
+          <p:cNvPr id="290" name="Google Shape;290;p31"/>
+          <p:cNvSpPr txBox="1"/>
+          <p:nvPr>
+            <p:ph type="title"/>
+          </p:nvPr>
+        </p:nvSpPr>
+        <p:spPr>
+          <a:xfrm>
+            <a:off x="838200" y="365125"/>
+            <a:ext cx="10515600" cy="1325700"/>
+          </a:xfrm>
+          <a:prstGeom prst="rect">
+            <a:avLst/>
+          </a:prstGeom>
+          <a:noFill/>
+          <a:ln>
+            <a:noFill/>
+          </a:ln>
+        </p:spPr>
+        <p:txBody>
+          <a:bodyPr anchorCtr="0" anchor="ctr" bIns="45700" lIns="91425" spcFirstLastPara="1" rIns="91425" wrap="square" tIns="45700">
+            <a:normAutofit/>
+          </a:bodyPr>
+          <a:lstStyle/>
+          <a:p>
+            <a:pPr indent="0" lvl="0" marL="0" rtl="0" algn="l">
+              <a:lnSpc>
+                <a:spcPct val="90000"/>
+              </a:lnSpc>
+              <a:spcBef>
+                <a:spcPts val="0"/>
+              </a:spcBef>
+              <a:spcAft>
+                <a:spcPts val="0"/>
+              </a:spcAft>
+              <a:buClr>
+                <a:schemeClr val="dk1"/>
+              </a:buClr>
+              <a:buSzPts val="2800"/>
+              <a:buFont typeface="Calibri"/>
+              <a:buNone/>
+            </a:pPr>
+            <a:r>
+              <a:rPr b="1" lang="de-CH" sz="2800"/>
+              <a:t>Extensible YANG model for YANG-Push Notifications</a:t>
+            </a:r>
+            <a:br>
+              <a:rPr lang="de-CH" sz="3600"/>
+            </a:br>
+            <a:r>
               <a:rPr lang="de-CH" sz="2400">
                 <a:solidFill>
                   <a:srgbClr val="AEABAB"/>
@@ -23439,7 +24243,7 @@
       </p:sp>
       <p:sp>
         <p:nvSpPr>
-          <p:cNvPr id="284" name="Google Shape;284;p30"/>
+          <p:cNvPr id="291" name="Google Shape;291;p31"/>
           <p:cNvSpPr txBox="1"/>
           <p:nvPr/>
         </p:nvSpPr>
@@ -23501,7 +24305,7 @@
       </p:sp>
       <p:sp>
         <p:nvSpPr>
-          <p:cNvPr id="285" name="Google Shape;285;p30"/>
+          <p:cNvPr id="292" name="Google Shape;292;p31"/>
           <p:cNvSpPr txBox="1"/>
           <p:nvPr>
             <p:ph idx="12" type="sldNum"/>
@@ -23549,7 +24353,7 @@
       </p:sp>
       <p:pic>
         <p:nvPicPr>
-          <p:cNvPr id="286" name="Google Shape;286;p30"/>
+          <p:cNvPr id="293" name="Google Shape;293;p31"/>
           <p:cNvPicPr preferRelativeResize="0"/>
           <p:nvPr/>
         </p:nvPicPr>
@@ -23577,7 +24381,7 @@
       </p:pic>
       <p:sp>
         <p:nvSpPr>
-          <p:cNvPr id="287" name="Google Shape;287;p30"/>
+          <p:cNvPr id="294" name="Google Shape;294;p31"/>
           <p:cNvSpPr/>
           <p:nvPr/>
         </p:nvSpPr>
@@ -23627,7 +24431,7 @@
       </p:sp>
       <p:pic>
         <p:nvPicPr>
-          <p:cNvPr id="288" name="Google Shape;288;p30"/>
+          <p:cNvPr id="295" name="Google Shape;295;p31"/>
           <p:cNvPicPr preferRelativeResize="0"/>
           <p:nvPr/>
         </p:nvPicPr>
@@ -23655,7 +24459,7 @@
       </p:pic>
       <p:cxnSp>
         <p:nvCxnSpPr>
-          <p:cNvPr id="289" name="Google Shape;289;p30"/>
+          <p:cNvPr id="296" name="Google Shape;296;p31"/>
           <p:cNvCxnSpPr/>
           <p:nvPr/>
         </p:nvCxnSpPr>
@@ -23681,7 +24485,7 @@
       </p:cxnSp>
       <p:sp>
         <p:nvSpPr>
-          <p:cNvPr id="290" name="Google Shape;290;p30"/>
+          <p:cNvPr id="297" name="Google Shape;297;p31"/>
           <p:cNvSpPr txBox="1"/>
           <p:nvPr/>
         </p:nvSpPr>
@@ -23723,7 +24527,7 @@
       </p:sp>
       <p:cxnSp>
         <p:nvCxnSpPr>
-          <p:cNvPr id="291" name="Google Shape;291;p30"/>
+          <p:cNvPr id="298" name="Google Shape;298;p31"/>
           <p:cNvCxnSpPr/>
           <p:nvPr/>
         </p:nvCxnSpPr>
@@ -23749,7 +24553,7 @@
       </p:cxnSp>
       <p:sp>
         <p:nvSpPr>
-          <p:cNvPr id="292" name="Google Shape;292;p30"/>
+          <p:cNvPr id="299" name="Google Shape;299;p31"/>
           <p:cNvSpPr txBox="1"/>
           <p:nvPr/>
         </p:nvSpPr>
@@ -23791,7 +24595,7 @@
       </p:sp>
       <p:pic>
         <p:nvPicPr>
-          <p:cNvPr id="293" name="Google Shape;293;p30"/>
+          <p:cNvPr id="300" name="Google Shape;300;p31"/>
           <p:cNvPicPr preferRelativeResize="0"/>
           <p:nvPr/>
         </p:nvPicPr>
@@ -23819,7 +24623,7 @@
       </p:pic>
       <p:sp>
         <p:nvSpPr>
-          <p:cNvPr id="294" name="Google Shape;294;p30"/>
+          <p:cNvPr id="301" name="Google Shape;301;p31"/>
           <p:cNvSpPr/>
           <p:nvPr/>
         </p:nvSpPr>
@@ -23869,7 +24673,7 @@
       </p:sp>
       <p:pic>
         <p:nvPicPr>
-          <p:cNvPr id="295" name="Google Shape;295;p30"/>
+          <p:cNvPr id="302" name="Google Shape;302;p31"/>
           <p:cNvPicPr preferRelativeResize="0"/>
           <p:nvPr/>
         </p:nvPicPr>
@@ -23897,7 +24701,7 @@
       </p:pic>
       <p:cxnSp>
         <p:nvCxnSpPr>
-          <p:cNvPr id="296" name="Google Shape;296;p30"/>
+          <p:cNvPr id="303" name="Google Shape;303;p31"/>
           <p:cNvCxnSpPr/>
           <p:nvPr/>
         </p:nvCxnSpPr>
@@ -23923,7 +24727,7 @@
       </p:cxnSp>
       <p:sp>
         <p:nvSpPr>
-          <p:cNvPr id="297" name="Google Shape;297;p30"/>
+          <p:cNvPr id="304" name="Google Shape;304;p31"/>
           <p:cNvSpPr txBox="1"/>
           <p:nvPr/>
         </p:nvSpPr>
@@ -23965,7 +24769,7 @@
       </p:sp>
       <p:cxnSp>
         <p:nvCxnSpPr>
-          <p:cNvPr id="298" name="Google Shape;298;p30"/>
+          <p:cNvPr id="305" name="Google Shape;305;p31"/>
           <p:cNvCxnSpPr/>
           <p:nvPr/>
         </p:nvCxnSpPr>
@@ -23991,7 +24795,7 @@
       </p:cxnSp>
       <p:sp>
         <p:nvSpPr>
-          <p:cNvPr id="299" name="Google Shape;299;p30"/>
+          <p:cNvPr id="306" name="Google Shape;306;p31"/>
           <p:cNvSpPr txBox="1"/>
           <p:nvPr/>
         </p:nvSpPr>
@@ -24037,7 +24841,7 @@
       </p:sp>
       <p:sp>
         <p:nvSpPr>
-          <p:cNvPr id="300" name="Google Shape;300;p30"/>
+          <p:cNvPr id="307" name="Google Shape;307;p31"/>
           <p:cNvSpPr txBox="1"/>
           <p:nvPr/>
         </p:nvSpPr>
@@ -24127,7 +24931,7 @@
       </p:sp>
       <p:pic>
         <p:nvPicPr>
-          <p:cNvPr id="301" name="Google Shape;301;p30"/>
+          <p:cNvPr id="308" name="Google Shape;308;p31"/>
           <p:cNvPicPr preferRelativeResize="0"/>
           <p:nvPr/>
         </p:nvPicPr>
@@ -24153,578 +24957,6 @@
           </a:ln>
         </p:spPr>
       </p:pic>
-    </p:spTree>
-  </p:cSld>
-  <p:clrMapOvr>
-    <a:masterClrMapping/>
-  </p:clrMapOvr>
-</p:sld>
-</file>
-
-<file path=ppt/slides/slide19.xml><?xml version="1.0" encoding="utf-8"?>
-<p:sld xmlns:a="http://schemas.openxmlformats.org/drawingml/2006/main" xmlns:r="http://schemas.openxmlformats.org/officeDocument/2006/relationships" xmlns:mc="http://schemas.openxmlformats.org/markup-compatibility/2006" xmlns:mv="urn:schemas-microsoft-com:mac:vml" xmlns:p="http://schemas.openxmlformats.org/presentationml/2006/main" xmlns:c="http://schemas.openxmlformats.org/drawingml/2006/chart" xmlns:dgm="http://schemas.openxmlformats.org/drawingml/2006/diagram" xmlns:o="urn:schemas-microsoft-com:office:office" xmlns:v="urn:schemas-microsoft-com:vml" xmlns:pvml="urn:schemas-microsoft-com:office:powerpoint" xmlns:com="http://schemas.openxmlformats.org/drawingml/2006/compatibility" xmlns:p14="http://schemas.microsoft.com/office/powerpoint/2010/main" xmlns:p15="http://schemas.microsoft.com/office/powerpoint/2012/main" xmlns:ahyp="http://schemas.microsoft.com/office/drawing/2018/hyperlinkcolor">
-  <p:cSld>
-    <p:spTree>
-      <p:nvGrpSpPr>
-        <p:cNvPr id="305" name="Shape 305"/>
-        <p:cNvGrpSpPr/>
-        <p:nvPr/>
-      </p:nvGrpSpPr>
-      <p:grpSpPr>
-        <a:xfrm>
-          <a:off x="0" y="0"/>
-          <a:ext cx="0" cy="0"/>
-          <a:chOff x="0" y="0"/>
-          <a:chExt cx="0" cy="0"/>
-        </a:xfrm>
-      </p:grpSpPr>
-      <p:sp>
-        <p:nvSpPr>
-          <p:cNvPr id="306" name="Google Shape;306;p31"/>
-          <p:cNvSpPr txBox="1"/>
-          <p:nvPr>
-            <p:ph type="title"/>
-          </p:nvPr>
-        </p:nvSpPr>
-        <p:spPr>
-          <a:xfrm>
-            <a:off x="838200" y="365125"/>
-            <a:ext cx="10515600" cy="1325700"/>
-          </a:xfrm>
-          <a:prstGeom prst="rect">
-            <a:avLst/>
-          </a:prstGeom>
-          <a:noFill/>
-          <a:ln>
-            <a:noFill/>
-          </a:ln>
-        </p:spPr>
-        <p:txBody>
-          <a:bodyPr anchorCtr="0" anchor="ctr" bIns="45700" lIns="91425" spcFirstLastPara="1" rIns="91425" wrap="square" tIns="45700">
-            <a:normAutofit/>
-          </a:bodyPr>
-          <a:lstStyle/>
-          <a:p>
-            <a:pPr indent="0" lvl="0" marL="0" rtl="0" algn="l">
-              <a:lnSpc>
-                <a:spcPct val="90000"/>
-              </a:lnSpc>
-              <a:spcBef>
-                <a:spcPts val="0"/>
-              </a:spcBef>
-              <a:spcAft>
-                <a:spcPts val="0"/>
-              </a:spcAft>
-              <a:buClr>
-                <a:schemeClr val="dk1"/>
-              </a:buClr>
-              <a:buSzPts val="2800"/>
-              <a:buFont typeface="Calibri"/>
-              <a:buNone/>
-            </a:pPr>
-            <a:r>
-              <a:rPr b="1" lang="de-CH" sz="2800"/>
-              <a:t>Extensible YANG model for YANG-Push Notifications</a:t>
-            </a:r>
-            <a:br>
-              <a:rPr lang="de-CH" sz="3600"/>
-            </a:br>
-            <a:r>
-              <a:rPr lang="de-CH" sz="2400">
-                <a:solidFill>
-                  <a:srgbClr val="AEABAB"/>
-                </a:solidFill>
-              </a:rPr>
-              <a:t>(2) Able to discover the capability of this new header</a:t>
-            </a:r>
-            <a:endParaRPr sz="4100"/>
-          </a:p>
-        </p:txBody>
-      </p:sp>
-      <p:sp>
-        <p:nvSpPr>
-          <p:cNvPr id="307" name="Google Shape;307;p31"/>
-          <p:cNvSpPr txBox="1"/>
-          <p:nvPr/>
-        </p:nvSpPr>
-        <p:spPr>
-          <a:xfrm>
-            <a:off x="721325" y="1570425"/>
-            <a:ext cx="11407200" cy="941700"/>
-          </a:xfrm>
-          <a:prstGeom prst="rect">
-            <a:avLst/>
-          </a:prstGeom>
-          <a:noFill/>
-          <a:ln>
-            <a:noFill/>
-          </a:ln>
-        </p:spPr>
-        <p:txBody>
-          <a:bodyPr anchorCtr="0" anchor="t" bIns="91425" lIns="91425" spcFirstLastPara="1" rIns="91425" wrap="square" tIns="91425">
-            <a:spAutoFit/>
-          </a:bodyPr>
-          <a:lstStyle/>
-          <a:p>
-            <a:pPr indent="-349250" lvl="0" marL="457200" marR="0" rtl="0" algn="l">
-              <a:lnSpc>
-                <a:spcPct val="115000"/>
-              </a:lnSpc>
-              <a:spcBef>
-                <a:spcPts val="0"/>
-              </a:spcBef>
-              <a:spcAft>
-                <a:spcPts val="0"/>
-              </a:spcAft>
-              <a:buClr>
-                <a:schemeClr val="dk1"/>
-              </a:buClr>
-              <a:buSzPts val="1900"/>
-              <a:buFont typeface="Calibri"/>
-              <a:buChar char="●"/>
-            </a:pPr>
-            <a:r>
-              <a:rPr lang="de-CH" sz="1900">
-                <a:solidFill>
-                  <a:schemeClr val="dk1"/>
-                </a:solidFill>
-              </a:rPr>
-              <a:t>Augmentation on notification capabilities (RFC9196)</a:t>
-            </a:r>
-            <a:endParaRPr sz="1900">
-              <a:solidFill>
-                <a:schemeClr val="dk1"/>
-              </a:solidFill>
-            </a:endParaRPr>
-          </a:p>
-          <a:p>
-            <a:pPr indent="0" lvl="0" marL="457200" marR="0" rtl="0" algn="l">
-              <a:lnSpc>
-                <a:spcPct val="115000"/>
-              </a:lnSpc>
-              <a:spcBef>
-                <a:spcPts val="1000"/>
-              </a:spcBef>
-              <a:spcAft>
-                <a:spcPts val="1000"/>
-              </a:spcAft>
-              <a:buNone/>
-            </a:pPr>
-            <a:r>
-              <a:t/>
-            </a:r>
-            <a:endParaRPr sz="1900">
-              <a:solidFill>
-                <a:schemeClr val="dk1"/>
-              </a:solidFill>
-              <a:latin typeface="Calibri"/>
-              <a:ea typeface="Calibri"/>
-              <a:cs typeface="Calibri"/>
-              <a:sym typeface="Calibri"/>
-            </a:endParaRPr>
-          </a:p>
-        </p:txBody>
-      </p:sp>
-      <p:sp>
-        <p:nvSpPr>
-          <p:cNvPr id="308" name="Google Shape;308;p31"/>
-          <p:cNvSpPr txBox="1"/>
-          <p:nvPr>
-            <p:ph idx="12" type="sldNum"/>
-          </p:nvPr>
-        </p:nvSpPr>
-        <p:spPr>
-          <a:xfrm>
-            <a:off x="11364900" y="6362700"/>
-            <a:ext cx="657300" cy="365100"/>
-          </a:xfrm>
-          <a:prstGeom prst="rect">
-            <a:avLst/>
-          </a:prstGeom>
-          <a:noFill/>
-          <a:ln>
-            <a:noFill/>
-          </a:ln>
-        </p:spPr>
-        <p:txBody>
-          <a:bodyPr anchorCtr="0" anchor="ctr" bIns="45700" lIns="91425" spcFirstLastPara="1" rIns="91425" wrap="square" tIns="45700">
-            <a:noAutofit/>
-          </a:bodyPr>
-          <a:lstStyle/>
-          <a:p>
-            <a:pPr indent="0" lvl="0" marL="0" rtl="0" algn="r">
-              <a:lnSpc>
-                <a:spcPct val="100000"/>
-              </a:lnSpc>
-              <a:spcBef>
-                <a:spcPts val="0"/>
-              </a:spcBef>
-              <a:spcAft>
-                <a:spcPts val="0"/>
-              </a:spcAft>
-              <a:buSzPts val="2200"/>
-              <a:buNone/>
-            </a:pPr>
-            <a:fld id="{00000000-1234-1234-1234-123412341234}" type="slidenum">
-              <a:rPr lang="de-CH" sz="2200"/>
-              <a:t>‹#›</a:t>
-            </a:fld>
-            <a:endParaRPr sz="2200"/>
-          </a:p>
-        </p:txBody>
-      </p:sp>
-      <p:pic>
-        <p:nvPicPr>
-          <p:cNvPr id="309" name="Google Shape;309;p31"/>
-          <p:cNvPicPr preferRelativeResize="0"/>
-          <p:nvPr/>
-        </p:nvPicPr>
-        <p:blipFill>
-          <a:blip r:embed="rId3">
-            <a:alphaModFix/>
-          </a:blip>
-          <a:stretch>
-            <a:fillRect/>
-          </a:stretch>
-        </p:blipFill>
-        <p:spPr>
-          <a:xfrm>
-            <a:off x="7706986" y="5502361"/>
-            <a:ext cx="657189" cy="479385"/>
-          </a:xfrm>
-          <a:prstGeom prst="rect">
-            <a:avLst/>
-          </a:prstGeom>
-          <a:noFill/>
-          <a:ln>
-            <a:noFill/>
-          </a:ln>
-        </p:spPr>
-      </p:pic>
-      <p:pic>
-        <p:nvPicPr>
-          <p:cNvPr id="310" name="Google Shape;310;p31"/>
-          <p:cNvPicPr preferRelativeResize="0"/>
-          <p:nvPr/>
-        </p:nvPicPr>
-        <p:blipFill>
-          <a:blip r:embed="rId4">
-            <a:alphaModFix/>
-          </a:blip>
-          <a:stretch>
-            <a:fillRect/>
-          </a:stretch>
-        </p:blipFill>
-        <p:spPr>
-          <a:xfrm>
-            <a:off x="4408324" y="5297312"/>
-            <a:ext cx="671849" cy="723343"/>
-          </a:xfrm>
-          <a:prstGeom prst="rect">
-            <a:avLst/>
-          </a:prstGeom>
-          <a:noFill/>
-          <a:ln>
-            <a:noFill/>
-          </a:ln>
-        </p:spPr>
-      </p:pic>
-      <p:cxnSp>
-        <p:nvCxnSpPr>
-          <p:cNvPr id="311" name="Google Shape;311;p31"/>
-          <p:cNvCxnSpPr/>
-          <p:nvPr/>
-        </p:nvCxnSpPr>
-        <p:spPr>
-          <a:xfrm>
-            <a:off x="5144525" y="5924213"/>
-            <a:ext cx="2409300" cy="0"/>
-          </a:xfrm>
-          <a:prstGeom prst="straightConnector1">
-            <a:avLst/>
-          </a:prstGeom>
-          <a:noFill/>
-          <a:ln cap="flat" cmpd="sng" w="9525">
-            <a:solidFill>
-              <a:srgbClr val="595959"/>
-            </a:solidFill>
-            <a:prstDash val="solid"/>
-            <a:round/>
-            <a:headEnd len="med" w="med" type="none"/>
-            <a:tailEnd len="med" w="med" type="triangle"/>
-          </a:ln>
-        </p:spPr>
-      </p:cxnSp>
-      <p:sp>
-        <p:nvSpPr>
-          <p:cNvPr id="312" name="Google Shape;312;p31"/>
-          <p:cNvSpPr txBox="1"/>
-          <p:nvPr/>
-        </p:nvSpPr>
-        <p:spPr>
-          <a:xfrm>
-            <a:off x="5532275" y="5376875"/>
-            <a:ext cx="1399500" cy="338700"/>
-          </a:xfrm>
-          <a:prstGeom prst="rect">
-            <a:avLst/>
-          </a:prstGeom>
-          <a:noFill/>
-          <a:ln>
-            <a:noFill/>
-          </a:ln>
-        </p:spPr>
-        <p:txBody>
-          <a:bodyPr anchorCtr="0" anchor="t" bIns="91425" lIns="91425" spcFirstLastPara="1" rIns="91425" wrap="square" tIns="91425">
-            <a:spAutoFit/>
-          </a:bodyPr>
-          <a:lstStyle/>
-          <a:p>
-            <a:pPr indent="0" lvl="0" marL="0" rtl="0" algn="l">
-              <a:spcBef>
-                <a:spcPts val="0"/>
-              </a:spcBef>
-              <a:spcAft>
-                <a:spcPts val="0"/>
-              </a:spcAft>
-              <a:buNone/>
-            </a:pPr>
-            <a:r>
-              <a:rPr lang="de-CH" sz="1000"/>
-              <a:t>Get Capabilities</a:t>
-            </a:r>
-            <a:endParaRPr sz="1000"/>
-          </a:p>
-        </p:txBody>
-      </p:sp>
-      <p:cxnSp>
-        <p:nvCxnSpPr>
-          <p:cNvPr id="313" name="Google Shape;313;p31"/>
-          <p:cNvCxnSpPr/>
-          <p:nvPr/>
-        </p:nvCxnSpPr>
-        <p:spPr>
-          <a:xfrm>
-            <a:off x="5144525" y="5660838"/>
-            <a:ext cx="2409300" cy="0"/>
-          </a:xfrm>
-          <a:prstGeom prst="straightConnector1">
-            <a:avLst/>
-          </a:prstGeom>
-          <a:noFill/>
-          <a:ln cap="flat" cmpd="sng" w="9525">
-            <a:solidFill>
-              <a:srgbClr val="595959"/>
-            </a:solidFill>
-            <a:prstDash val="solid"/>
-            <a:round/>
-            <a:headEnd len="med" w="med" type="triangle"/>
-            <a:tailEnd len="med" w="med" type="none"/>
-          </a:ln>
-        </p:spPr>
-      </p:cxnSp>
-      <p:sp>
-        <p:nvSpPr>
-          <p:cNvPr id="314" name="Google Shape;314;p31"/>
-          <p:cNvSpPr txBox="1"/>
-          <p:nvPr/>
-        </p:nvSpPr>
-        <p:spPr>
-          <a:xfrm>
-            <a:off x="5532275" y="5643050"/>
-            <a:ext cx="1722600" cy="338700"/>
-          </a:xfrm>
-          <a:prstGeom prst="rect">
-            <a:avLst/>
-          </a:prstGeom>
-          <a:noFill/>
-          <a:ln>
-            <a:noFill/>
-          </a:ln>
-        </p:spPr>
-        <p:txBody>
-          <a:bodyPr anchorCtr="0" anchor="t" bIns="91425" lIns="91425" spcFirstLastPara="1" rIns="91425" wrap="square" tIns="91425">
-            <a:spAutoFit/>
-          </a:bodyPr>
-          <a:lstStyle/>
-          <a:p>
-            <a:pPr indent="0" lvl="0" marL="0" rtl="0" algn="l">
-              <a:spcBef>
-                <a:spcPts val="0"/>
-              </a:spcBef>
-              <a:spcAft>
-                <a:spcPts val="0"/>
-              </a:spcAft>
-              <a:buNone/>
-            </a:pPr>
-            <a:r>
-              <a:rPr lang="de-CH" sz="1000"/>
-              <a:t>notification-envelope=True</a:t>
-            </a:r>
-            <a:endParaRPr sz="1000"/>
-          </a:p>
-        </p:txBody>
-      </p:sp>
-      <p:pic>
-        <p:nvPicPr>
-          <p:cNvPr id="315" name="Google Shape;315;p31"/>
-          <p:cNvPicPr preferRelativeResize="0"/>
-          <p:nvPr/>
-        </p:nvPicPr>
-        <p:blipFill>
-          <a:blip r:embed="rId5">
-            <a:alphaModFix/>
-          </a:blip>
-          <a:stretch>
-            <a:fillRect/>
-          </a:stretch>
-        </p:blipFill>
-        <p:spPr>
-          <a:xfrm>
-            <a:off x="382800" y="2214655"/>
-            <a:ext cx="5844648" cy="1980345"/>
-          </a:xfrm>
-          <a:prstGeom prst="rect">
-            <a:avLst/>
-          </a:prstGeom>
-          <a:noFill/>
-          <a:ln>
-            <a:noFill/>
-          </a:ln>
-        </p:spPr>
-      </p:pic>
-      <p:pic>
-        <p:nvPicPr>
-          <p:cNvPr id="316" name="Google Shape;316;p31"/>
-          <p:cNvPicPr preferRelativeResize="0"/>
-          <p:nvPr/>
-        </p:nvPicPr>
-        <p:blipFill>
-          <a:blip r:embed="rId6">
-            <a:alphaModFix/>
-          </a:blip>
-          <a:stretch>
-            <a:fillRect/>
-          </a:stretch>
-        </p:blipFill>
-        <p:spPr>
-          <a:xfrm>
-            <a:off x="6468773" y="2252575"/>
-            <a:ext cx="5659752" cy="2112861"/>
-          </a:xfrm>
-          <a:prstGeom prst="rect">
-            <a:avLst/>
-          </a:prstGeom>
-          <a:noFill/>
-          <a:ln>
-            <a:noFill/>
-          </a:ln>
-        </p:spPr>
-      </p:pic>
-      <p:sp>
-        <p:nvSpPr>
-          <p:cNvPr id="317" name="Google Shape;317;p31"/>
-          <p:cNvSpPr/>
-          <p:nvPr/>
-        </p:nvSpPr>
-        <p:spPr>
-          <a:xfrm>
-            <a:off x="1227600" y="3193625"/>
-            <a:ext cx="4845900" cy="925500"/>
-          </a:xfrm>
-          <a:prstGeom prst="rect">
-            <a:avLst/>
-          </a:prstGeom>
-          <a:noFill/>
-          <a:ln cap="flat" cmpd="sng" w="9525">
-            <a:solidFill>
-              <a:srgbClr val="FF0000"/>
-            </a:solidFill>
-            <a:prstDash val="solid"/>
-            <a:round/>
-            <a:headEnd len="sm" w="sm" type="none"/>
-            <a:tailEnd len="sm" w="sm" type="none"/>
-          </a:ln>
-        </p:spPr>
-        <p:txBody>
-          <a:bodyPr anchorCtr="0" anchor="ctr" bIns="91425" lIns="91425" spcFirstLastPara="1" rIns="91425" wrap="square" tIns="91425">
-            <a:noAutofit/>
-          </a:bodyPr>
-          <a:lstStyle/>
-          <a:p>
-            <a:pPr indent="0" lvl="0" marL="0" rtl="0" algn="ctr">
-              <a:spcBef>
-                <a:spcPts val="0"/>
-              </a:spcBef>
-              <a:spcAft>
-                <a:spcPts val="0"/>
-              </a:spcAft>
-              <a:buNone/>
-            </a:pPr>
-            <a:r>
-              <a:t/>
-            </a:r>
-            <a:endParaRPr>
-              <a:latin typeface="Calibri"/>
-              <a:ea typeface="Calibri"/>
-              <a:cs typeface="Calibri"/>
-              <a:sym typeface="Calibri"/>
-            </a:endParaRPr>
-          </a:p>
-        </p:txBody>
-      </p:sp>
-      <p:sp>
-        <p:nvSpPr>
-          <p:cNvPr id="318" name="Google Shape;318;p31"/>
-          <p:cNvSpPr/>
-          <p:nvPr/>
-        </p:nvSpPr>
-        <p:spPr>
-          <a:xfrm>
-            <a:off x="7282575" y="3655150"/>
-            <a:ext cx="4698300" cy="723300"/>
-          </a:xfrm>
-          <a:prstGeom prst="rect">
-            <a:avLst/>
-          </a:prstGeom>
-          <a:noFill/>
-          <a:ln cap="flat" cmpd="sng" w="9525">
-            <a:solidFill>
-              <a:srgbClr val="FF0000"/>
-            </a:solidFill>
-            <a:prstDash val="solid"/>
-            <a:round/>
-            <a:headEnd len="sm" w="sm" type="none"/>
-            <a:tailEnd len="sm" w="sm" type="none"/>
-          </a:ln>
-        </p:spPr>
-        <p:txBody>
-          <a:bodyPr anchorCtr="0" anchor="ctr" bIns="91425" lIns="91425" spcFirstLastPara="1" rIns="91425" wrap="square" tIns="91425">
-            <a:noAutofit/>
-          </a:bodyPr>
-          <a:lstStyle/>
-          <a:p>
-            <a:pPr indent="0" lvl="0" marL="0" rtl="0" algn="ctr">
-              <a:spcBef>
-                <a:spcPts val="0"/>
-              </a:spcBef>
-              <a:spcAft>
-                <a:spcPts val="0"/>
-              </a:spcAft>
-              <a:buNone/>
-            </a:pPr>
-            <a:r>
-              <a:t/>
-            </a:r>
-            <a:endParaRPr>
-              <a:latin typeface="Calibri"/>
-              <a:ea typeface="Calibri"/>
-              <a:cs typeface="Calibri"/>
-              <a:sym typeface="Calibri"/>
-            </a:endParaRPr>
-          </a:p>
-        </p:txBody>
-      </p:sp>
     </p:spTree>
   </p:cSld>
   <p:clrMapOvr>
@@ -25771,7 +26003,7 @@
   <p:cSld>
     <p:spTree>
       <p:nvGrpSpPr>
-        <p:cNvPr id="322" name="Shape 322"/>
+        <p:cNvPr id="312" name="Shape 312"/>
         <p:cNvGrpSpPr/>
         <p:nvPr/>
       </p:nvGrpSpPr>
@@ -25785,7 +26017,7 @@
       </p:grpSpPr>
       <p:sp>
         <p:nvSpPr>
-          <p:cNvPr id="323" name="Google Shape;323;p32"/>
+          <p:cNvPr id="313" name="Google Shape;313;p32"/>
           <p:cNvSpPr txBox="1"/>
           <p:nvPr>
             <p:ph type="title"/>
@@ -25840,7 +26072,7 @@
                   <a:srgbClr val="AEABAB"/>
                 </a:solidFill>
               </a:rPr>
-              <a:t>(3) Extensible header defined in YANG</a:t>
+              <a:t>(2) Able to discover the capability of this new header</a:t>
             </a:r>
             <a:endParaRPr sz="4100"/>
           </a:p>
@@ -25848,7 +26080,579 @@
       </p:sp>
       <p:sp>
         <p:nvSpPr>
+          <p:cNvPr id="314" name="Google Shape;314;p32"/>
+          <p:cNvSpPr txBox="1"/>
+          <p:nvPr/>
+        </p:nvSpPr>
+        <p:spPr>
+          <a:xfrm>
+            <a:off x="721325" y="1570425"/>
+            <a:ext cx="11407200" cy="941700"/>
+          </a:xfrm>
+          <a:prstGeom prst="rect">
+            <a:avLst/>
+          </a:prstGeom>
+          <a:noFill/>
+          <a:ln>
+            <a:noFill/>
+          </a:ln>
+        </p:spPr>
+        <p:txBody>
+          <a:bodyPr anchorCtr="0" anchor="t" bIns="91425" lIns="91425" spcFirstLastPara="1" rIns="91425" wrap="square" tIns="91425">
+            <a:spAutoFit/>
+          </a:bodyPr>
+          <a:lstStyle/>
+          <a:p>
+            <a:pPr indent="-349250" lvl="0" marL="457200" marR="0" rtl="0" algn="l">
+              <a:lnSpc>
+                <a:spcPct val="115000"/>
+              </a:lnSpc>
+              <a:spcBef>
+                <a:spcPts val="0"/>
+              </a:spcBef>
+              <a:spcAft>
+                <a:spcPts val="0"/>
+              </a:spcAft>
+              <a:buClr>
+                <a:schemeClr val="dk1"/>
+              </a:buClr>
+              <a:buSzPts val="1900"/>
+              <a:buFont typeface="Calibri"/>
+              <a:buChar char="●"/>
+            </a:pPr>
+            <a:r>
+              <a:rPr lang="de-CH" sz="1900">
+                <a:solidFill>
+                  <a:schemeClr val="dk1"/>
+                </a:solidFill>
+              </a:rPr>
+              <a:t>Augmentation on notification capabilities (RFC9196)</a:t>
+            </a:r>
+            <a:endParaRPr sz="1900">
+              <a:solidFill>
+                <a:schemeClr val="dk1"/>
+              </a:solidFill>
+            </a:endParaRPr>
+          </a:p>
+          <a:p>
+            <a:pPr indent="0" lvl="0" marL="457200" marR="0" rtl="0" algn="l">
+              <a:lnSpc>
+                <a:spcPct val="115000"/>
+              </a:lnSpc>
+              <a:spcBef>
+                <a:spcPts val="1000"/>
+              </a:spcBef>
+              <a:spcAft>
+                <a:spcPts val="1000"/>
+              </a:spcAft>
+              <a:buNone/>
+            </a:pPr>
+            <a:r>
+              <a:t/>
+            </a:r>
+            <a:endParaRPr sz="1900">
+              <a:solidFill>
+                <a:schemeClr val="dk1"/>
+              </a:solidFill>
+              <a:latin typeface="Calibri"/>
+              <a:ea typeface="Calibri"/>
+              <a:cs typeface="Calibri"/>
+              <a:sym typeface="Calibri"/>
+            </a:endParaRPr>
+          </a:p>
+        </p:txBody>
+      </p:sp>
+      <p:sp>
+        <p:nvSpPr>
+          <p:cNvPr id="315" name="Google Shape;315;p32"/>
+          <p:cNvSpPr txBox="1"/>
+          <p:nvPr>
+            <p:ph idx="12" type="sldNum"/>
+          </p:nvPr>
+        </p:nvSpPr>
+        <p:spPr>
+          <a:xfrm>
+            <a:off x="11364900" y="6362700"/>
+            <a:ext cx="657300" cy="365100"/>
+          </a:xfrm>
+          <a:prstGeom prst="rect">
+            <a:avLst/>
+          </a:prstGeom>
+          <a:noFill/>
+          <a:ln>
+            <a:noFill/>
+          </a:ln>
+        </p:spPr>
+        <p:txBody>
+          <a:bodyPr anchorCtr="0" anchor="ctr" bIns="45700" lIns="91425" spcFirstLastPara="1" rIns="91425" wrap="square" tIns="45700">
+            <a:noAutofit/>
+          </a:bodyPr>
+          <a:lstStyle/>
+          <a:p>
+            <a:pPr indent="0" lvl="0" marL="0" rtl="0" algn="r">
+              <a:lnSpc>
+                <a:spcPct val="100000"/>
+              </a:lnSpc>
+              <a:spcBef>
+                <a:spcPts val="0"/>
+              </a:spcBef>
+              <a:spcAft>
+                <a:spcPts val="0"/>
+              </a:spcAft>
+              <a:buSzPts val="2200"/>
+              <a:buNone/>
+            </a:pPr>
+            <a:fld id="{00000000-1234-1234-1234-123412341234}" type="slidenum">
+              <a:rPr lang="de-CH" sz="2200"/>
+              <a:t>‹#›</a:t>
+            </a:fld>
+            <a:endParaRPr sz="2200"/>
+          </a:p>
+        </p:txBody>
+      </p:sp>
+      <p:pic>
+        <p:nvPicPr>
+          <p:cNvPr id="316" name="Google Shape;316;p32"/>
+          <p:cNvPicPr preferRelativeResize="0"/>
+          <p:nvPr/>
+        </p:nvPicPr>
+        <p:blipFill>
+          <a:blip r:embed="rId3">
+            <a:alphaModFix/>
+          </a:blip>
+          <a:stretch>
+            <a:fillRect/>
+          </a:stretch>
+        </p:blipFill>
+        <p:spPr>
+          <a:xfrm>
+            <a:off x="7706986" y="5502361"/>
+            <a:ext cx="657189" cy="479385"/>
+          </a:xfrm>
+          <a:prstGeom prst="rect">
+            <a:avLst/>
+          </a:prstGeom>
+          <a:noFill/>
+          <a:ln>
+            <a:noFill/>
+          </a:ln>
+        </p:spPr>
+      </p:pic>
+      <p:pic>
+        <p:nvPicPr>
+          <p:cNvPr id="317" name="Google Shape;317;p32"/>
+          <p:cNvPicPr preferRelativeResize="0"/>
+          <p:nvPr/>
+        </p:nvPicPr>
+        <p:blipFill>
+          <a:blip r:embed="rId4">
+            <a:alphaModFix/>
+          </a:blip>
+          <a:stretch>
+            <a:fillRect/>
+          </a:stretch>
+        </p:blipFill>
+        <p:spPr>
+          <a:xfrm>
+            <a:off x="4408324" y="5297312"/>
+            <a:ext cx="671849" cy="723343"/>
+          </a:xfrm>
+          <a:prstGeom prst="rect">
+            <a:avLst/>
+          </a:prstGeom>
+          <a:noFill/>
+          <a:ln>
+            <a:noFill/>
+          </a:ln>
+        </p:spPr>
+      </p:pic>
+      <p:cxnSp>
+        <p:nvCxnSpPr>
+          <p:cNvPr id="318" name="Google Shape;318;p32"/>
+          <p:cNvCxnSpPr/>
+          <p:nvPr/>
+        </p:nvCxnSpPr>
+        <p:spPr>
+          <a:xfrm>
+            <a:off x="5144525" y="5924213"/>
+            <a:ext cx="2409300" cy="0"/>
+          </a:xfrm>
+          <a:prstGeom prst="straightConnector1">
+            <a:avLst/>
+          </a:prstGeom>
+          <a:noFill/>
+          <a:ln cap="flat" cmpd="sng" w="9525">
+            <a:solidFill>
+              <a:srgbClr val="595959"/>
+            </a:solidFill>
+            <a:prstDash val="solid"/>
+            <a:round/>
+            <a:headEnd len="med" w="med" type="none"/>
+            <a:tailEnd len="med" w="med" type="triangle"/>
+          </a:ln>
+        </p:spPr>
+      </p:cxnSp>
+      <p:sp>
+        <p:nvSpPr>
+          <p:cNvPr id="319" name="Google Shape;319;p32"/>
+          <p:cNvSpPr txBox="1"/>
+          <p:nvPr/>
+        </p:nvSpPr>
+        <p:spPr>
+          <a:xfrm>
+            <a:off x="5532275" y="5376875"/>
+            <a:ext cx="1399500" cy="338700"/>
+          </a:xfrm>
+          <a:prstGeom prst="rect">
+            <a:avLst/>
+          </a:prstGeom>
+          <a:noFill/>
+          <a:ln>
+            <a:noFill/>
+          </a:ln>
+        </p:spPr>
+        <p:txBody>
+          <a:bodyPr anchorCtr="0" anchor="t" bIns="91425" lIns="91425" spcFirstLastPara="1" rIns="91425" wrap="square" tIns="91425">
+            <a:spAutoFit/>
+          </a:bodyPr>
+          <a:lstStyle/>
+          <a:p>
+            <a:pPr indent="0" lvl="0" marL="0" rtl="0" algn="l">
+              <a:spcBef>
+                <a:spcPts val="0"/>
+              </a:spcBef>
+              <a:spcAft>
+                <a:spcPts val="0"/>
+              </a:spcAft>
+              <a:buNone/>
+            </a:pPr>
+            <a:r>
+              <a:rPr lang="de-CH" sz="1000"/>
+              <a:t>Get Capabilities</a:t>
+            </a:r>
+            <a:endParaRPr sz="1000"/>
+          </a:p>
+        </p:txBody>
+      </p:sp>
+      <p:cxnSp>
+        <p:nvCxnSpPr>
+          <p:cNvPr id="320" name="Google Shape;320;p32"/>
+          <p:cNvCxnSpPr/>
+          <p:nvPr/>
+        </p:nvCxnSpPr>
+        <p:spPr>
+          <a:xfrm>
+            <a:off x="5144525" y="5660838"/>
+            <a:ext cx="2409300" cy="0"/>
+          </a:xfrm>
+          <a:prstGeom prst="straightConnector1">
+            <a:avLst/>
+          </a:prstGeom>
+          <a:noFill/>
+          <a:ln cap="flat" cmpd="sng" w="9525">
+            <a:solidFill>
+              <a:srgbClr val="595959"/>
+            </a:solidFill>
+            <a:prstDash val="solid"/>
+            <a:round/>
+            <a:headEnd len="med" w="med" type="triangle"/>
+            <a:tailEnd len="med" w="med" type="none"/>
+          </a:ln>
+        </p:spPr>
+      </p:cxnSp>
+      <p:sp>
+        <p:nvSpPr>
+          <p:cNvPr id="321" name="Google Shape;321;p32"/>
+          <p:cNvSpPr txBox="1"/>
+          <p:nvPr/>
+        </p:nvSpPr>
+        <p:spPr>
+          <a:xfrm>
+            <a:off x="5532275" y="5643050"/>
+            <a:ext cx="1722600" cy="338700"/>
+          </a:xfrm>
+          <a:prstGeom prst="rect">
+            <a:avLst/>
+          </a:prstGeom>
+          <a:noFill/>
+          <a:ln>
+            <a:noFill/>
+          </a:ln>
+        </p:spPr>
+        <p:txBody>
+          <a:bodyPr anchorCtr="0" anchor="t" bIns="91425" lIns="91425" spcFirstLastPara="1" rIns="91425" wrap="square" tIns="91425">
+            <a:spAutoFit/>
+          </a:bodyPr>
+          <a:lstStyle/>
+          <a:p>
+            <a:pPr indent="0" lvl="0" marL="0" rtl="0" algn="l">
+              <a:spcBef>
+                <a:spcPts val="0"/>
+              </a:spcBef>
+              <a:spcAft>
+                <a:spcPts val="0"/>
+              </a:spcAft>
+              <a:buNone/>
+            </a:pPr>
+            <a:r>
+              <a:rPr lang="de-CH" sz="1000"/>
+              <a:t>notification-envelope=True</a:t>
+            </a:r>
+            <a:endParaRPr sz="1000"/>
+          </a:p>
+        </p:txBody>
+      </p:sp>
+      <p:pic>
+        <p:nvPicPr>
+          <p:cNvPr id="322" name="Google Shape;322;p32"/>
+          <p:cNvPicPr preferRelativeResize="0"/>
+          <p:nvPr/>
+        </p:nvPicPr>
+        <p:blipFill>
+          <a:blip r:embed="rId5">
+            <a:alphaModFix/>
+          </a:blip>
+          <a:stretch>
+            <a:fillRect/>
+          </a:stretch>
+        </p:blipFill>
+        <p:spPr>
+          <a:xfrm>
+            <a:off x="382800" y="2214655"/>
+            <a:ext cx="5844648" cy="1980345"/>
+          </a:xfrm>
+          <a:prstGeom prst="rect">
+            <a:avLst/>
+          </a:prstGeom>
+          <a:noFill/>
+          <a:ln>
+            <a:noFill/>
+          </a:ln>
+        </p:spPr>
+      </p:pic>
+      <p:pic>
+        <p:nvPicPr>
+          <p:cNvPr id="323" name="Google Shape;323;p32"/>
+          <p:cNvPicPr preferRelativeResize="0"/>
+          <p:nvPr/>
+        </p:nvPicPr>
+        <p:blipFill>
+          <a:blip r:embed="rId6">
+            <a:alphaModFix/>
+          </a:blip>
+          <a:stretch>
+            <a:fillRect/>
+          </a:stretch>
+        </p:blipFill>
+        <p:spPr>
+          <a:xfrm>
+            <a:off x="6468773" y="2252575"/>
+            <a:ext cx="5659752" cy="2112861"/>
+          </a:xfrm>
+          <a:prstGeom prst="rect">
+            <a:avLst/>
+          </a:prstGeom>
+          <a:noFill/>
+          <a:ln>
+            <a:noFill/>
+          </a:ln>
+        </p:spPr>
+      </p:pic>
+      <p:sp>
+        <p:nvSpPr>
           <p:cNvPr id="324" name="Google Shape;324;p32"/>
+          <p:cNvSpPr/>
+          <p:nvPr/>
+        </p:nvSpPr>
+        <p:spPr>
+          <a:xfrm>
+            <a:off x="1227600" y="3193625"/>
+            <a:ext cx="4845900" cy="925500"/>
+          </a:xfrm>
+          <a:prstGeom prst="rect">
+            <a:avLst/>
+          </a:prstGeom>
+          <a:noFill/>
+          <a:ln cap="flat" cmpd="sng" w="9525">
+            <a:solidFill>
+              <a:srgbClr val="FF0000"/>
+            </a:solidFill>
+            <a:prstDash val="solid"/>
+            <a:round/>
+            <a:headEnd len="sm" w="sm" type="none"/>
+            <a:tailEnd len="sm" w="sm" type="none"/>
+          </a:ln>
+        </p:spPr>
+        <p:txBody>
+          <a:bodyPr anchorCtr="0" anchor="ctr" bIns="91425" lIns="91425" spcFirstLastPara="1" rIns="91425" wrap="square" tIns="91425">
+            <a:noAutofit/>
+          </a:bodyPr>
+          <a:lstStyle/>
+          <a:p>
+            <a:pPr indent="0" lvl="0" marL="0" rtl="0" algn="ctr">
+              <a:spcBef>
+                <a:spcPts val="0"/>
+              </a:spcBef>
+              <a:spcAft>
+                <a:spcPts val="0"/>
+              </a:spcAft>
+              <a:buNone/>
+            </a:pPr>
+            <a:r>
+              <a:t/>
+            </a:r>
+            <a:endParaRPr>
+              <a:latin typeface="Calibri"/>
+              <a:ea typeface="Calibri"/>
+              <a:cs typeface="Calibri"/>
+              <a:sym typeface="Calibri"/>
+            </a:endParaRPr>
+          </a:p>
+        </p:txBody>
+      </p:sp>
+      <p:sp>
+        <p:nvSpPr>
+          <p:cNvPr id="325" name="Google Shape;325;p32"/>
+          <p:cNvSpPr/>
+          <p:nvPr/>
+        </p:nvSpPr>
+        <p:spPr>
+          <a:xfrm>
+            <a:off x="7282575" y="3655150"/>
+            <a:ext cx="4698300" cy="723300"/>
+          </a:xfrm>
+          <a:prstGeom prst="rect">
+            <a:avLst/>
+          </a:prstGeom>
+          <a:noFill/>
+          <a:ln cap="flat" cmpd="sng" w="9525">
+            <a:solidFill>
+              <a:srgbClr val="FF0000"/>
+            </a:solidFill>
+            <a:prstDash val="solid"/>
+            <a:round/>
+            <a:headEnd len="sm" w="sm" type="none"/>
+            <a:tailEnd len="sm" w="sm" type="none"/>
+          </a:ln>
+        </p:spPr>
+        <p:txBody>
+          <a:bodyPr anchorCtr="0" anchor="ctr" bIns="91425" lIns="91425" spcFirstLastPara="1" rIns="91425" wrap="square" tIns="91425">
+            <a:noAutofit/>
+          </a:bodyPr>
+          <a:lstStyle/>
+          <a:p>
+            <a:pPr indent="0" lvl="0" marL="0" rtl="0" algn="ctr">
+              <a:spcBef>
+                <a:spcPts val="0"/>
+              </a:spcBef>
+              <a:spcAft>
+                <a:spcPts val="0"/>
+              </a:spcAft>
+              <a:buNone/>
+            </a:pPr>
+            <a:r>
+              <a:t/>
+            </a:r>
+            <a:endParaRPr>
+              <a:latin typeface="Calibri"/>
+              <a:ea typeface="Calibri"/>
+              <a:cs typeface="Calibri"/>
+              <a:sym typeface="Calibri"/>
+            </a:endParaRPr>
+          </a:p>
+        </p:txBody>
+      </p:sp>
+    </p:spTree>
+  </p:cSld>
+  <p:clrMapOvr>
+    <a:masterClrMapping/>
+  </p:clrMapOvr>
+</p:sld>
+</file>
+
+<file path=ppt/slides/slide21.xml><?xml version="1.0" encoding="utf-8"?>
+<p:sld xmlns:a="http://schemas.openxmlformats.org/drawingml/2006/main" xmlns:r="http://schemas.openxmlformats.org/officeDocument/2006/relationships" xmlns:mc="http://schemas.openxmlformats.org/markup-compatibility/2006" xmlns:mv="urn:schemas-microsoft-com:mac:vml" xmlns:p="http://schemas.openxmlformats.org/presentationml/2006/main" xmlns:c="http://schemas.openxmlformats.org/drawingml/2006/chart" xmlns:dgm="http://schemas.openxmlformats.org/drawingml/2006/diagram" xmlns:o="urn:schemas-microsoft-com:office:office" xmlns:v="urn:schemas-microsoft-com:vml" xmlns:pvml="urn:schemas-microsoft-com:office:powerpoint" xmlns:com="http://schemas.openxmlformats.org/drawingml/2006/compatibility" xmlns:p14="http://schemas.microsoft.com/office/powerpoint/2010/main" xmlns:p15="http://schemas.microsoft.com/office/powerpoint/2012/main" xmlns:ahyp="http://schemas.microsoft.com/office/drawing/2018/hyperlinkcolor">
+  <p:cSld>
+    <p:spTree>
+      <p:nvGrpSpPr>
+        <p:cNvPr id="329" name="Shape 329"/>
+        <p:cNvGrpSpPr/>
+        <p:nvPr/>
+      </p:nvGrpSpPr>
+      <p:grpSpPr>
+        <a:xfrm>
+          <a:off x="0" y="0"/>
+          <a:ext cx="0" cy="0"/>
+          <a:chOff x="0" y="0"/>
+          <a:chExt cx="0" cy="0"/>
+        </a:xfrm>
+      </p:grpSpPr>
+      <p:sp>
+        <p:nvSpPr>
+          <p:cNvPr id="330" name="Google Shape;330;p33"/>
+          <p:cNvSpPr txBox="1"/>
+          <p:nvPr>
+            <p:ph type="title"/>
+          </p:nvPr>
+        </p:nvSpPr>
+        <p:spPr>
+          <a:xfrm>
+            <a:off x="838200" y="365125"/>
+            <a:ext cx="10515600" cy="1325700"/>
+          </a:xfrm>
+          <a:prstGeom prst="rect">
+            <a:avLst/>
+          </a:prstGeom>
+          <a:noFill/>
+          <a:ln>
+            <a:noFill/>
+          </a:ln>
+        </p:spPr>
+        <p:txBody>
+          <a:bodyPr anchorCtr="0" anchor="ctr" bIns="45700" lIns="91425" spcFirstLastPara="1" rIns="91425" wrap="square" tIns="45700">
+            <a:normAutofit/>
+          </a:bodyPr>
+          <a:lstStyle/>
+          <a:p>
+            <a:pPr indent="0" lvl="0" marL="0" rtl="0" algn="l">
+              <a:lnSpc>
+                <a:spcPct val="90000"/>
+              </a:lnSpc>
+              <a:spcBef>
+                <a:spcPts val="0"/>
+              </a:spcBef>
+              <a:spcAft>
+                <a:spcPts val="0"/>
+              </a:spcAft>
+              <a:buClr>
+                <a:schemeClr val="dk1"/>
+              </a:buClr>
+              <a:buSzPts val="2800"/>
+              <a:buFont typeface="Calibri"/>
+              <a:buNone/>
+            </a:pPr>
+            <a:r>
+              <a:rPr b="1" lang="de-CH" sz="2800"/>
+              <a:t>Extensible YANG model for YANG-Push Notifications</a:t>
+            </a:r>
+            <a:br>
+              <a:rPr lang="de-CH" sz="3600"/>
+            </a:br>
+            <a:r>
+              <a:rPr lang="de-CH" sz="2400">
+                <a:solidFill>
+                  <a:srgbClr val="AEABAB"/>
+                </a:solidFill>
+              </a:rPr>
+              <a:t>(3) Extensible header defined in YANG</a:t>
+            </a:r>
+            <a:endParaRPr sz="4100"/>
+          </a:p>
+        </p:txBody>
+      </p:sp>
+      <p:sp>
+        <p:nvSpPr>
+          <p:cNvPr id="331" name="Google Shape;331;p33"/>
           <p:cNvSpPr txBox="1"/>
           <p:nvPr/>
         </p:nvSpPr>
@@ -26025,7 +26829,7 @@
       </p:sp>
       <p:sp>
         <p:nvSpPr>
-          <p:cNvPr id="325" name="Google Shape;325;p32"/>
+          <p:cNvPr id="332" name="Google Shape;332;p33"/>
           <p:cNvSpPr txBox="1"/>
           <p:nvPr>
             <p:ph idx="12" type="sldNum"/>
@@ -26073,7 +26877,7 @@
       </p:sp>
       <p:pic>
         <p:nvPicPr>
-          <p:cNvPr id="326" name="Google Shape;326;p32"/>
+          <p:cNvPr id="333" name="Google Shape;333;p33"/>
           <p:cNvPicPr preferRelativeResize="0"/>
           <p:nvPr/>
         </p:nvPicPr>
@@ -26101,7 +26905,7 @@
       </p:pic>
       <p:sp>
         <p:nvSpPr>
-          <p:cNvPr id="327" name="Google Shape;327;p32"/>
+          <p:cNvPr id="334" name="Google Shape;334;p33"/>
           <p:cNvSpPr/>
           <p:nvPr/>
         </p:nvSpPr>
@@ -26151,7 +26955,7 @@
       </p:sp>
       <p:pic>
         <p:nvPicPr>
-          <p:cNvPr id="328" name="Google Shape;328;p32"/>
+          <p:cNvPr id="335" name="Google Shape;335;p33"/>
           <p:cNvPicPr preferRelativeResize="0"/>
           <p:nvPr/>
         </p:nvPicPr>
@@ -26179,7 +26983,7 @@
       </p:pic>
       <p:cxnSp>
         <p:nvCxnSpPr>
-          <p:cNvPr id="329" name="Google Shape;329;p32"/>
+          <p:cNvPr id="336" name="Google Shape;336;p33"/>
           <p:cNvCxnSpPr/>
           <p:nvPr/>
         </p:nvCxnSpPr>
@@ -26205,7 +27009,7 @@
       </p:cxnSp>
       <p:sp>
         <p:nvSpPr>
-          <p:cNvPr id="330" name="Google Shape;330;p32"/>
+          <p:cNvPr id="337" name="Google Shape;337;p33"/>
           <p:cNvSpPr txBox="1"/>
           <p:nvPr/>
         </p:nvSpPr>
@@ -26247,7 +27051,7 @@
       </p:sp>
       <p:cxnSp>
         <p:nvCxnSpPr>
-          <p:cNvPr id="331" name="Google Shape;331;p32"/>
+          <p:cNvPr id="338" name="Google Shape;338;p33"/>
           <p:cNvCxnSpPr/>
           <p:nvPr/>
         </p:nvCxnSpPr>
@@ -26273,7 +27077,7 @@
       </p:cxnSp>
       <p:sp>
         <p:nvSpPr>
-          <p:cNvPr id="332" name="Google Shape;332;p32"/>
+          <p:cNvPr id="339" name="Google Shape;339;p33"/>
           <p:cNvSpPr txBox="1"/>
           <p:nvPr/>
         </p:nvSpPr>
@@ -26315,7 +27119,7 @@
       </p:sp>
       <p:sp>
         <p:nvSpPr>
-          <p:cNvPr id="333" name="Google Shape;333;p32"/>
+          <p:cNvPr id="340" name="Google Shape;340;p33"/>
           <p:cNvSpPr txBox="1"/>
           <p:nvPr/>
         </p:nvSpPr>
@@ -26373,7 +27177,7 @@
       </p:sp>
       <p:pic>
         <p:nvPicPr>
-          <p:cNvPr id="334" name="Google Shape;334;p32"/>
+          <p:cNvPr id="341" name="Google Shape;341;p33"/>
           <p:cNvPicPr preferRelativeResize="0"/>
           <p:nvPr/>
         </p:nvPicPr>
@@ -26401,7 +27205,7 @@
       </p:pic>
       <p:pic>
         <p:nvPicPr>
-          <p:cNvPr id="335" name="Google Shape;335;p32"/>
+          <p:cNvPr id="342" name="Google Shape;342;p33"/>
           <p:cNvPicPr preferRelativeResize="0"/>
           <p:nvPr/>
         </p:nvPicPr>
@@ -26429,7 +27233,7 @@
       </p:pic>
       <p:cxnSp>
         <p:nvCxnSpPr>
-          <p:cNvPr id="336" name="Google Shape;336;p32"/>
+          <p:cNvPr id="343" name="Google Shape;343;p33"/>
           <p:cNvCxnSpPr/>
           <p:nvPr/>
         </p:nvCxnSpPr>
@@ -26455,7 +27259,7 @@
       </p:cxnSp>
       <p:sp>
         <p:nvSpPr>
-          <p:cNvPr id="337" name="Google Shape;337;p32"/>
+          <p:cNvPr id="344" name="Google Shape;344;p33"/>
           <p:cNvSpPr txBox="1"/>
           <p:nvPr/>
         </p:nvSpPr>
@@ -26525,7 +27329,7 @@
       </p:sp>
       <p:cxnSp>
         <p:nvCxnSpPr>
-          <p:cNvPr id="338" name="Google Shape;338;p32"/>
+          <p:cNvPr id="345" name="Google Shape;345;p33"/>
           <p:cNvCxnSpPr/>
           <p:nvPr/>
         </p:nvCxnSpPr>
@@ -26551,7 +27355,7 @@
       </p:cxnSp>
       <p:sp>
         <p:nvSpPr>
-          <p:cNvPr id="339" name="Google Shape;339;p32"/>
+          <p:cNvPr id="346" name="Google Shape;346;p33"/>
           <p:cNvSpPr txBox="1"/>
           <p:nvPr/>
         </p:nvSpPr>
@@ -26621,7 +27425,7 @@
       </p:sp>
       <p:sp>
         <p:nvSpPr>
-          <p:cNvPr id="340" name="Google Shape;340;p32"/>
+          <p:cNvPr id="347" name="Google Shape;347;p33"/>
           <p:cNvSpPr txBox="1"/>
           <p:nvPr/>
         </p:nvSpPr>
@@ -26691,7 +27495,7 @@
       </p:sp>
       <p:sp>
         <p:nvSpPr>
-          <p:cNvPr id="341" name="Google Shape;341;p32"/>
+          <p:cNvPr id="348" name="Google Shape;348;p33"/>
           <p:cNvSpPr txBox="1"/>
           <p:nvPr/>
         </p:nvSpPr>
@@ -26749,7 +27553,7 @@
       </p:sp>
       <p:pic>
         <p:nvPicPr>
-          <p:cNvPr id="342" name="Google Shape;342;p32"/>
+          <p:cNvPr id="349" name="Google Shape;349;p33"/>
           <p:cNvPicPr preferRelativeResize="0"/>
           <p:nvPr/>
         </p:nvPicPr>
@@ -26777,7 +27581,7 @@
       </p:pic>
       <p:pic>
         <p:nvPicPr>
-          <p:cNvPr id="343" name="Google Shape;343;p32"/>
+          <p:cNvPr id="350" name="Google Shape;350;p33"/>
           <p:cNvPicPr preferRelativeResize="0"/>
           <p:nvPr/>
         </p:nvPicPr>
@@ -26811,12 +27615,12 @@
 </p:sld>
 </file>
 
-<file path=ppt/slides/slide21.xml><?xml version="1.0" encoding="utf-8"?>
+<file path=ppt/slides/slide22.xml><?xml version="1.0" encoding="utf-8"?>
 <p:sld xmlns:a="http://schemas.openxmlformats.org/drawingml/2006/main" xmlns:r="http://schemas.openxmlformats.org/officeDocument/2006/relationships" xmlns:mc="http://schemas.openxmlformats.org/markup-compatibility/2006" xmlns:mv="urn:schemas-microsoft-com:mac:vml" xmlns:p="http://schemas.openxmlformats.org/presentationml/2006/main" xmlns:c="http://schemas.openxmlformats.org/drawingml/2006/chart" xmlns:dgm="http://schemas.openxmlformats.org/drawingml/2006/diagram" xmlns:o="urn:schemas-microsoft-com:office:office" xmlns:v="urn:schemas-microsoft-com:vml" xmlns:pvml="urn:schemas-microsoft-com:office:powerpoint" xmlns:com="http://schemas.openxmlformats.org/drawingml/2006/compatibility" xmlns:p14="http://schemas.microsoft.com/office/powerpoint/2010/main" xmlns:p15="http://schemas.microsoft.com/office/powerpoint/2012/main" xmlns:ahyp="http://schemas.microsoft.com/office/drawing/2018/hyperlinkcolor">
   <p:cSld>
     <p:spTree>
       <p:nvGrpSpPr>
-        <p:cNvPr id="347" name="Shape 347"/>
+        <p:cNvPr id="354" name="Shape 354"/>
         <p:cNvGrpSpPr/>
         <p:nvPr/>
       </p:nvGrpSpPr>
@@ -26830,7 +27634,7 @@
       </p:grpSpPr>
       <p:sp>
         <p:nvSpPr>
-          <p:cNvPr id="348" name="Google Shape;348;p33"/>
+          <p:cNvPr id="355" name="Google Shape;355;p34"/>
           <p:cNvSpPr txBox="1"/>
           <p:nvPr>
             <p:ph type="title"/>
@@ -26893,7 +27697,7 @@
       </p:sp>
       <p:sp>
         <p:nvSpPr>
-          <p:cNvPr id="349" name="Google Shape;349;p33"/>
+          <p:cNvPr id="356" name="Google Shape;356;p34"/>
           <p:cNvSpPr txBox="1"/>
           <p:nvPr>
             <p:ph idx="12" type="sldNum"/>
@@ -26941,7 +27745,7 @@
       </p:sp>
       <p:pic>
         <p:nvPicPr>
-          <p:cNvPr id="350" name="Google Shape;350;p33"/>
+          <p:cNvPr id="357" name="Google Shape;357;p34"/>
           <p:cNvPicPr preferRelativeResize="0"/>
           <p:nvPr/>
         </p:nvPicPr>
@@ -26969,7 +27773,7 @@
       </p:pic>
       <p:sp>
         <p:nvSpPr>
-          <p:cNvPr id="351" name="Google Shape;351;p33"/>
+          <p:cNvPr id="358" name="Google Shape;358;p34"/>
           <p:cNvSpPr txBox="1"/>
           <p:nvPr/>
         </p:nvSpPr>
@@ -27210,12 +28014,12 @@
 </p:sld>
 </file>
 
-<file path=ppt/slides/slide22.xml><?xml version="1.0" encoding="utf-8"?>
+<file path=ppt/slides/slide23.xml><?xml version="1.0" encoding="utf-8"?>
 <p:sld xmlns:a="http://schemas.openxmlformats.org/drawingml/2006/main" xmlns:r="http://schemas.openxmlformats.org/officeDocument/2006/relationships" xmlns:mc="http://schemas.openxmlformats.org/markup-compatibility/2006" xmlns:mv="urn:schemas-microsoft-com:mac:vml" xmlns:p="http://schemas.openxmlformats.org/presentationml/2006/main" xmlns:c="http://schemas.openxmlformats.org/drawingml/2006/chart" xmlns:dgm="http://schemas.openxmlformats.org/drawingml/2006/diagram" xmlns:o="urn:schemas-microsoft-com:office:office" xmlns:v="urn:schemas-microsoft-com:vml" xmlns:pvml="urn:schemas-microsoft-com:office:powerpoint" xmlns:com="http://schemas.openxmlformats.org/drawingml/2006/compatibility" xmlns:p14="http://schemas.microsoft.com/office/powerpoint/2010/main" xmlns:p15="http://schemas.microsoft.com/office/powerpoint/2012/main" xmlns:ahyp="http://schemas.microsoft.com/office/drawing/2018/hyperlinkcolor">
   <p:cSld>
     <p:spTree>
       <p:nvGrpSpPr>
-        <p:cNvPr id="355" name="Shape 355"/>
+        <p:cNvPr id="362" name="Shape 362"/>
         <p:cNvGrpSpPr/>
         <p:nvPr/>
       </p:nvGrpSpPr>
@@ -27229,7 +28033,7 @@
       </p:grpSpPr>
       <p:sp>
         <p:nvSpPr>
-          <p:cNvPr id="356" name="Google Shape;356;p34"/>
+          <p:cNvPr id="363" name="Google Shape;363;p35"/>
           <p:cNvSpPr txBox="1"/>
           <p:nvPr>
             <p:ph type="title"/>
@@ -27292,7 +28096,7 @@
       </p:sp>
       <p:sp>
         <p:nvSpPr>
-          <p:cNvPr id="357" name="Google Shape;357;p34"/>
+          <p:cNvPr id="364" name="Google Shape;364;p35"/>
           <p:cNvSpPr txBox="1"/>
           <p:nvPr>
             <p:ph idx="12" type="sldNum"/>
@@ -27340,7 +28144,7 @@
       </p:sp>
       <p:sp>
         <p:nvSpPr>
-          <p:cNvPr id="358" name="Google Shape;358;p34"/>
+          <p:cNvPr id="365" name="Google Shape;365;p35"/>
           <p:cNvSpPr txBox="1"/>
           <p:nvPr/>
         </p:nvSpPr>
@@ -27489,7 +28293,7 @@
       </p:sp>
       <p:pic>
         <p:nvPicPr>
-          <p:cNvPr id="359" name="Google Shape;359;p34"/>
+          <p:cNvPr id="366" name="Google Shape;366;p35"/>
           <p:cNvPicPr preferRelativeResize="0"/>
           <p:nvPr/>
         </p:nvPicPr>
@@ -27517,7 +28321,7 @@
       </p:pic>
       <p:pic>
         <p:nvPicPr>
-          <p:cNvPr id="360" name="Google Shape;360;p34"/>
+          <p:cNvPr id="367" name="Google Shape;367;p35"/>
           <p:cNvPicPr preferRelativeResize="0"/>
           <p:nvPr/>
         </p:nvPicPr>
@@ -28872,7 +29676,7 @@
                   <a:srgbClr val="AEABAB"/>
                 </a:solidFill>
               </a:rPr>
-              <a:t>(1) Enabling the envelope globally</a:t>
+              <a:t>Goals of today’s Interim meeting</a:t>
             </a:r>
             <a:endParaRPr sz="4100"/>
           </a:p>
@@ -28935,6 +29739,427 @@
         <p:spPr>
           <a:xfrm>
             <a:off x="838200" y="1522975"/>
+            <a:ext cx="11222400" cy="3001500"/>
+          </a:xfrm>
+          <a:prstGeom prst="rect">
+            <a:avLst/>
+          </a:prstGeom>
+          <a:noFill/>
+          <a:ln>
+            <a:noFill/>
+          </a:ln>
+        </p:spPr>
+        <p:txBody>
+          <a:bodyPr anchorCtr="0" anchor="t" bIns="91425" lIns="91425" spcFirstLastPara="1" rIns="91425" wrap="square" tIns="91425">
+            <a:spAutoFit/>
+          </a:bodyPr>
+          <a:lstStyle/>
+          <a:p>
+            <a:pPr indent="-349250" lvl="0" marL="457200" rtl="0" algn="l">
+              <a:spcBef>
+                <a:spcPts val="0"/>
+              </a:spcBef>
+              <a:spcAft>
+                <a:spcPts val="0"/>
+              </a:spcAft>
+              <a:buClr>
+                <a:schemeClr val="dk1"/>
+              </a:buClr>
+              <a:buSzPts val="1900"/>
+              <a:buFont typeface="Calibri"/>
+              <a:buChar char="●"/>
+            </a:pPr>
+            <a:r>
+              <a:rPr lang="de-CH" sz="1900">
+                <a:solidFill>
+                  <a:schemeClr val="dk1"/>
+                </a:solidFill>
+                <a:latin typeface="Calibri"/>
+                <a:ea typeface="Calibri"/>
+                <a:cs typeface="Calibri"/>
+                <a:sym typeface="Calibri"/>
+              </a:rPr>
+              <a:t>Confirm current draft direction</a:t>
+            </a:r>
+            <a:endParaRPr sz="1900">
+              <a:solidFill>
+                <a:schemeClr val="dk1"/>
+              </a:solidFill>
+              <a:latin typeface="Calibri"/>
+              <a:ea typeface="Calibri"/>
+              <a:cs typeface="Calibri"/>
+              <a:sym typeface="Calibri"/>
+            </a:endParaRPr>
+          </a:p>
+          <a:p>
+            <a:pPr indent="-349250" lvl="1" marL="914400" rtl="0" algn="l">
+              <a:spcBef>
+                <a:spcPts val="1000"/>
+              </a:spcBef>
+              <a:spcAft>
+                <a:spcPts val="0"/>
+              </a:spcAft>
+              <a:buClr>
+                <a:schemeClr val="dk1"/>
+              </a:buClr>
+              <a:buSzPts val="1900"/>
+              <a:buFont typeface="Calibri"/>
+              <a:buChar char="○"/>
+            </a:pPr>
+            <a:r>
+              <a:rPr lang="de-CH" sz="1900">
+                <a:solidFill>
+                  <a:schemeClr val="dk1"/>
+                </a:solidFill>
+                <a:latin typeface="Calibri"/>
+                <a:ea typeface="Calibri"/>
+                <a:cs typeface="Calibri"/>
+                <a:sym typeface="Calibri"/>
+              </a:rPr>
+              <a:t>(1) Envelope is enabled and disabled globally via an RPC</a:t>
+            </a:r>
+            <a:endParaRPr sz="1900">
+              <a:solidFill>
+                <a:schemeClr val="dk1"/>
+              </a:solidFill>
+              <a:latin typeface="Calibri"/>
+              <a:ea typeface="Calibri"/>
+              <a:cs typeface="Calibri"/>
+              <a:sym typeface="Calibri"/>
+            </a:endParaRPr>
+          </a:p>
+          <a:p>
+            <a:pPr indent="-349250" lvl="2" marL="1371600" rtl="0" algn="l">
+              <a:spcBef>
+                <a:spcPts val="1000"/>
+              </a:spcBef>
+              <a:spcAft>
+                <a:spcPts val="0"/>
+              </a:spcAft>
+              <a:buClr>
+                <a:schemeClr val="dk1"/>
+              </a:buClr>
+              <a:buSzPts val="1900"/>
+              <a:buFont typeface="Calibri"/>
+              <a:buChar char="■"/>
+            </a:pPr>
+            <a:r>
+              <a:rPr lang="de-CH" sz="1900">
+                <a:solidFill>
+                  <a:schemeClr val="dk1"/>
+                </a:solidFill>
+                <a:latin typeface="Calibri"/>
+                <a:ea typeface="Calibri"/>
+                <a:cs typeface="Calibri"/>
+                <a:sym typeface="Calibri"/>
+              </a:rPr>
+              <a:t>Whether this approach is the best?</a:t>
+            </a:r>
+            <a:endParaRPr sz="1900">
+              <a:solidFill>
+                <a:schemeClr val="dk1"/>
+              </a:solidFill>
+              <a:latin typeface="Calibri"/>
+              <a:ea typeface="Calibri"/>
+              <a:cs typeface="Calibri"/>
+              <a:sym typeface="Calibri"/>
+            </a:endParaRPr>
+          </a:p>
+          <a:p>
+            <a:pPr indent="-349250" lvl="2" marL="1371600" rtl="0" algn="l">
+              <a:spcBef>
+                <a:spcPts val="1000"/>
+              </a:spcBef>
+              <a:spcAft>
+                <a:spcPts val="0"/>
+              </a:spcAft>
+              <a:buClr>
+                <a:schemeClr val="dk1"/>
+              </a:buClr>
+              <a:buSzPts val="1900"/>
+              <a:buFont typeface="Calibri"/>
+              <a:buChar char="■"/>
+            </a:pPr>
+            <a:r>
+              <a:rPr lang="de-CH" sz="1900">
+                <a:solidFill>
+                  <a:schemeClr val="dk1"/>
+                </a:solidFill>
+                <a:latin typeface="Calibri"/>
+                <a:ea typeface="Calibri"/>
+                <a:cs typeface="Calibri"/>
+                <a:sym typeface="Calibri"/>
+              </a:rPr>
+              <a:t>If not, which approach should we follow?</a:t>
+            </a:r>
+            <a:endParaRPr sz="1900">
+              <a:solidFill>
+                <a:schemeClr val="dk1"/>
+              </a:solidFill>
+              <a:latin typeface="Calibri"/>
+              <a:ea typeface="Calibri"/>
+              <a:cs typeface="Calibri"/>
+              <a:sym typeface="Calibri"/>
+            </a:endParaRPr>
+          </a:p>
+          <a:p>
+            <a:pPr indent="-349250" lvl="1" marL="914400" rtl="0" algn="l">
+              <a:spcBef>
+                <a:spcPts val="1000"/>
+              </a:spcBef>
+              <a:spcAft>
+                <a:spcPts val="0"/>
+              </a:spcAft>
+              <a:buClr>
+                <a:schemeClr val="dk1"/>
+              </a:buClr>
+              <a:buSzPts val="1900"/>
+              <a:buFont typeface="Calibri"/>
+              <a:buChar char="○"/>
+            </a:pPr>
+            <a:r>
+              <a:rPr lang="de-CH" sz="1900">
+                <a:solidFill>
+                  <a:schemeClr val="dk1"/>
+                </a:solidFill>
+                <a:latin typeface="Calibri"/>
+                <a:ea typeface="Calibri"/>
+                <a:cs typeface="Calibri"/>
+                <a:sym typeface="Calibri"/>
+              </a:rPr>
+              <a:t>(2) Added Observation Timestamp extension [draft-tgraf-netconf-yang-push-observation-time]</a:t>
+            </a:r>
+            <a:endParaRPr sz="1900">
+              <a:solidFill>
+                <a:schemeClr val="dk1"/>
+              </a:solidFill>
+              <a:latin typeface="Calibri"/>
+              <a:ea typeface="Calibri"/>
+              <a:cs typeface="Calibri"/>
+              <a:sym typeface="Calibri"/>
+            </a:endParaRPr>
+          </a:p>
+          <a:p>
+            <a:pPr indent="-349250" lvl="2" marL="1371600" rtl="0" algn="l">
+              <a:spcBef>
+                <a:spcPts val="1000"/>
+              </a:spcBef>
+              <a:spcAft>
+                <a:spcPts val="0"/>
+              </a:spcAft>
+              <a:buClr>
+                <a:schemeClr val="dk1"/>
+              </a:buClr>
+              <a:buSzPts val="1900"/>
+              <a:buFont typeface="Calibri"/>
+              <a:buChar char="■"/>
+            </a:pPr>
+            <a:r>
+              <a:rPr lang="de-CH" sz="1900">
+                <a:solidFill>
+                  <a:schemeClr val="dk1"/>
+                </a:solidFill>
+                <a:latin typeface="Calibri"/>
+                <a:ea typeface="Calibri"/>
+                <a:cs typeface="Calibri"/>
+                <a:sym typeface="Calibri"/>
+              </a:rPr>
+              <a:t>Confirm interest on Observation Timestamp</a:t>
+            </a:r>
+            <a:endParaRPr sz="1900">
+              <a:solidFill>
+                <a:schemeClr val="dk1"/>
+              </a:solidFill>
+              <a:latin typeface="Calibri"/>
+              <a:ea typeface="Calibri"/>
+              <a:cs typeface="Calibri"/>
+              <a:sym typeface="Calibri"/>
+            </a:endParaRPr>
+          </a:p>
+          <a:p>
+            <a:pPr indent="-349250" lvl="2" marL="1371600" rtl="0" algn="l">
+              <a:spcBef>
+                <a:spcPts val="1000"/>
+              </a:spcBef>
+              <a:spcAft>
+                <a:spcPts val="1000"/>
+              </a:spcAft>
+              <a:buClr>
+                <a:schemeClr val="dk1"/>
+              </a:buClr>
+              <a:buSzPts val="1900"/>
+              <a:buFont typeface="Calibri"/>
+              <a:buChar char="■"/>
+            </a:pPr>
+            <a:r>
+              <a:rPr lang="de-CH" sz="1900">
+                <a:solidFill>
+                  <a:schemeClr val="dk1"/>
+                </a:solidFill>
+                <a:latin typeface="Calibri"/>
+                <a:ea typeface="Calibri"/>
+                <a:cs typeface="Calibri"/>
+                <a:sym typeface="Calibri"/>
+              </a:rPr>
+              <a:t>Confirm current approach </a:t>
+            </a:r>
+            <a:endParaRPr sz="1900">
+              <a:solidFill>
+                <a:schemeClr val="dk1"/>
+              </a:solidFill>
+              <a:latin typeface="Calibri"/>
+              <a:ea typeface="Calibri"/>
+              <a:cs typeface="Calibri"/>
+              <a:sym typeface="Calibri"/>
+            </a:endParaRPr>
+          </a:p>
+        </p:txBody>
+      </p:sp>
+    </p:spTree>
+  </p:cSld>
+  <p:clrMapOvr>
+    <a:masterClrMapping/>
+  </p:clrMapOvr>
+</p:sld>
+</file>
+
+<file path=ppt/slides/slide7.xml><?xml version="1.0" encoding="utf-8"?>
+<p:sld xmlns:a="http://schemas.openxmlformats.org/drawingml/2006/main" xmlns:r="http://schemas.openxmlformats.org/officeDocument/2006/relationships" xmlns:mc="http://schemas.openxmlformats.org/markup-compatibility/2006" xmlns:mv="urn:schemas-microsoft-com:mac:vml" xmlns:p="http://schemas.openxmlformats.org/presentationml/2006/main" xmlns:c="http://schemas.openxmlformats.org/drawingml/2006/chart" xmlns:dgm="http://schemas.openxmlformats.org/drawingml/2006/diagram" xmlns:o="urn:schemas-microsoft-com:office:office" xmlns:v="urn:schemas-microsoft-com:vml" xmlns:pvml="urn:schemas-microsoft-com:office:powerpoint" xmlns:com="http://schemas.openxmlformats.org/drawingml/2006/compatibility" xmlns:p14="http://schemas.microsoft.com/office/powerpoint/2010/main" xmlns:p15="http://schemas.microsoft.com/office/powerpoint/2012/main" xmlns:ahyp="http://schemas.microsoft.com/office/drawing/2018/hyperlinkcolor">
+  <p:cSld>
+    <p:spTree>
+      <p:nvGrpSpPr>
+        <p:cNvPr id="147" name="Shape 147"/>
+        <p:cNvGrpSpPr/>
+        <p:nvPr/>
+      </p:nvGrpSpPr>
+      <p:grpSpPr>
+        <a:xfrm>
+          <a:off x="0" y="0"/>
+          <a:ext cx="0" cy="0"/>
+          <a:chOff x="0" y="0"/>
+          <a:chExt cx="0" cy="0"/>
+        </a:xfrm>
+      </p:grpSpPr>
+      <p:sp>
+        <p:nvSpPr>
+          <p:cNvPr id="148" name="Google Shape;148;p19"/>
+          <p:cNvSpPr txBox="1"/>
+          <p:nvPr>
+            <p:ph type="title"/>
+          </p:nvPr>
+        </p:nvSpPr>
+        <p:spPr>
+          <a:xfrm>
+            <a:off x="838200" y="365125"/>
+            <a:ext cx="10515600" cy="1325700"/>
+          </a:xfrm>
+          <a:prstGeom prst="rect">
+            <a:avLst/>
+          </a:prstGeom>
+          <a:noFill/>
+          <a:ln>
+            <a:noFill/>
+          </a:ln>
+        </p:spPr>
+        <p:txBody>
+          <a:bodyPr anchorCtr="0" anchor="ctr" bIns="45700" lIns="91425" spcFirstLastPara="1" rIns="91425" wrap="square" tIns="45700">
+            <a:normAutofit/>
+          </a:bodyPr>
+          <a:lstStyle/>
+          <a:p>
+            <a:pPr indent="0" lvl="0" marL="0" rtl="0" algn="l">
+              <a:lnSpc>
+                <a:spcPct val="90000"/>
+              </a:lnSpc>
+              <a:spcBef>
+                <a:spcPts val="0"/>
+              </a:spcBef>
+              <a:spcAft>
+                <a:spcPts val="0"/>
+              </a:spcAft>
+              <a:buClr>
+                <a:schemeClr val="dk1"/>
+              </a:buClr>
+              <a:buSzPts val="2800"/>
+              <a:buFont typeface="Calibri"/>
+              <a:buNone/>
+            </a:pPr>
+            <a:r>
+              <a:rPr b="1" lang="de-CH" sz="2800"/>
+              <a:t>Extensible YANG model for YANG-Push Notifications</a:t>
+            </a:r>
+            <a:br>
+              <a:rPr lang="de-CH" sz="3600"/>
+            </a:br>
+            <a:r>
+              <a:rPr lang="de-CH" sz="2400">
+                <a:solidFill>
+                  <a:srgbClr val="AEABAB"/>
+                </a:solidFill>
+              </a:rPr>
+              <a:t>(1) Enabling the envelope globally</a:t>
+            </a:r>
+            <a:endParaRPr sz="4100"/>
+          </a:p>
+        </p:txBody>
+      </p:sp>
+      <p:sp>
+        <p:nvSpPr>
+          <p:cNvPr id="149" name="Google Shape;149;p19"/>
+          <p:cNvSpPr txBox="1"/>
+          <p:nvPr>
+            <p:ph idx="12" type="sldNum"/>
+          </p:nvPr>
+        </p:nvSpPr>
+        <p:spPr>
+          <a:xfrm>
+            <a:off x="11510000" y="6362700"/>
+            <a:ext cx="512100" cy="365100"/>
+          </a:xfrm>
+          <a:prstGeom prst="rect">
+            <a:avLst/>
+          </a:prstGeom>
+          <a:noFill/>
+          <a:ln>
+            <a:noFill/>
+          </a:ln>
+        </p:spPr>
+        <p:txBody>
+          <a:bodyPr anchorCtr="0" anchor="ctr" bIns="45700" lIns="91425" spcFirstLastPara="1" rIns="91425" wrap="square" tIns="45700">
+            <a:noAutofit/>
+          </a:bodyPr>
+          <a:lstStyle/>
+          <a:p>
+            <a:pPr indent="0" lvl="0" marL="0" rtl="0" algn="r">
+              <a:lnSpc>
+                <a:spcPct val="100000"/>
+              </a:lnSpc>
+              <a:spcBef>
+                <a:spcPts val="0"/>
+              </a:spcBef>
+              <a:spcAft>
+                <a:spcPts val="0"/>
+              </a:spcAft>
+              <a:buSzPts val="2200"/>
+              <a:buNone/>
+            </a:pPr>
+            <a:fld id="{00000000-1234-1234-1234-123412341234}" type="slidenum">
+              <a:rPr lang="de-CH" sz="2200"/>
+              <a:t>‹#›</a:t>
+            </a:fld>
+            <a:endParaRPr sz="2200"/>
+          </a:p>
+        </p:txBody>
+      </p:sp>
+      <p:sp>
+        <p:nvSpPr>
+          <p:cNvPr id="150" name="Google Shape;150;p19"/>
+          <p:cNvSpPr txBox="1"/>
+          <p:nvPr/>
+        </p:nvSpPr>
+        <p:spPr>
+          <a:xfrm>
+            <a:off x="838200" y="1522975"/>
             <a:ext cx="11068800" cy="2824500"/>
           </a:xfrm>
           <a:prstGeom prst="rect">
@@ -29202,7 +30427,7 @@
       </p:sp>
       <p:pic>
         <p:nvPicPr>
-          <p:cNvPr id="144" name="Google Shape;144;p18"/>
+          <p:cNvPr id="151" name="Google Shape;151;p19"/>
           <p:cNvPicPr preferRelativeResize="0"/>
           <p:nvPr/>
         </p:nvPicPr>
@@ -29230,7 +30455,7 @@
       </p:pic>
       <p:pic>
         <p:nvPicPr>
-          <p:cNvPr id="145" name="Google Shape;145;p18"/>
+          <p:cNvPr id="152" name="Google Shape;152;p19"/>
           <p:cNvPicPr preferRelativeResize="0"/>
           <p:nvPr/>
         </p:nvPicPr>
@@ -29258,7 +30483,7 @@
       </p:pic>
       <p:sp>
         <p:nvSpPr>
-          <p:cNvPr id="146" name="Google Shape;146;p18"/>
+          <p:cNvPr id="153" name="Google Shape;153;p19"/>
           <p:cNvSpPr/>
           <p:nvPr/>
         </p:nvSpPr>
@@ -29310,7 +30535,7 @@
       </p:sp>
       <p:sp>
         <p:nvSpPr>
-          <p:cNvPr id="147" name="Google Shape;147;p18"/>
+          <p:cNvPr id="154" name="Google Shape;154;p19"/>
           <p:cNvSpPr/>
           <p:nvPr/>
         </p:nvSpPr>
@@ -29368,12 +30593,12 @@
 </p:sld>
 </file>
 
-<file path=ppt/slides/slide7.xml><?xml version="1.0" encoding="utf-8"?>
+<file path=ppt/slides/slide8.xml><?xml version="1.0" encoding="utf-8"?>
 <p:sld xmlns:a="http://schemas.openxmlformats.org/drawingml/2006/main" xmlns:r="http://schemas.openxmlformats.org/officeDocument/2006/relationships" xmlns:mc="http://schemas.openxmlformats.org/markup-compatibility/2006" xmlns:mv="urn:schemas-microsoft-com:mac:vml" xmlns:p="http://schemas.openxmlformats.org/presentationml/2006/main" xmlns:c="http://schemas.openxmlformats.org/drawingml/2006/chart" xmlns:dgm="http://schemas.openxmlformats.org/drawingml/2006/diagram" xmlns:o="urn:schemas-microsoft-com:office:office" xmlns:v="urn:schemas-microsoft-com:vml" xmlns:pvml="urn:schemas-microsoft-com:office:powerpoint" xmlns:com="http://schemas.openxmlformats.org/drawingml/2006/compatibility" xmlns:p14="http://schemas.microsoft.com/office/powerpoint/2010/main" xmlns:p15="http://schemas.microsoft.com/office/powerpoint/2012/main" xmlns:ahyp="http://schemas.microsoft.com/office/drawing/2018/hyperlinkcolor">
   <p:cSld>
     <p:spTree>
       <p:nvGrpSpPr>
-        <p:cNvPr id="151" name="Shape 151"/>
+        <p:cNvPr id="158" name="Shape 158"/>
         <p:cNvGrpSpPr/>
         <p:nvPr/>
       </p:nvGrpSpPr>
@@ -29387,7 +30612,7 @@
       </p:grpSpPr>
       <p:sp>
         <p:nvSpPr>
-          <p:cNvPr id="152" name="Google Shape;152;p19"/>
+          <p:cNvPr id="159" name="Google Shape;159;p20"/>
           <p:cNvSpPr txBox="1"/>
           <p:nvPr>
             <p:ph type="title"/>
@@ -29450,7 +30675,7 @@
       </p:sp>
       <p:sp>
         <p:nvSpPr>
-          <p:cNvPr id="153" name="Google Shape;153;p19"/>
+          <p:cNvPr id="160" name="Google Shape;160;p20"/>
           <p:cNvSpPr txBox="1"/>
           <p:nvPr>
             <p:ph idx="12" type="sldNum"/>
@@ -29498,7 +30723,7 @@
       </p:sp>
       <p:pic>
         <p:nvPicPr>
-          <p:cNvPr id="154" name="Google Shape;154;p19"/>
+          <p:cNvPr id="161" name="Google Shape;161;p20"/>
           <p:cNvPicPr preferRelativeResize="0"/>
           <p:nvPr/>
         </p:nvPicPr>
@@ -29526,7 +30751,7 @@
       </p:pic>
       <p:sp>
         <p:nvSpPr>
-          <p:cNvPr id="155" name="Google Shape;155;p19"/>
+          <p:cNvPr id="162" name="Google Shape;162;p20"/>
           <p:cNvSpPr/>
           <p:nvPr/>
         </p:nvSpPr>
@@ -29576,10 +30801,10 @@
       </p:sp>
       <p:cxnSp>
         <p:nvCxnSpPr>
-          <p:cNvPr id="156" name="Google Shape;156;p19"/>
+          <p:cNvPr id="163" name="Google Shape;163;p20"/>
           <p:cNvCxnSpPr>
-            <a:stCxn id="154" idx="3"/>
-            <a:endCxn id="155" idx="2"/>
+            <a:stCxn id="161" idx="3"/>
+            <a:endCxn id="162" idx="2"/>
           </p:cNvCxnSpPr>
           <p:nvPr/>
         </p:nvCxnSpPr>
@@ -29605,7 +30830,7 @@
       </p:cxnSp>
       <p:sp>
         <p:nvSpPr>
-          <p:cNvPr id="157" name="Google Shape;157;p19"/>
+          <p:cNvPr id="164" name="Google Shape;164;p20"/>
           <p:cNvSpPr txBox="1"/>
           <p:nvPr/>
         </p:nvSpPr>
@@ -29647,7 +30872,7 @@
       </p:sp>
       <p:sp>
         <p:nvSpPr>
-          <p:cNvPr id="158" name="Google Shape;158;p19"/>
+          <p:cNvPr id="165" name="Google Shape;165;p20"/>
           <p:cNvSpPr txBox="1"/>
           <p:nvPr/>
         </p:nvSpPr>
@@ -29705,7 +30930,7 @@
       </p:sp>
       <p:pic>
         <p:nvPicPr>
-          <p:cNvPr id="159" name="Google Shape;159;p19"/>
+          <p:cNvPr id="166" name="Google Shape;166;p20"/>
           <p:cNvPicPr preferRelativeResize="0"/>
           <p:nvPr/>
         </p:nvPicPr>
@@ -29733,7 +30958,7 @@
       </p:pic>
       <p:pic>
         <p:nvPicPr>
-          <p:cNvPr id="160" name="Google Shape;160;p19"/>
+          <p:cNvPr id="167" name="Google Shape;167;p20"/>
           <p:cNvPicPr preferRelativeResize="0"/>
           <p:nvPr/>
         </p:nvPicPr>
@@ -29761,7 +30986,7 @@
       </p:pic>
       <p:cxnSp>
         <p:nvCxnSpPr>
-          <p:cNvPr id="161" name="Google Shape;161;p19"/>
+          <p:cNvPr id="168" name="Google Shape;168;p20"/>
           <p:cNvCxnSpPr/>
           <p:nvPr/>
         </p:nvCxnSpPr>
@@ -29787,7 +31012,7 @@
       </p:cxnSp>
       <p:sp>
         <p:nvSpPr>
-          <p:cNvPr id="162" name="Google Shape;162;p19"/>
+          <p:cNvPr id="169" name="Google Shape;169;p20"/>
           <p:cNvSpPr txBox="1"/>
           <p:nvPr/>
         </p:nvSpPr>
@@ -29857,7 +31082,7 @@
       </p:sp>
       <p:cxnSp>
         <p:nvCxnSpPr>
-          <p:cNvPr id="163" name="Google Shape;163;p19"/>
+          <p:cNvPr id="170" name="Google Shape;170;p20"/>
           <p:cNvCxnSpPr/>
           <p:nvPr/>
         </p:nvCxnSpPr>
@@ -29883,7 +31108,7 @@
       </p:cxnSp>
       <p:sp>
         <p:nvSpPr>
-          <p:cNvPr id="164" name="Google Shape;164;p19"/>
+          <p:cNvPr id="171" name="Google Shape;171;p20"/>
           <p:cNvSpPr txBox="1"/>
           <p:nvPr/>
         </p:nvSpPr>
@@ -29929,7 +31154,7 @@
       </p:sp>
       <p:sp>
         <p:nvSpPr>
-          <p:cNvPr id="165" name="Google Shape;165;p19"/>
+          <p:cNvPr id="172" name="Google Shape;172;p20"/>
           <p:cNvSpPr txBox="1"/>
           <p:nvPr/>
         </p:nvSpPr>
@@ -29987,7 +31212,7 @@
       </p:sp>
       <p:pic>
         <p:nvPicPr>
-          <p:cNvPr id="166" name="Google Shape;166;p19"/>
+          <p:cNvPr id="173" name="Google Shape;173;p20"/>
           <p:cNvPicPr preferRelativeResize="0"/>
           <p:nvPr/>
         </p:nvPicPr>
@@ -30015,7 +31240,7 @@
       </p:pic>
       <p:pic>
         <p:nvPicPr>
-          <p:cNvPr id="167" name="Google Shape;167;p19"/>
+          <p:cNvPr id="174" name="Google Shape;174;p20"/>
           <p:cNvPicPr preferRelativeResize="0"/>
           <p:nvPr/>
         </p:nvPicPr>
@@ -30043,7 +31268,7 @@
       </p:pic>
       <p:cxnSp>
         <p:nvCxnSpPr>
-          <p:cNvPr id="168" name="Google Shape;168;p19"/>
+          <p:cNvPr id="175" name="Google Shape;175;p20"/>
           <p:cNvCxnSpPr/>
           <p:nvPr/>
         </p:nvCxnSpPr>
@@ -30069,7 +31294,7 @@
       </p:cxnSp>
       <p:sp>
         <p:nvSpPr>
-          <p:cNvPr id="169" name="Google Shape;169;p19"/>
+          <p:cNvPr id="176" name="Google Shape;176;p20"/>
           <p:cNvSpPr txBox="1"/>
           <p:nvPr/>
         </p:nvSpPr>
@@ -30111,7 +31336,7 @@
       </p:sp>
       <p:pic>
         <p:nvPicPr>
-          <p:cNvPr id="170" name="Google Shape;170;p19"/>
+          <p:cNvPr id="177" name="Google Shape;177;p20"/>
           <p:cNvPicPr preferRelativeResize="0"/>
           <p:nvPr/>
         </p:nvPicPr>
@@ -30139,7 +31364,7 @@
       </p:pic>
       <p:sp>
         <p:nvSpPr>
-          <p:cNvPr id="171" name="Google Shape;171;p19"/>
+          <p:cNvPr id="178" name="Google Shape;178;p20"/>
           <p:cNvSpPr/>
           <p:nvPr/>
         </p:nvSpPr>
@@ -30189,7 +31414,7 @@
       </p:sp>
       <p:pic>
         <p:nvPicPr>
-          <p:cNvPr id="172" name="Google Shape;172;p19"/>
+          <p:cNvPr id="179" name="Google Shape;179;p20"/>
           <p:cNvPicPr preferRelativeResize="0"/>
           <p:nvPr/>
         </p:nvPicPr>
@@ -30217,7 +31442,7 @@
       </p:pic>
       <p:cxnSp>
         <p:nvCxnSpPr>
-          <p:cNvPr id="173" name="Google Shape;173;p19"/>
+          <p:cNvPr id="180" name="Google Shape;180;p20"/>
           <p:cNvCxnSpPr/>
           <p:nvPr/>
         </p:nvCxnSpPr>
@@ -30243,7 +31468,7 @@
       </p:cxnSp>
       <p:sp>
         <p:nvSpPr>
-          <p:cNvPr id="174" name="Google Shape;174;p19"/>
+          <p:cNvPr id="181" name="Google Shape;181;p20"/>
           <p:cNvSpPr txBox="1"/>
           <p:nvPr/>
         </p:nvSpPr>
@@ -30285,7 +31510,7 @@
       </p:sp>
       <p:cxnSp>
         <p:nvCxnSpPr>
-          <p:cNvPr id="175" name="Google Shape;175;p19"/>
+          <p:cNvPr id="182" name="Google Shape;182;p20"/>
           <p:cNvCxnSpPr/>
           <p:nvPr/>
         </p:nvCxnSpPr>
@@ -30311,7 +31536,7 @@
       </p:cxnSp>
       <p:sp>
         <p:nvSpPr>
-          <p:cNvPr id="176" name="Google Shape;176;p19"/>
+          <p:cNvPr id="183" name="Google Shape;183;p20"/>
           <p:cNvSpPr txBox="1"/>
           <p:nvPr/>
         </p:nvSpPr>
@@ -30353,7 +31578,7 @@
       </p:sp>
       <p:pic>
         <p:nvPicPr>
-          <p:cNvPr id="177" name="Google Shape;177;p19"/>
+          <p:cNvPr id="184" name="Google Shape;184;p20"/>
           <p:cNvPicPr preferRelativeResize="0"/>
           <p:nvPr/>
         </p:nvPicPr>
@@ -30381,7 +31606,7 @@
       </p:pic>
       <p:pic>
         <p:nvPicPr>
-          <p:cNvPr id="178" name="Google Shape;178;p19"/>
+          <p:cNvPr id="185" name="Google Shape;185;p20"/>
           <p:cNvPicPr preferRelativeResize="0"/>
           <p:nvPr/>
         </p:nvPicPr>
@@ -30409,10 +31634,10 @@
       </p:pic>
       <p:cxnSp>
         <p:nvCxnSpPr>
-          <p:cNvPr id="179" name="Google Shape;179;p19"/>
+          <p:cNvPr id="186" name="Google Shape;186;p20"/>
           <p:cNvCxnSpPr>
-            <a:stCxn id="178" idx="3"/>
-            <a:endCxn id="177" idx="1"/>
+            <a:stCxn id="185" idx="3"/>
+            <a:endCxn id="184" idx="1"/>
           </p:cNvCxnSpPr>
           <p:nvPr/>
         </p:nvCxnSpPr>
@@ -30438,7 +31663,7 @@
       </p:cxnSp>
       <p:sp>
         <p:nvSpPr>
-          <p:cNvPr id="180" name="Google Shape;180;p19"/>
+          <p:cNvPr id="187" name="Google Shape;187;p20"/>
           <p:cNvSpPr txBox="1"/>
           <p:nvPr/>
         </p:nvSpPr>
@@ -30484,7 +31709,7 @@
       </p:sp>
       <p:pic>
         <p:nvPicPr>
-          <p:cNvPr id="181" name="Google Shape;181;p19"/>
+          <p:cNvPr id="188" name="Google Shape;188;p20"/>
           <p:cNvPicPr preferRelativeResize="0"/>
           <p:nvPr/>
         </p:nvPicPr>
@@ -30512,7 +31737,7 @@
       </p:pic>
       <p:cxnSp>
         <p:nvCxnSpPr>
-          <p:cNvPr id="182" name="Google Shape;182;p19"/>
+          <p:cNvPr id="189" name="Google Shape;189;p20"/>
           <p:cNvCxnSpPr/>
           <p:nvPr/>
         </p:nvCxnSpPr>
@@ -30538,7 +31763,7 @@
       </p:cxnSp>
       <p:sp>
         <p:nvSpPr>
-          <p:cNvPr id="183" name="Google Shape;183;p19"/>
+          <p:cNvPr id="190" name="Google Shape;190;p20"/>
           <p:cNvSpPr txBox="1"/>
           <p:nvPr/>
         </p:nvSpPr>
@@ -30608,7 +31833,7 @@
       </p:sp>
       <p:cxnSp>
         <p:nvCxnSpPr>
-          <p:cNvPr id="184" name="Google Shape;184;p19"/>
+          <p:cNvPr id="191" name="Google Shape;191;p20"/>
           <p:cNvCxnSpPr/>
           <p:nvPr/>
         </p:nvCxnSpPr>
@@ -30634,7 +31859,7 @@
       </p:cxnSp>
       <p:sp>
         <p:nvSpPr>
-          <p:cNvPr id="185" name="Google Shape;185;p19"/>
+          <p:cNvPr id="192" name="Google Shape;192;p20"/>
           <p:cNvSpPr txBox="1"/>
           <p:nvPr/>
         </p:nvSpPr>
@@ -30680,7 +31905,7 @@
       </p:sp>
       <p:sp>
         <p:nvSpPr>
-          <p:cNvPr id="186" name="Google Shape;186;p19"/>
+          <p:cNvPr id="193" name="Google Shape;193;p20"/>
           <p:cNvSpPr/>
           <p:nvPr/>
         </p:nvSpPr>
@@ -30730,10 +31955,10 @@
       </p:sp>
       <p:cxnSp>
         <p:nvCxnSpPr>
-          <p:cNvPr id="187" name="Google Shape;187;p19"/>
+          <p:cNvPr id="194" name="Google Shape;194;p20"/>
           <p:cNvCxnSpPr>
-            <a:stCxn id="154" idx="3"/>
-            <a:endCxn id="186" idx="2"/>
+            <a:stCxn id="161" idx="3"/>
+            <a:endCxn id="193" idx="2"/>
           </p:cNvCxnSpPr>
           <p:nvPr/>
         </p:nvCxnSpPr>
@@ -30759,7 +31984,7 @@
       </p:cxnSp>
       <p:sp>
         <p:nvSpPr>
-          <p:cNvPr id="188" name="Google Shape;188;p19"/>
+          <p:cNvPr id="195" name="Google Shape;195;p20"/>
           <p:cNvSpPr txBox="1"/>
           <p:nvPr/>
         </p:nvSpPr>
@@ -30801,7 +32026,7 @@
       </p:sp>
       <p:sp>
         <p:nvSpPr>
-          <p:cNvPr id="189" name="Google Shape;189;p19"/>
+          <p:cNvPr id="196" name="Google Shape;196;p20"/>
           <p:cNvSpPr/>
           <p:nvPr/>
         </p:nvSpPr>
@@ -30851,9 +32076,9 @@
       </p:sp>
       <p:cxnSp>
         <p:nvCxnSpPr>
-          <p:cNvPr id="190" name="Google Shape;190;p19"/>
+          <p:cNvPr id="197" name="Google Shape;197;p20"/>
           <p:cNvCxnSpPr>
-            <a:endCxn id="189" idx="2"/>
+            <a:endCxn id="196" idx="2"/>
           </p:cNvCxnSpPr>
           <p:nvPr/>
         </p:nvCxnSpPr>
@@ -30879,7 +32104,7 @@
       </p:cxnSp>
       <p:sp>
         <p:nvSpPr>
-          <p:cNvPr id="191" name="Google Shape;191;p19"/>
+          <p:cNvPr id="198" name="Google Shape;198;p20"/>
           <p:cNvSpPr txBox="1"/>
           <p:nvPr/>
         </p:nvSpPr>
@@ -30921,7 +32146,7 @@
       </p:sp>
       <p:sp>
         <p:nvSpPr>
-          <p:cNvPr id="192" name="Google Shape;192;p19"/>
+          <p:cNvPr id="199" name="Google Shape;199;p20"/>
           <p:cNvSpPr/>
           <p:nvPr/>
         </p:nvSpPr>
@@ -30971,9 +32196,9 @@
       </p:sp>
       <p:cxnSp>
         <p:nvCxnSpPr>
-          <p:cNvPr id="193" name="Google Shape;193;p19"/>
+          <p:cNvPr id="200" name="Google Shape;200;p20"/>
           <p:cNvCxnSpPr>
-            <a:endCxn id="192" idx="2"/>
+            <a:endCxn id="199" idx="2"/>
           </p:cNvCxnSpPr>
           <p:nvPr/>
         </p:nvCxnSpPr>
@@ -30999,7 +32224,7 @@
       </p:cxnSp>
       <p:sp>
         <p:nvSpPr>
-          <p:cNvPr id="194" name="Google Shape;194;p19"/>
+          <p:cNvPr id="201" name="Google Shape;201;p20"/>
           <p:cNvSpPr txBox="1"/>
           <p:nvPr/>
         </p:nvSpPr>
@@ -31041,7 +32266,7 @@
       </p:sp>
       <p:pic>
         <p:nvPicPr>
-          <p:cNvPr id="195" name="Google Shape;195;p19"/>
+          <p:cNvPr id="202" name="Google Shape;202;p20"/>
           <p:cNvPicPr preferRelativeResize="0"/>
           <p:nvPr/>
         </p:nvPicPr>
@@ -31069,10 +32294,10 @@
       </p:pic>
       <p:cxnSp>
         <p:nvCxnSpPr>
-          <p:cNvPr id="196" name="Google Shape;196;p19"/>
+          <p:cNvPr id="203" name="Google Shape;203;p20"/>
           <p:cNvCxnSpPr>
-            <a:stCxn id="195" idx="3"/>
-            <a:endCxn id="177" idx="1"/>
+            <a:stCxn id="202" idx="3"/>
+            <a:endCxn id="184" idx="1"/>
           </p:cNvCxnSpPr>
           <p:nvPr/>
         </p:nvCxnSpPr>
@@ -31098,7 +32323,7 @@
       </p:cxnSp>
       <p:sp>
         <p:nvSpPr>
-          <p:cNvPr id="197" name="Google Shape;197;p19"/>
+          <p:cNvPr id="204" name="Google Shape;204;p20"/>
           <p:cNvSpPr txBox="1"/>
           <p:nvPr/>
         </p:nvSpPr>
@@ -31144,7 +32369,7 @@
       </p:sp>
       <p:pic>
         <p:nvPicPr>
-          <p:cNvPr id="198" name="Google Shape;198;p19"/>
+          <p:cNvPr id="205" name="Google Shape;205;p20"/>
           <p:cNvPicPr preferRelativeResize="0"/>
           <p:nvPr/>
         </p:nvPicPr>
@@ -31172,7 +32397,7 @@
       </p:pic>
       <p:pic>
         <p:nvPicPr>
-          <p:cNvPr id="199" name="Google Shape;199;p19"/>
+          <p:cNvPr id="206" name="Google Shape;206;p20"/>
           <p:cNvPicPr preferRelativeResize="0"/>
           <p:nvPr/>
         </p:nvPicPr>
@@ -31200,9 +32425,9 @@
       </p:pic>
       <p:cxnSp>
         <p:nvCxnSpPr>
-          <p:cNvPr id="200" name="Google Shape;200;p19"/>
+          <p:cNvPr id="207" name="Google Shape;207;p20"/>
           <p:cNvCxnSpPr>
-            <a:stCxn id="199" idx="3"/>
+            <a:stCxn id="206" idx="3"/>
           </p:cNvCxnSpPr>
           <p:nvPr/>
         </p:nvCxnSpPr>
@@ -31228,7 +32453,7 @@
       </p:cxnSp>
       <p:sp>
         <p:nvSpPr>
-          <p:cNvPr id="201" name="Google Shape;201;p19"/>
+          <p:cNvPr id="208" name="Google Shape;208;p20"/>
           <p:cNvSpPr txBox="1"/>
           <p:nvPr/>
         </p:nvSpPr>
@@ -31274,7 +32499,7 @@
       </p:sp>
       <p:pic>
         <p:nvPicPr>
-          <p:cNvPr id="202" name="Google Shape;202;p19"/>
+          <p:cNvPr id="209" name="Google Shape;209;p20"/>
           <p:cNvPicPr preferRelativeResize="0"/>
           <p:nvPr/>
         </p:nvPicPr>
@@ -31300,561 +32525,6 @@
           </a:ln>
         </p:spPr>
       </p:pic>
-    </p:spTree>
-  </p:cSld>
-  <p:clrMapOvr>
-    <a:masterClrMapping/>
-  </p:clrMapOvr>
-</p:sld>
-</file>
-
-<file path=ppt/slides/slide8.xml><?xml version="1.0" encoding="utf-8"?>
-<p:sld xmlns:a="http://schemas.openxmlformats.org/drawingml/2006/main" xmlns:r="http://schemas.openxmlformats.org/officeDocument/2006/relationships" xmlns:mc="http://schemas.openxmlformats.org/markup-compatibility/2006" xmlns:mv="urn:schemas-microsoft-com:mac:vml" xmlns:p="http://schemas.openxmlformats.org/presentationml/2006/main" xmlns:c="http://schemas.openxmlformats.org/drawingml/2006/chart" xmlns:dgm="http://schemas.openxmlformats.org/drawingml/2006/diagram" xmlns:o="urn:schemas-microsoft-com:office:office" xmlns:v="urn:schemas-microsoft-com:vml" xmlns:pvml="urn:schemas-microsoft-com:office:powerpoint" xmlns:com="http://schemas.openxmlformats.org/drawingml/2006/compatibility" xmlns:p14="http://schemas.microsoft.com/office/powerpoint/2010/main" xmlns:p15="http://schemas.microsoft.com/office/powerpoint/2012/main" xmlns:ahyp="http://schemas.microsoft.com/office/drawing/2018/hyperlinkcolor">
-  <p:cSld>
-    <p:spTree>
-      <p:nvGrpSpPr>
-        <p:cNvPr id="206" name="Shape 206"/>
-        <p:cNvGrpSpPr/>
-        <p:nvPr/>
-      </p:nvGrpSpPr>
-      <p:grpSpPr>
-        <a:xfrm>
-          <a:off x="0" y="0"/>
-          <a:ext cx="0" cy="0"/>
-          <a:chOff x="0" y="0"/>
-          <a:chExt cx="0" cy="0"/>
-        </a:xfrm>
-      </p:grpSpPr>
-      <p:sp>
-        <p:nvSpPr>
-          <p:cNvPr id="207" name="Google Shape;207;p20"/>
-          <p:cNvSpPr txBox="1"/>
-          <p:nvPr>
-            <p:ph type="title"/>
-          </p:nvPr>
-        </p:nvSpPr>
-        <p:spPr>
-          <a:xfrm>
-            <a:off x="838200" y="365125"/>
-            <a:ext cx="10515600" cy="1325700"/>
-          </a:xfrm>
-          <a:prstGeom prst="rect">
-            <a:avLst/>
-          </a:prstGeom>
-          <a:noFill/>
-          <a:ln>
-            <a:noFill/>
-          </a:ln>
-        </p:spPr>
-        <p:txBody>
-          <a:bodyPr anchorCtr="0" anchor="ctr" bIns="45700" lIns="91425" spcFirstLastPara="1" rIns="91425" wrap="square" tIns="45700">
-            <a:normAutofit/>
-          </a:bodyPr>
-          <a:lstStyle/>
-          <a:p>
-            <a:pPr indent="0" lvl="0" marL="0" rtl="0" algn="l">
-              <a:lnSpc>
-                <a:spcPct val="90000"/>
-              </a:lnSpc>
-              <a:spcBef>
-                <a:spcPts val="0"/>
-              </a:spcBef>
-              <a:spcAft>
-                <a:spcPts val="0"/>
-              </a:spcAft>
-              <a:buClr>
-                <a:schemeClr val="dk1"/>
-              </a:buClr>
-              <a:buSzPts val="2800"/>
-              <a:buFont typeface="Calibri"/>
-              <a:buNone/>
-            </a:pPr>
-            <a:r>
-              <a:rPr b="1" lang="de-CH" sz="2800"/>
-              <a:t>Extensible YANG model for YANG-Push Notifications</a:t>
-            </a:r>
-            <a:br>
-              <a:rPr lang="de-CH" sz="3600"/>
-            </a:br>
-            <a:r>
-              <a:rPr lang="de-CH" sz="2400">
-                <a:solidFill>
-                  <a:srgbClr val="AEABAB"/>
-                </a:solidFill>
-              </a:rPr>
-              <a:t>Discussion on change (1) Enabling the envelope globally</a:t>
-            </a:r>
-            <a:endParaRPr sz="4100"/>
-          </a:p>
-        </p:txBody>
-      </p:sp>
-      <p:sp>
-        <p:nvSpPr>
-          <p:cNvPr id="208" name="Google Shape;208;p20"/>
-          <p:cNvSpPr txBox="1"/>
-          <p:nvPr>
-            <p:ph idx="12" type="sldNum"/>
-          </p:nvPr>
-        </p:nvSpPr>
-        <p:spPr>
-          <a:xfrm>
-            <a:off x="11510000" y="6362700"/>
-            <a:ext cx="512100" cy="365100"/>
-          </a:xfrm>
-          <a:prstGeom prst="rect">
-            <a:avLst/>
-          </a:prstGeom>
-          <a:noFill/>
-          <a:ln>
-            <a:noFill/>
-          </a:ln>
-        </p:spPr>
-        <p:txBody>
-          <a:bodyPr anchorCtr="0" anchor="ctr" bIns="45700" lIns="91425" spcFirstLastPara="1" rIns="91425" wrap="square" tIns="45700">
-            <a:noAutofit/>
-          </a:bodyPr>
-          <a:lstStyle/>
-          <a:p>
-            <a:pPr indent="0" lvl="0" marL="0" rtl="0" algn="r">
-              <a:lnSpc>
-                <a:spcPct val="100000"/>
-              </a:lnSpc>
-              <a:spcBef>
-                <a:spcPts val="0"/>
-              </a:spcBef>
-              <a:spcAft>
-                <a:spcPts val="0"/>
-              </a:spcAft>
-              <a:buSzPts val="2200"/>
-              <a:buNone/>
-            </a:pPr>
-            <a:fld id="{00000000-1234-1234-1234-123412341234}" type="slidenum">
-              <a:rPr lang="de-CH" sz="2200"/>
-              <a:t>‹#›</a:t>
-            </a:fld>
-            <a:endParaRPr sz="2200"/>
-          </a:p>
-        </p:txBody>
-      </p:sp>
-      <p:sp>
-        <p:nvSpPr>
-          <p:cNvPr id="209" name="Google Shape;209;p20"/>
-          <p:cNvSpPr txBox="1"/>
-          <p:nvPr/>
-        </p:nvSpPr>
-        <p:spPr>
-          <a:xfrm>
-            <a:off x="838200" y="1522975"/>
-            <a:ext cx="10847100" cy="4426500"/>
-          </a:xfrm>
-          <a:prstGeom prst="rect">
-            <a:avLst/>
-          </a:prstGeom>
-          <a:noFill/>
-          <a:ln>
-            <a:noFill/>
-          </a:ln>
-        </p:spPr>
-        <p:txBody>
-          <a:bodyPr anchorCtr="0" anchor="t" bIns="91425" lIns="91425" spcFirstLastPara="1" rIns="91425" wrap="square" tIns="91425">
-            <a:spAutoFit/>
-          </a:bodyPr>
-          <a:lstStyle/>
-          <a:p>
-            <a:pPr indent="-349250" lvl="0" marL="457200" rtl="0" algn="l">
-              <a:lnSpc>
-                <a:spcPct val="115000"/>
-              </a:lnSpc>
-              <a:spcBef>
-                <a:spcPts val="0"/>
-              </a:spcBef>
-              <a:spcAft>
-                <a:spcPts val="0"/>
-              </a:spcAft>
-              <a:buClr>
-                <a:schemeClr val="dk1"/>
-              </a:buClr>
-              <a:buSzPts val="1900"/>
-              <a:buFont typeface="Calibri"/>
-              <a:buChar char="●"/>
-            </a:pPr>
-            <a:r>
-              <a:rPr lang="de-CH" sz="1900">
-                <a:solidFill>
-                  <a:schemeClr val="dk1"/>
-                </a:solidFill>
-                <a:latin typeface="Calibri"/>
-                <a:ea typeface="Calibri"/>
-                <a:cs typeface="Calibri"/>
-                <a:sym typeface="Calibri"/>
-              </a:rPr>
-              <a:t>Is this current approach appropriate?</a:t>
-            </a:r>
-            <a:endParaRPr sz="1900">
-              <a:solidFill>
-                <a:schemeClr val="dk1"/>
-              </a:solidFill>
-              <a:latin typeface="Calibri"/>
-              <a:ea typeface="Calibri"/>
-              <a:cs typeface="Calibri"/>
-              <a:sym typeface="Calibri"/>
-            </a:endParaRPr>
-          </a:p>
-          <a:p>
-            <a:pPr indent="0" lvl="0" marL="0" rtl="0" algn="l">
-              <a:lnSpc>
-                <a:spcPct val="115000"/>
-              </a:lnSpc>
-              <a:spcBef>
-                <a:spcPts val="0"/>
-              </a:spcBef>
-              <a:spcAft>
-                <a:spcPts val="0"/>
-              </a:spcAft>
-              <a:buNone/>
-            </a:pPr>
-            <a:r>
-              <a:t/>
-            </a:r>
-            <a:endParaRPr sz="1900">
-              <a:solidFill>
-                <a:schemeClr val="dk1"/>
-              </a:solidFill>
-              <a:latin typeface="Calibri"/>
-              <a:ea typeface="Calibri"/>
-              <a:cs typeface="Calibri"/>
-              <a:sym typeface="Calibri"/>
-            </a:endParaRPr>
-          </a:p>
-          <a:p>
-            <a:pPr indent="-349250" lvl="0" marL="457200" rtl="0" algn="l">
-              <a:lnSpc>
-                <a:spcPct val="115000"/>
-              </a:lnSpc>
-              <a:spcBef>
-                <a:spcPts val="0"/>
-              </a:spcBef>
-              <a:spcAft>
-                <a:spcPts val="0"/>
-              </a:spcAft>
-              <a:buClr>
-                <a:srgbClr val="FB0007"/>
-              </a:buClr>
-              <a:buSzPts val="1900"/>
-              <a:buFont typeface="Calibri"/>
-              <a:buChar char="●"/>
-            </a:pPr>
-            <a:r>
-              <a:rPr lang="de-CH" sz="1900">
-                <a:solidFill>
-                  <a:srgbClr val="FB0007"/>
-                </a:solidFill>
-                <a:latin typeface="Calibri"/>
-                <a:ea typeface="Calibri"/>
-                <a:cs typeface="Calibri"/>
-                <a:sym typeface="Calibri"/>
-              </a:rPr>
-              <a:t>Request to raise a poll on February 10th interim and confirm wherever proposed changes reflect the will of the WG</a:t>
-            </a:r>
-            <a:endParaRPr sz="1900">
-              <a:solidFill>
-                <a:srgbClr val="FB0007"/>
-              </a:solidFill>
-              <a:latin typeface="Calibri"/>
-              <a:ea typeface="Calibri"/>
-              <a:cs typeface="Calibri"/>
-              <a:sym typeface="Calibri"/>
-            </a:endParaRPr>
-          </a:p>
-          <a:p>
-            <a:pPr indent="-349250" lvl="1" marL="914400" rtl="0" algn="l">
-              <a:lnSpc>
-                <a:spcPct val="115000"/>
-              </a:lnSpc>
-              <a:spcBef>
-                <a:spcPts val="1000"/>
-              </a:spcBef>
-              <a:spcAft>
-                <a:spcPts val="0"/>
-              </a:spcAft>
-              <a:buClr>
-                <a:schemeClr val="dk1"/>
-              </a:buClr>
-              <a:buSzPts val="1900"/>
-              <a:buFont typeface="Calibri"/>
-              <a:buChar char="○"/>
-            </a:pPr>
-            <a:r>
-              <a:rPr lang="de-CH" sz="1900">
-                <a:solidFill>
-                  <a:schemeClr val="dk1"/>
-                </a:solidFill>
-                <a:latin typeface="Calibri"/>
-                <a:ea typeface="Calibri"/>
-                <a:cs typeface="Calibri"/>
-                <a:sym typeface="Calibri"/>
-              </a:rPr>
-              <a:t>(1) Envelope is enabled and disabled globally with RPC call</a:t>
-            </a:r>
-            <a:endParaRPr sz="1900">
-              <a:solidFill>
-                <a:schemeClr val="dk1"/>
-              </a:solidFill>
-              <a:latin typeface="Calibri"/>
-              <a:ea typeface="Calibri"/>
-              <a:cs typeface="Calibri"/>
-              <a:sym typeface="Calibri"/>
-            </a:endParaRPr>
-          </a:p>
-          <a:p>
-            <a:pPr indent="0" lvl="0" marL="0" rtl="0" algn="l">
-              <a:spcBef>
-                <a:spcPts val="0"/>
-              </a:spcBef>
-              <a:spcAft>
-                <a:spcPts val="0"/>
-              </a:spcAft>
-              <a:buNone/>
-            </a:pPr>
-            <a:r>
-              <a:t/>
-            </a:r>
-            <a:endParaRPr sz="1900">
-              <a:solidFill>
-                <a:schemeClr val="dk1"/>
-              </a:solidFill>
-              <a:latin typeface="Calibri"/>
-              <a:ea typeface="Calibri"/>
-              <a:cs typeface="Calibri"/>
-              <a:sym typeface="Calibri"/>
-            </a:endParaRPr>
-          </a:p>
-          <a:p>
-            <a:pPr indent="-349250" lvl="0" marL="457200" rtl="0" algn="l">
-              <a:spcBef>
-                <a:spcPts val="1000"/>
-              </a:spcBef>
-              <a:spcAft>
-                <a:spcPts val="0"/>
-              </a:spcAft>
-              <a:buClr>
-                <a:schemeClr val="dk1"/>
-              </a:buClr>
-              <a:buSzPts val="1900"/>
-              <a:buFont typeface="Calibri"/>
-              <a:buChar char="●"/>
-            </a:pPr>
-            <a:r>
-              <a:rPr lang="de-CH" sz="1900">
-                <a:solidFill>
-                  <a:schemeClr val="dk1"/>
-                </a:solidFill>
-                <a:latin typeface="Calibri"/>
-                <a:ea typeface="Calibri"/>
-                <a:cs typeface="Calibri"/>
-                <a:sym typeface="Calibri"/>
-              </a:rPr>
-              <a:t>Operational concerns:</a:t>
-            </a:r>
-            <a:endParaRPr sz="1900">
-              <a:solidFill>
-                <a:schemeClr val="dk1"/>
-              </a:solidFill>
-              <a:latin typeface="Calibri"/>
-              <a:ea typeface="Calibri"/>
-              <a:cs typeface="Calibri"/>
-              <a:sym typeface="Calibri"/>
-            </a:endParaRPr>
-          </a:p>
-          <a:p>
-            <a:pPr indent="-349250" lvl="1" marL="914400" rtl="0" algn="l">
-              <a:spcBef>
-                <a:spcPts val="0"/>
-              </a:spcBef>
-              <a:spcAft>
-                <a:spcPts val="0"/>
-              </a:spcAft>
-              <a:buClr>
-                <a:schemeClr val="dk1"/>
-              </a:buClr>
-              <a:buSzPts val="1900"/>
-              <a:buFont typeface="Calibri"/>
-              <a:buChar char="○"/>
-            </a:pPr>
-            <a:r>
-              <a:rPr lang="de-CH" sz="1900">
-                <a:solidFill>
-                  <a:schemeClr val="dk1"/>
-                </a:solidFill>
-                <a:latin typeface="Calibri"/>
-                <a:ea typeface="Calibri"/>
-                <a:cs typeface="Calibri"/>
-                <a:sym typeface="Calibri"/>
-              </a:rPr>
-              <a:t>This RPC complexifies operations where network operators onboarding new nodes would need to </a:t>
-            </a:r>
-            <a:r>
-              <a:rPr lang="de-CH" sz="1900">
-                <a:solidFill>
-                  <a:schemeClr val="dk1"/>
-                </a:solidFill>
-                <a:latin typeface="Calibri"/>
-                <a:ea typeface="Calibri"/>
-                <a:cs typeface="Calibri"/>
-                <a:sym typeface="Calibri"/>
-              </a:rPr>
-              <a:t>explicitly</a:t>
-            </a:r>
-            <a:r>
-              <a:rPr lang="de-CH" sz="1900">
-                <a:solidFill>
-                  <a:schemeClr val="dk1"/>
-                </a:solidFill>
-                <a:latin typeface="Calibri"/>
-                <a:ea typeface="Calibri"/>
-                <a:cs typeface="Calibri"/>
-                <a:sym typeface="Calibri"/>
-              </a:rPr>
-              <a:t> enable the the envelope via the RPC, rather than use &lt;edit-config&gt; requests</a:t>
-            </a:r>
-            <a:endParaRPr sz="1900">
-              <a:solidFill>
-                <a:schemeClr val="dk1"/>
-              </a:solidFill>
-              <a:latin typeface="Calibri"/>
-              <a:ea typeface="Calibri"/>
-              <a:cs typeface="Calibri"/>
-              <a:sym typeface="Calibri"/>
-            </a:endParaRPr>
-          </a:p>
-          <a:p>
-            <a:pPr indent="-349250" lvl="1" marL="914400" rtl="0" algn="l">
-              <a:spcBef>
-                <a:spcPts val="0"/>
-              </a:spcBef>
-              <a:spcAft>
-                <a:spcPts val="0"/>
-              </a:spcAft>
-              <a:buClr>
-                <a:schemeClr val="dk1"/>
-              </a:buClr>
-              <a:buSzPts val="1900"/>
-              <a:buFont typeface="Calibri"/>
-              <a:buChar char="○"/>
-            </a:pPr>
-            <a:r>
-              <a:rPr lang="de-CH" sz="1900">
-                <a:solidFill>
-                  <a:schemeClr val="dk1"/>
-                </a:solidFill>
-                <a:latin typeface="Calibri"/>
-                <a:ea typeface="Calibri"/>
-                <a:cs typeface="Calibri"/>
-                <a:sym typeface="Calibri"/>
-              </a:rPr>
-              <a:t>Defaulting enable-notif-envelope=True eases this case</a:t>
-            </a:r>
-            <a:endParaRPr sz="1900">
-              <a:solidFill>
-                <a:schemeClr val="dk1"/>
-              </a:solidFill>
-              <a:latin typeface="Calibri"/>
-              <a:ea typeface="Calibri"/>
-              <a:cs typeface="Calibri"/>
-              <a:sym typeface="Calibri"/>
-            </a:endParaRPr>
-          </a:p>
-          <a:p>
-            <a:pPr indent="-349250" lvl="0" marL="457200" rtl="0" algn="l">
-              <a:spcBef>
-                <a:spcPts val="1000"/>
-              </a:spcBef>
-              <a:spcAft>
-                <a:spcPts val="0"/>
-              </a:spcAft>
-              <a:buClr>
-                <a:srgbClr val="FB0007"/>
-              </a:buClr>
-              <a:buSzPts val="1900"/>
-              <a:buFont typeface="Calibri"/>
-              <a:buChar char="●"/>
-            </a:pPr>
-            <a:r>
-              <a:rPr lang="de-CH" sz="1900">
-                <a:solidFill>
-                  <a:srgbClr val="FB0007"/>
-                </a:solidFill>
-                <a:latin typeface="Calibri"/>
-                <a:ea typeface="Calibri"/>
-                <a:cs typeface="Calibri"/>
-                <a:sym typeface="Calibri"/>
-              </a:rPr>
-              <a:t>R</a:t>
-            </a:r>
-            <a:r>
-              <a:rPr lang="de-CH" sz="1900">
-                <a:solidFill>
-                  <a:srgbClr val="FB0007"/>
-                </a:solidFill>
-                <a:latin typeface="Calibri"/>
-                <a:ea typeface="Calibri"/>
-                <a:cs typeface="Calibri"/>
-                <a:sym typeface="Calibri"/>
-              </a:rPr>
-              <a:t>equest to raise a second poll on February 10th interim to enable the envelope by default</a:t>
-            </a:r>
-            <a:endParaRPr sz="1900">
-              <a:solidFill>
-                <a:srgbClr val="FB0007"/>
-              </a:solidFill>
-              <a:latin typeface="Calibri"/>
-              <a:ea typeface="Calibri"/>
-              <a:cs typeface="Calibri"/>
-              <a:sym typeface="Calibri"/>
-            </a:endParaRPr>
-          </a:p>
-          <a:p>
-            <a:pPr indent="-349250" lvl="1" marL="914400" rtl="0" algn="l">
-              <a:lnSpc>
-                <a:spcPct val="115000"/>
-              </a:lnSpc>
-              <a:spcBef>
-                <a:spcPts val="1000"/>
-              </a:spcBef>
-              <a:spcAft>
-                <a:spcPts val="0"/>
-              </a:spcAft>
-              <a:buClr>
-                <a:schemeClr val="dk1"/>
-              </a:buClr>
-              <a:buSzPts val="1900"/>
-              <a:buFont typeface="Calibri"/>
-              <a:buChar char="○"/>
-            </a:pPr>
-            <a:r>
-              <a:rPr lang="de-CH" sz="1900">
-                <a:solidFill>
-                  <a:schemeClr val="dk1"/>
-                </a:solidFill>
-                <a:latin typeface="Calibri"/>
-                <a:ea typeface="Calibri"/>
-                <a:cs typeface="Calibri"/>
-                <a:sym typeface="Calibri"/>
-              </a:rPr>
-              <a:t>(2) Defaulting enable-notif-envelope=True (notification-envelope enabled by default)</a:t>
-            </a:r>
-            <a:endParaRPr sz="1900">
-              <a:solidFill>
-                <a:schemeClr val="dk1"/>
-              </a:solidFill>
-              <a:latin typeface="Calibri"/>
-              <a:ea typeface="Calibri"/>
-              <a:cs typeface="Calibri"/>
-              <a:sym typeface="Calibri"/>
-            </a:endParaRPr>
-          </a:p>
-        </p:txBody>
-      </p:sp>
     </p:spTree>
   </p:cSld>
   <p:clrMapOvr>
@@ -31937,15 +32607,7 @@
                   <a:srgbClr val="AEABAB"/>
                 </a:solidFill>
               </a:rPr>
-              <a:t>(2) </a:t>
-            </a:r>
-            <a:r>
-              <a:rPr lang="de-CH" sz="2400">
-                <a:solidFill>
-                  <a:srgbClr val="AEABAB"/>
-                </a:solidFill>
-              </a:rPr>
-              <a:t>Added Observation Timestamp extension</a:t>
+              <a:t>Discussion on change (1) Enabling the envelope globally</a:t>
             </a:r>
             <a:endParaRPr sz="4100"/>
           </a:p>
@@ -32007,8 +32669,8 @@
         </p:nvSpPr>
         <p:spPr>
           <a:xfrm>
-            <a:off x="777700" y="1522975"/>
-            <a:ext cx="6609000" cy="4790400"/>
+            <a:off x="838200" y="1522975"/>
+            <a:ext cx="10847100" cy="5019300"/>
           </a:xfrm>
           <a:prstGeom prst="rect">
             <a:avLst/>
@@ -32020,13 +32682,13 @@
         </p:spPr>
         <p:txBody>
           <a:bodyPr anchorCtr="0" anchor="t" bIns="91425" lIns="91425" spcFirstLastPara="1" rIns="91425" wrap="square" tIns="91425">
-            <a:normAutofit/>
+            <a:spAutoFit/>
           </a:bodyPr>
           <a:lstStyle/>
           <a:p>
             <a:pPr indent="-349250" lvl="0" marL="457200" rtl="0" algn="l">
               <a:lnSpc>
-                <a:spcPct val="150000"/>
+                <a:spcPct val="115000"/>
               </a:lnSpc>
               <a:spcBef>
                 <a:spcPts val="0"/>
@@ -32051,11 +32713,51 @@
                 <a:cs typeface="Calibri"/>
                 <a:sym typeface="Calibri"/>
               </a:rPr>
-              <a:t>Timestamp representing</a:t>
+              <a:t>Is this current approach appropriate?</a:t>
             </a:r>
             <a:endParaRPr sz="1900">
               <a:solidFill>
                 <a:schemeClr val="dk1"/>
+              </a:solidFill>
+              <a:latin typeface="Calibri"/>
+              <a:ea typeface="Calibri"/>
+              <a:cs typeface="Calibri"/>
+              <a:sym typeface="Calibri"/>
+            </a:endParaRPr>
+          </a:p>
+          <a:p>
+            <a:pPr indent="-349250" lvl="0" marL="457200" rtl="0" algn="l">
+              <a:lnSpc>
+                <a:spcPct val="115000"/>
+              </a:lnSpc>
+              <a:spcBef>
+                <a:spcPts val="0"/>
+              </a:spcBef>
+              <a:spcAft>
+                <a:spcPts val="0"/>
+              </a:spcAft>
+              <a:buClr>
+                <a:srgbClr val="FB0007"/>
+              </a:buClr>
+              <a:buSzPts val="1900"/>
+              <a:buFont typeface="Calibri"/>
+              <a:buChar char="●"/>
+            </a:pPr>
+            <a:r>
+              <a:rPr lang="de-CH" sz="1900">
+                <a:solidFill>
+                  <a:srgbClr val="FB0007"/>
+                </a:solidFill>
+                <a:latin typeface="Calibri"/>
+                <a:ea typeface="Calibri"/>
+                <a:cs typeface="Calibri"/>
+                <a:sym typeface="Calibri"/>
+              </a:rPr>
+              <a:t>Request to raise a poll on February 10th interim and confirm wherever proposed changes reflect the will of the WG</a:t>
+            </a:r>
+            <a:endParaRPr sz="1900">
+              <a:solidFill>
+                <a:srgbClr val="FB0007"/>
               </a:solidFill>
               <a:latin typeface="Calibri"/>
               <a:ea typeface="Calibri"/>
@@ -32066,10 +32768,10 @@
           <a:p>
             <a:pPr indent="-349250" lvl="1" marL="914400" rtl="0" algn="l">
               <a:lnSpc>
-                <a:spcPct val="150000"/>
-              </a:lnSpc>
-              <a:spcBef>
-                <a:spcPts val="0"/>
+                <a:spcPct val="115000"/>
+              </a:lnSpc>
+              <a:spcBef>
+                <a:spcPts val="1000"/>
               </a:spcBef>
               <a:spcAft>
                 <a:spcPts val="0"/>
@@ -32091,7 +32793,7 @@
                 <a:cs typeface="Calibri"/>
                 <a:sym typeface="Calibri"/>
               </a:rPr>
-              <a:t>The time the metrics were polled </a:t>
+              <a:t>(1) Envelope is enabled and disabled globally with RPC call</a:t>
             </a:r>
             <a:endParaRPr sz="1900">
               <a:solidFill>
@@ -32106,10 +32808,10 @@
           <a:p>
             <a:pPr indent="-349250" lvl="1" marL="914400" rtl="0" algn="l">
               <a:lnSpc>
-                <a:spcPct val="150000"/>
-              </a:lnSpc>
-              <a:spcBef>
-                <a:spcPts val="0"/>
+                <a:spcPct val="115000"/>
+              </a:lnSpc>
+              <a:spcBef>
+                <a:spcPts val="1000"/>
               </a:spcBef>
               <a:spcAft>
                 <a:spcPts val="0"/>
@@ -32131,7 +32833,106 @@
                 <a:cs typeface="Calibri"/>
                 <a:sym typeface="Calibri"/>
               </a:rPr>
-              <a:t>The time the exported event occurred</a:t>
+              <a:t>(2) The node “/sn:subscriptions/enable-notification-envelope” becomes </a:t>
+            </a:r>
+            <a:r>
+              <a:rPr b="1" lang="de-CH" sz="1900">
+                <a:solidFill>
+                  <a:srgbClr val="FB0007"/>
+                </a:solidFill>
+                <a:latin typeface="Calibri"/>
+                <a:ea typeface="Calibri"/>
+                <a:cs typeface="Calibri"/>
+                <a:sym typeface="Calibri"/>
+              </a:rPr>
+              <a:t>writable</a:t>
+            </a:r>
+            <a:r>
+              <a:rPr lang="de-CH" sz="1900">
+                <a:solidFill>
+                  <a:schemeClr val="dk1"/>
+                </a:solidFill>
+                <a:latin typeface="Calibri"/>
+                <a:ea typeface="Calibri"/>
+                <a:cs typeface="Calibri"/>
+                <a:sym typeface="Calibri"/>
+              </a:rPr>
+              <a:t> &amp; </a:t>
+            </a:r>
+            <a:r>
+              <a:rPr b="1" lang="de-CH" sz="1900">
+                <a:solidFill>
+                  <a:srgbClr val="FB0007"/>
+                </a:solidFill>
+                <a:latin typeface="Calibri"/>
+                <a:ea typeface="Calibri"/>
+                <a:cs typeface="Calibri"/>
+                <a:sym typeface="Calibri"/>
+              </a:rPr>
+              <a:t>remove RPC</a:t>
+            </a:r>
+            <a:endParaRPr sz="1900">
+              <a:solidFill>
+                <a:srgbClr val="FB0007"/>
+              </a:solidFill>
+              <a:latin typeface="Calibri"/>
+              <a:ea typeface="Calibri"/>
+              <a:cs typeface="Calibri"/>
+              <a:sym typeface="Calibri"/>
+            </a:endParaRPr>
+          </a:p>
+          <a:p>
+            <a:pPr indent="-349250" lvl="1" marL="914400" rtl="0" algn="l">
+              <a:lnSpc>
+                <a:spcPct val="115000"/>
+              </a:lnSpc>
+              <a:spcBef>
+                <a:spcPts val="1000"/>
+              </a:spcBef>
+              <a:spcAft>
+                <a:spcPts val="0"/>
+              </a:spcAft>
+              <a:buClr>
+                <a:schemeClr val="dk1"/>
+              </a:buClr>
+              <a:buSzPts val="1900"/>
+              <a:buFont typeface="Calibri"/>
+              <a:buChar char="○"/>
+            </a:pPr>
+            <a:r>
+              <a:rPr lang="de-CH" sz="1900">
+                <a:solidFill>
+                  <a:schemeClr val="dk1"/>
+                </a:solidFill>
+                <a:latin typeface="Calibri"/>
+                <a:ea typeface="Calibri"/>
+                <a:cs typeface="Calibri"/>
+                <a:sym typeface="Calibri"/>
+              </a:rPr>
+              <a:t>(3) Notification-envelope configurable per subscription</a:t>
+            </a:r>
+            <a:endParaRPr sz="1900">
+              <a:solidFill>
+                <a:schemeClr val="dk1"/>
+              </a:solidFill>
+              <a:latin typeface="Calibri"/>
+              <a:ea typeface="Calibri"/>
+              <a:cs typeface="Calibri"/>
+              <a:sym typeface="Calibri"/>
+            </a:endParaRPr>
+          </a:p>
+          <a:p>
+            <a:pPr indent="0" lvl="0" marL="0" rtl="0" algn="l">
+              <a:spcBef>
+                <a:spcPts val="0"/>
+              </a:spcBef>
+              <a:spcAft>
+                <a:spcPts val="0"/>
+              </a:spcAft>
+              <a:buNone/>
+            </a:pPr>
+            <a:r>
+              <a:t/>
             </a:r>
             <a:endParaRPr sz="1900">
               <a:solidFill>
@@ -32145,11 +32946,8 @@
           </a:p>
           <a:p>
             <a:pPr indent="-349250" lvl="0" marL="457200" rtl="0" algn="l">
-              <a:lnSpc>
-                <a:spcPct val="150000"/>
-              </a:lnSpc>
-              <a:spcBef>
-                <a:spcPts val="0"/>
+              <a:spcBef>
+                <a:spcPts val="1000"/>
               </a:spcBef>
               <a:spcAft>
                 <a:spcPts val="0"/>
@@ -32171,7 +32969,105 @@
                 <a:cs typeface="Calibri"/>
                 <a:sym typeface="Calibri"/>
               </a:rPr>
-              <a:t>Extensions to YANG-Push</a:t>
+              <a:t>Operational concerns:</a:t>
+            </a:r>
+            <a:endParaRPr sz="1900">
+              <a:solidFill>
+                <a:schemeClr val="dk1"/>
+              </a:solidFill>
+              <a:latin typeface="Calibri"/>
+              <a:ea typeface="Calibri"/>
+              <a:cs typeface="Calibri"/>
+              <a:sym typeface="Calibri"/>
+            </a:endParaRPr>
+          </a:p>
+          <a:p>
+            <a:pPr indent="-349250" lvl="1" marL="914400" rtl="0" algn="l">
+              <a:spcBef>
+                <a:spcPts val="0"/>
+              </a:spcBef>
+              <a:spcAft>
+                <a:spcPts val="0"/>
+              </a:spcAft>
+              <a:buClr>
+                <a:schemeClr val="dk1"/>
+              </a:buClr>
+              <a:buSzPts val="1900"/>
+              <a:buFont typeface="Calibri"/>
+              <a:buChar char="○"/>
+            </a:pPr>
+            <a:r>
+              <a:rPr lang="de-CH" sz="1900">
+                <a:solidFill>
+                  <a:schemeClr val="dk1"/>
+                </a:solidFill>
+                <a:latin typeface="Calibri"/>
+                <a:ea typeface="Calibri"/>
+                <a:cs typeface="Calibri"/>
+                <a:sym typeface="Calibri"/>
+              </a:rPr>
+              <a:t>This RPC complexifies operations where network operators onboarding new nodes would need to </a:t>
+            </a:r>
+            <a:r>
+              <a:rPr lang="de-CH" sz="1900">
+                <a:solidFill>
+                  <a:schemeClr val="dk1"/>
+                </a:solidFill>
+                <a:latin typeface="Calibri"/>
+                <a:ea typeface="Calibri"/>
+                <a:cs typeface="Calibri"/>
+                <a:sym typeface="Calibri"/>
+              </a:rPr>
+              <a:t>explicitly</a:t>
+            </a:r>
+            <a:r>
+              <a:rPr lang="de-CH" sz="1900">
+                <a:solidFill>
+                  <a:schemeClr val="dk1"/>
+                </a:solidFill>
+                <a:latin typeface="Calibri"/>
+                <a:ea typeface="Calibri"/>
+                <a:cs typeface="Calibri"/>
+                <a:sym typeface="Calibri"/>
+              </a:rPr>
+              <a:t> enable the the envelope via the RPC, rather than use &lt;edit-config&gt; requests</a:t>
+            </a:r>
+            <a:endParaRPr sz="1900">
+              <a:solidFill>
+                <a:schemeClr val="dk1"/>
+              </a:solidFill>
+              <a:latin typeface="Calibri"/>
+              <a:ea typeface="Calibri"/>
+              <a:cs typeface="Calibri"/>
+              <a:sym typeface="Calibri"/>
+            </a:endParaRPr>
+          </a:p>
+          <a:p>
+            <a:pPr indent="-349250" lvl="1" marL="914400" rtl="0" algn="l">
+              <a:spcBef>
+                <a:spcPts val="0"/>
+              </a:spcBef>
+              <a:spcAft>
+                <a:spcPts val="0"/>
+              </a:spcAft>
+              <a:buClr>
+                <a:schemeClr val="dk1"/>
+              </a:buClr>
+              <a:buSzPts val="1900"/>
+              <a:buFont typeface="Calibri"/>
+              <a:buChar char="○"/>
+            </a:pPr>
+            <a:r>
+              <a:rPr lang="de-CH" sz="1900">
+                <a:solidFill>
+                  <a:schemeClr val="dk1"/>
+                </a:solidFill>
+                <a:latin typeface="Calibri"/>
+                <a:ea typeface="Calibri"/>
+                <a:cs typeface="Calibri"/>
+                <a:sym typeface="Calibri"/>
+              </a:rPr>
+              <a:t>Defaulting enable-notif-envelope=True eases this case</a:t>
             </a:r>
             <a:endParaRPr sz="1900">
               <a:solidFill>
@@ -32185,17 +33081,14 @@
           </a:p>
           <a:p>
             <a:pPr indent="-349250" lvl="0" marL="457200" rtl="0" algn="l">
-              <a:lnSpc>
-                <a:spcPct val="150000"/>
-              </a:lnSpc>
-              <a:spcBef>
-                <a:spcPts val="0"/>
-              </a:spcBef>
-              <a:spcAft>
-                <a:spcPts val="0"/>
-              </a:spcAft>
-              <a:buClr>
-                <a:schemeClr val="dk1"/>
+              <a:spcBef>
+                <a:spcPts val="1000"/>
+              </a:spcBef>
+              <a:spcAft>
+                <a:spcPts val="0"/>
+              </a:spcAft>
+              <a:buClr>
+                <a:srgbClr val="FB0007"/>
               </a:buClr>
               <a:buSzPts val="1900"/>
               <a:buFont typeface="Calibri"/>
@@ -32204,42 +33097,30 @@
             <a:r>
               <a:rPr lang="de-CH" sz="1900">
                 <a:solidFill>
-                  <a:schemeClr val="dk1"/>
+                  <a:srgbClr val="FB0007"/>
                 </a:solidFill>
                 <a:latin typeface="Calibri"/>
                 <a:ea typeface="Calibri"/>
                 <a:cs typeface="Calibri"/>
                 <a:sym typeface="Calibri"/>
               </a:rPr>
-              <a:t>Impact the following YANG-Push Notification </a:t>
-            </a:r>
-            <a:r>
-              <a:rPr lang="de-CH" sz="1900" u="sng">
-                <a:solidFill>
-                  <a:srgbClr val="FF0000"/>
+              <a:t>R</a:t>
+            </a:r>
+            <a:r>
+              <a:rPr lang="de-CH" sz="1900">
+                <a:solidFill>
+                  <a:srgbClr val="FB0007"/>
                 </a:solidFill>
                 <a:latin typeface="Calibri"/>
                 <a:ea typeface="Calibri"/>
                 <a:cs typeface="Calibri"/>
                 <a:sym typeface="Calibri"/>
               </a:rPr>
-              <a:t>only</a:t>
-            </a:r>
-            <a:r>
-              <a:rPr lang="de-CH" sz="1900">
-                <a:solidFill>
-                  <a:schemeClr val="dk1"/>
-                </a:solidFill>
-                <a:latin typeface="Calibri"/>
-                <a:ea typeface="Calibri"/>
-                <a:cs typeface="Calibri"/>
-                <a:sym typeface="Calibri"/>
-              </a:rPr>
-              <a:t>:</a:t>
+              <a:t>equest to raise a second poll on February 10th interim to enable the envelope by default</a:t>
             </a:r>
             <a:endParaRPr sz="1900">
               <a:solidFill>
-                <a:schemeClr val="dk1"/>
+                <a:srgbClr val="FB0007"/>
               </a:solidFill>
               <a:latin typeface="Calibri"/>
               <a:ea typeface="Calibri"/>
@@ -32250,10 +33131,10 @@
           <a:p>
             <a:pPr indent="-349250" lvl="1" marL="914400" rtl="0" algn="l">
               <a:lnSpc>
-                <a:spcPct val="150000"/>
-              </a:lnSpc>
-              <a:spcBef>
-                <a:spcPts val="0"/>
+                <a:spcPct val="115000"/>
+              </a:lnSpc>
+              <a:spcBef>
+                <a:spcPts val="1000"/>
               </a:spcBef>
               <a:spcAft>
                 <a:spcPts val="0"/>
@@ -32275,224 +33156,12 @@
                 <a:cs typeface="Calibri"/>
                 <a:sym typeface="Calibri"/>
               </a:rPr>
-              <a:t>push-update</a:t>
+              <a:t>(2) Defaulting enable-notif-envelope=True (notification-envelope enabled by default)</a:t>
             </a:r>
             <a:endParaRPr sz="1900">
               <a:solidFill>
                 <a:schemeClr val="dk1"/>
               </a:solidFill>
-              <a:latin typeface="Calibri"/>
-              <a:ea typeface="Calibri"/>
-              <a:cs typeface="Calibri"/>
-              <a:sym typeface="Calibri"/>
-            </a:endParaRPr>
-          </a:p>
-          <a:p>
-            <a:pPr indent="-349250" lvl="1" marL="914400" rtl="0" algn="l">
-              <a:lnSpc>
-                <a:spcPct val="150000"/>
-              </a:lnSpc>
-              <a:spcBef>
-                <a:spcPts val="0"/>
-              </a:spcBef>
-              <a:spcAft>
-                <a:spcPts val="0"/>
-              </a:spcAft>
-              <a:buClr>
-                <a:schemeClr val="dk1"/>
-              </a:buClr>
-              <a:buSzPts val="1900"/>
-              <a:buFont typeface="Calibri"/>
-              <a:buChar char="○"/>
-            </a:pPr>
-            <a:r>
-              <a:rPr lang="de-CH" sz="1900">
-                <a:solidFill>
-                  <a:schemeClr val="dk1"/>
-                </a:solidFill>
-                <a:latin typeface="Calibri"/>
-                <a:ea typeface="Calibri"/>
-                <a:cs typeface="Calibri"/>
-                <a:sym typeface="Calibri"/>
-              </a:rPr>
-              <a:t>push-change-update</a:t>
-            </a:r>
-            <a:endParaRPr sz="1900">
-              <a:solidFill>
-                <a:schemeClr val="dk1"/>
-              </a:solidFill>
-              <a:latin typeface="Calibri"/>
-              <a:ea typeface="Calibri"/>
-              <a:cs typeface="Calibri"/>
-              <a:sym typeface="Calibri"/>
-            </a:endParaRPr>
-          </a:p>
-          <a:p>
-            <a:pPr indent="-349250" lvl="0" marL="457200" rtl="0" algn="l">
-              <a:lnSpc>
-                <a:spcPct val="115000"/>
-              </a:lnSpc>
-              <a:spcBef>
-                <a:spcPts val="0"/>
-              </a:spcBef>
-              <a:spcAft>
-                <a:spcPts val="0"/>
-              </a:spcAft>
-              <a:buClr>
-                <a:schemeClr val="dk1"/>
-              </a:buClr>
-              <a:buSzPts val="1900"/>
-              <a:buFont typeface="Calibri"/>
-              <a:buChar char="●"/>
-            </a:pPr>
-            <a:r>
-              <a:rPr lang="de-CH" sz="1900">
-                <a:solidFill>
-                  <a:schemeClr val="dk1"/>
-                </a:solidFill>
-                <a:latin typeface="Calibri"/>
-                <a:ea typeface="Calibri"/>
-                <a:cs typeface="Calibri"/>
-                <a:sym typeface="Calibri"/>
-              </a:rPr>
-              <a:t>Use same mechanism to get the support of this extension via “/sysc:system-capabilities/notc:subscription-capabilities”</a:t>
-            </a:r>
-            <a:endParaRPr sz="1900">
-              <a:solidFill>
-                <a:schemeClr val="dk1"/>
-              </a:solidFill>
-              <a:latin typeface="Calibri"/>
-              <a:ea typeface="Calibri"/>
-              <a:cs typeface="Calibri"/>
-              <a:sym typeface="Calibri"/>
-            </a:endParaRPr>
-          </a:p>
-          <a:p>
-            <a:pPr indent="-349250" lvl="0" marL="457200" rtl="0" algn="l">
-              <a:lnSpc>
-                <a:spcPct val="150000"/>
-              </a:lnSpc>
-              <a:spcBef>
-                <a:spcPts val="1000"/>
-              </a:spcBef>
-              <a:spcAft>
-                <a:spcPts val="1000"/>
-              </a:spcAft>
-              <a:buClr>
-                <a:schemeClr val="dk1"/>
-              </a:buClr>
-              <a:buSzPts val="1900"/>
-              <a:buFont typeface="Calibri"/>
-              <a:buChar char="●"/>
-            </a:pPr>
-            <a:r>
-              <a:rPr lang="de-CH" sz="1900">
-                <a:solidFill>
-                  <a:schemeClr val="dk1"/>
-                </a:solidFill>
-                <a:latin typeface="Calibri"/>
-                <a:ea typeface="Calibri"/>
-                <a:cs typeface="Calibri"/>
-                <a:sym typeface="Calibri"/>
-              </a:rPr>
-              <a:t>Based on: </a:t>
-            </a:r>
-            <a:r>
-              <a:rPr lang="de-CH" sz="1900" u="sng">
-                <a:solidFill>
-                  <a:schemeClr val="hlink"/>
-                </a:solidFill>
-                <a:latin typeface="Calibri"/>
-                <a:ea typeface="Calibri"/>
-                <a:cs typeface="Calibri"/>
-                <a:sym typeface="Calibri"/>
-                <a:hlinkClick r:id="rId3"/>
-              </a:rPr>
-              <a:t>draft-tgraf-netconf-yang-push-observation-time</a:t>
-            </a:r>
-            <a:endParaRPr sz="1900">
-              <a:solidFill>
-                <a:schemeClr val="dk1"/>
-              </a:solidFill>
-              <a:latin typeface="Calibri"/>
-              <a:ea typeface="Calibri"/>
-              <a:cs typeface="Calibri"/>
-              <a:sym typeface="Calibri"/>
-            </a:endParaRPr>
-          </a:p>
-        </p:txBody>
-      </p:sp>
-      <p:pic>
-        <p:nvPicPr>
-          <p:cNvPr id="217" name="Google Shape;217;p21"/>
-          <p:cNvPicPr preferRelativeResize="0"/>
-          <p:nvPr/>
-        </p:nvPicPr>
-        <p:blipFill rotWithShape="1">
-          <a:blip r:embed="rId4">
-            <a:alphaModFix/>
-          </a:blip>
-          <a:srcRect b="19432" l="0" r="0" t="0"/>
-          <a:stretch/>
-        </p:blipFill>
-        <p:spPr>
-          <a:xfrm>
-            <a:off x="7218100" y="1310675"/>
-            <a:ext cx="4964851" cy="4688926"/>
-          </a:xfrm>
-          <a:prstGeom prst="rect">
-            <a:avLst/>
-          </a:prstGeom>
-          <a:noFill/>
-          <a:ln>
-            <a:noFill/>
-          </a:ln>
-        </p:spPr>
-      </p:pic>
-      <p:sp>
-        <p:nvSpPr>
-          <p:cNvPr id="218" name="Google Shape;218;p21"/>
-          <p:cNvSpPr/>
-          <p:nvPr/>
-        </p:nvSpPr>
-        <p:spPr>
-          <a:xfrm>
-            <a:off x="7792625" y="2554400"/>
-            <a:ext cx="2879700" cy="630000"/>
-          </a:xfrm>
-          <a:prstGeom prst="rect">
-            <a:avLst/>
-          </a:prstGeom>
-          <a:noFill/>
-          <a:ln cap="flat" cmpd="sng" w="19050">
-            <a:solidFill>
-              <a:srgbClr val="FF0000"/>
-            </a:solidFill>
-            <a:prstDash val="solid"/>
-            <a:round/>
-            <a:headEnd len="sm" w="sm" type="none"/>
-            <a:tailEnd len="sm" w="sm" type="none"/>
-          </a:ln>
-        </p:spPr>
-        <p:txBody>
-          <a:bodyPr anchorCtr="0" anchor="ctr" bIns="91425" lIns="91425" spcFirstLastPara="1" rIns="91425" wrap="square" tIns="91425">
-            <a:noAutofit/>
-          </a:bodyPr>
-          <a:lstStyle/>
-          <a:p>
-            <a:pPr indent="0" lvl="0" marL="0" rtl="0" algn="ctr">
-              <a:spcBef>
-                <a:spcPts val="0"/>
-              </a:spcBef>
-              <a:spcAft>
-                <a:spcPts val="0"/>
-              </a:spcAft>
-              <a:buNone/>
-            </a:pPr>
-            <a:r>
-              <a:t/>
-            </a:r>
-            <a:endParaRPr>
               <a:latin typeface="Calibri"/>
               <a:ea typeface="Calibri"/>
               <a:cs typeface="Calibri"/>

--- a/122/NETCONF/netconf-nmop-interim-draft-netana-netconf-notif-envelope-02.pptx
+++ b/122/NETCONF/netconf-nmop-interim-draft-netana-netconf-notif-envelope-02.pptx
@@ -29676,7 +29676,7 @@
                   <a:srgbClr val="AEABAB"/>
                 </a:solidFill>
               </a:rPr>
-              <a:t>Goals of today’s Interim meeting</a:t>
+              <a:t>Objectives of today’s Interim meeting</a:t>
             </a:r>
             <a:endParaRPr sz="4100"/>
           </a:p>
@@ -32670,7 +32670,7 @@
         <p:spPr>
           <a:xfrm>
             <a:off x="838200" y="1522975"/>
-            <a:ext cx="10847100" cy="5019300"/>
+            <a:ext cx="10847100" cy="4727100"/>
           </a:xfrm>
           <a:prstGeom prst="rect">
             <a:avLst/>
@@ -32753,7 +32753,31 @@
                 <a:cs typeface="Calibri"/>
                 <a:sym typeface="Calibri"/>
               </a:rPr>
-              <a:t>Request to raise a poll on February 10th interim and confirm wherever proposed changes reflect the will of the WG</a:t>
+              <a:t>Request to raise a poll on February 10th interim to decide course of action. </a:t>
+            </a:r>
+            <a:r>
+              <a:rPr lang="de-CH" sz="1900">
+                <a:solidFill>
+                  <a:srgbClr val="FB0007"/>
+                </a:solidFill>
+                <a:latin typeface="Calibri"/>
+                <a:ea typeface="Calibri"/>
+                <a:cs typeface="Calibri"/>
+                <a:sym typeface="Calibri"/>
+              </a:rPr>
+              <a:t>Which</a:t>
+            </a:r>
+            <a:r>
+              <a:rPr lang="de-CH" sz="1900">
+                <a:solidFill>
+                  <a:srgbClr val="FB0007"/>
+                </a:solidFill>
+                <a:latin typeface="Calibri"/>
+                <a:ea typeface="Calibri"/>
+                <a:cs typeface="Calibri"/>
+                <a:sym typeface="Calibri"/>
+              </a:rPr>
+              <a:t> is the preferred option?</a:t>
             </a:r>
             <a:endParaRPr sz="1900">
               <a:solidFill>
@@ -32909,30 +32933,7 @@
                 <a:cs typeface="Calibri"/>
                 <a:sym typeface="Calibri"/>
               </a:rPr>
-              <a:t>(3) Notification-envelope configurable per subscription</a:t>
-            </a:r>
-            <a:endParaRPr sz="1900">
-              <a:solidFill>
-                <a:schemeClr val="dk1"/>
-              </a:solidFill>
-              <a:latin typeface="Calibri"/>
-              <a:ea typeface="Calibri"/>
-              <a:cs typeface="Calibri"/>
-              <a:sym typeface="Calibri"/>
-            </a:endParaRPr>
-          </a:p>
-          <a:p>
-            <a:pPr indent="0" lvl="0" marL="0" rtl="0" algn="l">
-              <a:spcBef>
-                <a:spcPts val="0"/>
-              </a:spcBef>
-              <a:spcAft>
-                <a:spcPts val="0"/>
-              </a:spcAft>
-              <a:buNone/>
-            </a:pPr>
-            <a:r>
-              <a:t/>
+              <a:t>(3) Revert back to notification-envelope configurable per subscription</a:t>
             </a:r>
             <a:endParaRPr sz="1900">
               <a:solidFill>

--- a/122/NETCONF/netconf-nmop-interim-draft-netana-netconf-notif-envelope-02.pptx
+++ b/122/NETCONF/netconf-nmop-interim-draft-netana-netconf-notif-envelope-02.pptx
@@ -20418,7 +20418,7 @@
                 <a:cs typeface="Calibri"/>
                 <a:sym typeface="Calibri"/>
               </a:rPr>
-              <a:t>Kent and Mahesh suggested at IETF 122 to initiate working group adoption call.</a:t>
+              <a:t>Kent and Mahesh suggested at IETF 121 to initiate working group adoption call.</a:t>
             </a:r>
             <a:endParaRPr sz="1900">
               <a:solidFill>

--- a/122/NETCONF/netconf-nmop-interim-draft-netana-netconf-notif-envelope-02.pptx
+++ b/122/NETCONF/netconf-nmop-interim-draft-netana-netconf-notif-envelope-02.pptx
@@ -32848,7 +32848,7 @@
               <a:buChar char="○"/>
             </a:pPr>
             <a:r>
-              <a:rPr lang="de-CH" sz="1900">
+              <a:rPr b="1" i="1" lang="de-CH" sz="1900">
                 <a:solidFill>
                   <a:schemeClr val="dk1"/>
                 </a:solidFill>
@@ -32857,7 +32857,19 @@
                 <a:cs typeface="Calibri"/>
                 <a:sym typeface="Calibri"/>
               </a:rPr>
-              <a:t>(2) The node “/sn:subscriptions/enable-notification-envelope” becomes </a:t>
+              <a:t>(2)</a:t>
+            </a:r>
+            <a:r>
+              <a:rPr lang="de-CH" sz="1900">
+                <a:solidFill>
+                  <a:schemeClr val="dk1"/>
+                </a:solidFill>
+                <a:latin typeface="Calibri"/>
+                <a:ea typeface="Calibri"/>
+                <a:cs typeface="Calibri"/>
+                <a:sym typeface="Calibri"/>
+              </a:rPr>
+              <a:t> The node “/sn:subscriptions/enable-notification-envelope” becomes </a:t>
             </a:r>
             <a:r>
               <a:rPr b="1" lang="de-CH" sz="1900">
@@ -32924,7 +32936,7 @@
               <a:buChar char="○"/>
             </a:pPr>
             <a:r>
-              <a:rPr lang="de-CH" sz="1900">
+              <a:rPr b="1" i="1" lang="de-CH" sz="1900">
                 <a:solidFill>
                   <a:schemeClr val="dk1"/>
                 </a:solidFill>
@@ -32933,7 +32945,19 @@
                 <a:cs typeface="Calibri"/>
                 <a:sym typeface="Calibri"/>
               </a:rPr>
-              <a:t>(3) Revert back to notification-envelope configurable per subscription</a:t>
+              <a:t>(3)</a:t>
+            </a:r>
+            <a:r>
+              <a:rPr lang="de-CH" sz="1900">
+                <a:solidFill>
+                  <a:schemeClr val="dk1"/>
+                </a:solidFill>
+                <a:latin typeface="Calibri"/>
+                <a:ea typeface="Calibri"/>
+                <a:cs typeface="Calibri"/>
+                <a:sym typeface="Calibri"/>
+              </a:rPr>
+              <a:t> Revert back to notification-envelope configurable per subscription</a:t>
             </a:r>
             <a:endParaRPr sz="1900">
               <a:solidFill>
